--- a/prototype/NDG Website Mockup.pptx
+++ b/prototype/NDG Website Mockup.pptx
@@ -2,20 +2,20 @@
 <file path=ppt/presentation.xml><?xml version="1.0" encoding="utf-8"?>
 <p:presentation xmlns:a="http://schemas.openxmlformats.org/drawingml/2006/main" xmlns:r="http://schemas.openxmlformats.org/officeDocument/2006/relationships" xmlns:p="http://schemas.openxmlformats.org/presentationml/2006/main" saveSubsetFonts="1">
   <p:sldMasterIdLst>
-    <p:sldMasterId id="2147483648" r:id="rId153"/>
-    <p:sldMasterId id="2147483660" r:id="rId154"/>
+    <p:sldMasterId id="2147483648" r:id="rId161"/>
+    <p:sldMasterId id="2147483660" r:id="rId162"/>
   </p:sldMasterIdLst>
   <p:sldIdLst>
-    <p:sldId id="256" r:id="rId155"/>
-    <p:sldId id="257" r:id="rId156"/>
-    <p:sldId id="258" r:id="rId157"/>
-    <p:sldId id="259" r:id="rId158"/>
-    <p:sldId id="260" r:id="rId159"/>
-    <p:sldId id="261" r:id="rId160"/>
-    <p:sldId id="262" r:id="rId161"/>
-    <p:sldId id="263" r:id="rId162"/>
-    <p:sldId id="264" r:id="rId163"/>
-    <p:sldId id="265" r:id="rId164"/>
+    <p:sldId id="256" r:id="rId163"/>
+    <p:sldId id="257" r:id="rId164"/>
+    <p:sldId id="258" r:id="rId165"/>
+    <p:sldId id="259" r:id="rId166"/>
+    <p:sldId id="260" r:id="rId167"/>
+    <p:sldId id="261" r:id="rId168"/>
+    <p:sldId id="262" r:id="rId169"/>
+    <p:sldId id="263" r:id="rId170"/>
+    <p:sldId id="264" r:id="rId171"/>
+    <p:sldId id="265" r:id="rId172"/>
   </p:sldIdLst>
   <p:sldSz cx="12192000" cy="6858000"/>
   <p:notesSz cx="6858000" cy="9144000"/>
@@ -253,7 +253,7 @@
           <a:p>
             <a:fld id="{6313CD0A-FFE1-45BB-863A-E65D99B258B7}" type="datetimeFigureOut">
               <a:rPr lang="en-GB" smtClean="0"/>
-              <a:t>21/02/2015</a:t>
+              <a:t>14/03/2015</a:t>
             </a:fld>
             <a:endParaRPr lang="en-GB"/>
           </a:p>
@@ -423,7 +423,7 @@
           <a:p>
             <a:fld id="{6313CD0A-FFE1-45BB-863A-E65D99B258B7}" type="datetimeFigureOut">
               <a:rPr lang="en-GB" smtClean="0"/>
-              <a:t>21/02/2015</a:t>
+              <a:t>14/03/2015</a:t>
             </a:fld>
             <a:endParaRPr lang="en-GB"/>
           </a:p>
@@ -603,7 +603,7 @@
           <a:p>
             <a:fld id="{6313CD0A-FFE1-45BB-863A-E65D99B258B7}" type="datetimeFigureOut">
               <a:rPr lang="en-GB" smtClean="0"/>
-              <a:t>21/02/2015</a:t>
+              <a:t>14/03/2015</a:t>
             </a:fld>
             <a:endParaRPr lang="en-GB"/>
           </a:p>
@@ -1386,7 +1386,7 @@
           <a:p>
             <a:fld id="{6313CD0A-FFE1-45BB-863A-E65D99B258B7}" type="datetimeFigureOut">
               <a:rPr lang="en-GB" smtClean="0"/>
-              <a:t>21/02/2015</a:t>
+              <a:t>14/03/2015</a:t>
             </a:fld>
             <a:endParaRPr lang="en-GB"/>
           </a:p>
@@ -1562,7 +1562,7 @@
           <a:p>
             <a:fld id="{6313CD0A-FFE1-45BB-863A-E65D99B258B7}" type="datetimeFigureOut">
               <a:rPr lang="en-GB" smtClean="0"/>
-              <a:t>21/02/2015</a:t>
+              <a:t>14/03/2015</a:t>
             </a:fld>
             <a:endParaRPr lang="en-GB"/>
           </a:p>
@@ -1809,7 +1809,7 @@
           <a:p>
             <a:fld id="{6313CD0A-FFE1-45BB-863A-E65D99B258B7}" type="datetimeFigureOut">
               <a:rPr lang="en-GB" smtClean="0"/>
-              <a:t>21/02/2015</a:t>
+              <a:t>14/03/2015</a:t>
             </a:fld>
             <a:endParaRPr lang="en-GB"/>
           </a:p>
@@ -2041,7 +2041,7 @@
           <a:p>
             <a:fld id="{6313CD0A-FFE1-45BB-863A-E65D99B258B7}" type="datetimeFigureOut">
               <a:rPr lang="en-GB" smtClean="0"/>
-              <a:t>21/02/2015</a:t>
+              <a:t>14/03/2015</a:t>
             </a:fld>
             <a:endParaRPr lang="en-GB"/>
           </a:p>
@@ -2415,7 +2415,7 @@
           <a:p>
             <a:fld id="{6313CD0A-FFE1-45BB-863A-E65D99B258B7}" type="datetimeFigureOut">
               <a:rPr lang="en-GB" smtClean="0"/>
-              <a:t>21/02/2015</a:t>
+              <a:t>14/03/2015</a:t>
             </a:fld>
             <a:endParaRPr lang="en-GB"/>
           </a:p>
@@ -2538,7 +2538,7 @@
           <a:p>
             <a:fld id="{6313CD0A-FFE1-45BB-863A-E65D99B258B7}" type="datetimeFigureOut">
               <a:rPr lang="en-GB" smtClean="0"/>
-              <a:t>21/02/2015</a:t>
+              <a:t>14/03/2015</a:t>
             </a:fld>
             <a:endParaRPr lang="en-GB"/>
           </a:p>
@@ -2633,7 +2633,7 @@
           <a:p>
             <a:fld id="{6313CD0A-FFE1-45BB-863A-E65D99B258B7}" type="datetimeFigureOut">
               <a:rPr lang="en-GB" smtClean="0"/>
-              <a:t>21/02/2015</a:t>
+              <a:t>14/03/2015</a:t>
             </a:fld>
             <a:endParaRPr lang="en-GB"/>
           </a:p>
@@ -2888,7 +2888,7 @@
           <a:p>
             <a:fld id="{6313CD0A-FFE1-45BB-863A-E65D99B258B7}" type="datetimeFigureOut">
               <a:rPr lang="en-GB" smtClean="0"/>
-              <a:t>21/02/2015</a:t>
+              <a:t>14/03/2015</a:t>
             </a:fld>
             <a:endParaRPr lang="en-GB"/>
           </a:p>
@@ -3058,7 +3058,7 @@
           <a:p>
             <a:fld id="{6313CD0A-FFE1-45BB-863A-E65D99B258B7}" type="datetimeFigureOut">
               <a:rPr lang="en-GB" smtClean="0"/>
-              <a:t>21/02/2015</a:t>
+              <a:t>14/03/2015</a:t>
             </a:fld>
             <a:endParaRPr lang="en-GB"/>
           </a:p>
@@ -3321,7 +3321,7 @@
           <a:p>
             <a:fld id="{6313CD0A-FFE1-45BB-863A-E65D99B258B7}" type="datetimeFigureOut">
               <a:rPr lang="en-GB" smtClean="0"/>
-              <a:t>21/02/2015</a:t>
+              <a:t>14/03/2015</a:t>
             </a:fld>
             <a:endParaRPr lang="en-GB"/>
           </a:p>
@@ -3572,7 +3572,7 @@
           <a:p>
             <a:fld id="{6313CD0A-FFE1-45BB-863A-E65D99B258B7}" type="datetimeFigureOut">
               <a:rPr lang="en-GB" smtClean="0"/>
-              <a:t>21/02/2015</a:t>
+              <a:t>14/03/2015</a:t>
             </a:fld>
             <a:endParaRPr lang="en-GB"/>
           </a:p>
@@ -3886,7 +3886,7 @@
           <a:p>
             <a:fld id="{6313CD0A-FFE1-45BB-863A-E65D99B258B7}" type="datetimeFigureOut">
               <a:rPr lang="en-GB" smtClean="0"/>
-              <a:t>21/02/2015</a:t>
+              <a:t>14/03/2015</a:t>
             </a:fld>
             <a:endParaRPr lang="en-GB"/>
           </a:p>
@@ -4227,7 +4227,7 @@
           <a:p>
             <a:fld id="{6313CD0A-FFE1-45BB-863A-E65D99B258B7}" type="datetimeFigureOut">
               <a:rPr lang="en-GB" smtClean="0"/>
-              <a:t>21/02/2015</a:t>
+              <a:t>14/03/2015</a:t>
             </a:fld>
             <a:endParaRPr lang="en-GB"/>
           </a:p>
@@ -4541,7 +4541,7 @@
           <a:p>
             <a:fld id="{6313CD0A-FFE1-45BB-863A-E65D99B258B7}" type="datetimeFigureOut">
               <a:rPr lang="en-GB" smtClean="0"/>
-              <a:t>21/02/2015</a:t>
+              <a:t>14/03/2015</a:t>
             </a:fld>
             <a:endParaRPr lang="en-GB"/>
           </a:p>
@@ -4934,7 +4934,7 @@
           <a:p>
             <a:fld id="{6313CD0A-FFE1-45BB-863A-E65D99B258B7}" type="datetimeFigureOut">
               <a:rPr lang="en-GB" smtClean="0"/>
-              <a:t>21/02/2015</a:t>
+              <a:t>14/03/2015</a:t>
             </a:fld>
             <a:endParaRPr lang="en-GB"/>
           </a:p>
@@ -5104,7 +5104,7 @@
           <a:p>
             <a:fld id="{6313CD0A-FFE1-45BB-863A-E65D99B258B7}" type="datetimeFigureOut">
               <a:rPr lang="en-GB" smtClean="0"/>
-              <a:t>21/02/2015</a:t>
+              <a:t>14/03/2015</a:t>
             </a:fld>
             <a:endParaRPr lang="en-GB"/>
           </a:p>
@@ -5284,7 +5284,7 @@
           <a:p>
             <a:fld id="{6313CD0A-FFE1-45BB-863A-E65D99B258B7}" type="datetimeFigureOut">
               <a:rPr lang="en-GB" smtClean="0"/>
-              <a:t>21/02/2015</a:t>
+              <a:t>14/03/2015</a:t>
             </a:fld>
             <a:endParaRPr lang="en-GB"/>
           </a:p>
@@ -5530,7 +5530,7 @@
           <a:p>
             <a:fld id="{6313CD0A-FFE1-45BB-863A-E65D99B258B7}" type="datetimeFigureOut">
               <a:rPr lang="en-GB" smtClean="0"/>
-              <a:t>21/02/2015</a:t>
+              <a:t>14/03/2015</a:t>
             </a:fld>
             <a:endParaRPr lang="en-GB"/>
           </a:p>
@@ -5762,7 +5762,7 @@
           <a:p>
             <a:fld id="{6313CD0A-FFE1-45BB-863A-E65D99B258B7}" type="datetimeFigureOut">
               <a:rPr lang="en-GB" smtClean="0"/>
-              <a:t>21/02/2015</a:t>
+              <a:t>14/03/2015</a:t>
             </a:fld>
             <a:endParaRPr lang="en-GB"/>
           </a:p>
@@ -6129,7 +6129,7 @@
           <a:p>
             <a:fld id="{6313CD0A-FFE1-45BB-863A-E65D99B258B7}" type="datetimeFigureOut">
               <a:rPr lang="en-GB" smtClean="0"/>
-              <a:t>21/02/2015</a:t>
+              <a:t>14/03/2015</a:t>
             </a:fld>
             <a:endParaRPr lang="en-GB"/>
           </a:p>
@@ -6247,7 +6247,7 @@
           <a:p>
             <a:fld id="{6313CD0A-FFE1-45BB-863A-E65D99B258B7}" type="datetimeFigureOut">
               <a:rPr lang="en-GB" smtClean="0"/>
-              <a:t>21/02/2015</a:t>
+              <a:t>14/03/2015</a:t>
             </a:fld>
             <a:endParaRPr lang="en-GB"/>
           </a:p>
@@ -6342,7 +6342,7 @@
           <a:p>
             <a:fld id="{6313CD0A-FFE1-45BB-863A-E65D99B258B7}" type="datetimeFigureOut">
               <a:rPr lang="en-GB" smtClean="0"/>
-              <a:t>21/02/2015</a:t>
+              <a:t>14/03/2015</a:t>
             </a:fld>
             <a:endParaRPr lang="en-GB"/>
           </a:p>
@@ -6619,7 +6619,7 @@
           <a:p>
             <a:fld id="{6313CD0A-FFE1-45BB-863A-E65D99B258B7}" type="datetimeFigureOut">
               <a:rPr lang="en-GB" smtClean="0"/>
-              <a:t>21/02/2015</a:t>
+              <a:t>14/03/2015</a:t>
             </a:fld>
             <a:endParaRPr lang="en-GB"/>
           </a:p>
@@ -6872,7 +6872,7 @@
           <a:p>
             <a:fld id="{6313CD0A-FFE1-45BB-863A-E65D99B258B7}" type="datetimeFigureOut">
               <a:rPr lang="en-GB" smtClean="0"/>
-              <a:t>21/02/2015</a:t>
+              <a:t>14/03/2015</a:t>
             </a:fld>
             <a:endParaRPr lang="en-GB"/>
           </a:p>
@@ -7085,7 +7085,7 @@
           <a:p>
             <a:fld id="{6313CD0A-FFE1-45BB-863A-E65D99B258B7}" type="datetimeFigureOut">
               <a:rPr lang="en-GB" smtClean="0"/>
-              <a:t>21/02/2015</a:t>
+              <a:t>14/03/2015</a:t>
             </a:fld>
             <a:endParaRPr lang="en-GB"/>
           </a:p>
@@ -8155,7 +8155,7 @@
           <a:p>
             <a:fld id="{6313CD0A-FFE1-45BB-863A-E65D99B258B7}" type="datetimeFigureOut">
               <a:rPr lang="en-GB" smtClean="0"/>
-              <a:t>21/02/2015</a:t>
+              <a:t>14/03/2015</a:t>
             </a:fld>
             <a:endParaRPr lang="en-GB"/>
           </a:p>
@@ -10267,11 +10267,228 @@
       </p:grpSp>
       <p:sp>
         <p:nvSpPr>
-          <p:cNvPr id="43" name="Content"/>
+          <p:cNvPr id="44" name="Content"/>
+          <p:cNvSpPr/>
+          <p:nvPr/>
+        </p:nvSpPr>
+        <p:spPr>
+          <a:xfrm>
+            <a:off x="4578432" y="-502340"/>
+            <a:ext cx="2830841" cy="312033"/>
+          </a:xfrm>
+          <a:prstGeom prst="rect">
+            <a:avLst/>
+          </a:prstGeom>
+          <a:solidFill>
+            <a:srgbClr val="000000">
+              <a:lumMod val="65000"/>
+              <a:lumOff val="35000"/>
+            </a:srgbClr>
+          </a:solidFill>
+          <a:ln>
+            <a:noFill/>
+          </a:ln>
+        </p:spPr>
+        <p:style>
+          <a:lnRef idx="2">
+            <a:srgbClr val="4F81BD">
+              <a:shade val="50000"/>
+            </a:srgbClr>
+          </a:lnRef>
+          <a:fillRef idx="1">
+            <a:srgbClr val="4F81BD"/>
+          </a:fillRef>
+          <a:effectRef idx="0">
+            <a:srgbClr val="4F81BD"/>
+          </a:effectRef>
+          <a:fontRef idx="minor">
+            <a:srgbClr val="000000"/>
+          </a:fontRef>
+        </p:style>
+        <p:txBody>
+          <a:bodyPr rtlCol="0" anchor="ctr"/>
+          <a:lstStyle/>
+          <a:p>
+            <a:endParaRPr lang="en-US" sz="2000" dirty="0" smtClean="0">
+              <a:solidFill>
+                <a:srgbClr val="FFFFFF">
+                  <a:lumMod val="85000"/>
+                </a:srgbClr>
+              </a:solidFill>
+              <a:latin typeface="Segoe UI Light" pitchFamily="34" charset="0"/>
+              <a:cs typeface="Segoe UI Light" pitchFamily="34" charset="0"/>
+            </a:endParaRPr>
+          </a:p>
+          <a:p>
+            <a:pPr algn="ctr"/>
+            <a:r>
+              <a:rPr lang="en-US" sz="2000" dirty="0" smtClean="0">
+                <a:solidFill>
+                  <a:srgbClr val="FFFFFF">
+                    <a:lumMod val="85000"/>
+                  </a:srgbClr>
+                </a:solidFill>
+                <a:latin typeface="Segoe UI Light" pitchFamily="34" charset="0"/>
+                <a:cs typeface="Segoe UI Light" pitchFamily="34" charset="0"/>
+              </a:rPr>
+              <a:t>empty</a:t>
+            </a:r>
+            <a:endParaRPr lang="en-US" sz="2000" dirty="0">
+              <a:solidFill>
+                <a:srgbClr val="FFFFFF">
+                  <a:lumMod val="85000"/>
+                </a:srgbClr>
+              </a:solidFill>
+            </a:endParaRPr>
+          </a:p>
+          <a:p>
+            <a:endParaRPr lang="en-US" sz="2000" dirty="0">
+              <a:latin typeface="Segoe UI Light" pitchFamily="34" charset="0"/>
+              <a:cs typeface="Segoe UI Light" pitchFamily="34" charset="0"/>
+            </a:endParaRPr>
+          </a:p>
+        </p:txBody>
+      </p:sp>
+      <p:sp>
+        <p:nvSpPr>
+          <p:cNvPr id="45" name="Tile"/>
           <p:cNvSpPr/>
           <p:nvPr>
             <p:custDataLst>
               <p:custData r:id="rId6"/>
+            </p:custDataLst>
+          </p:nvPr>
+        </p:nvSpPr>
+        <p:spPr>
+          <a:xfrm>
+            <a:off x="814038" y="6400800"/>
+            <a:ext cx="10494042" cy="344373"/>
+          </a:xfrm>
+          <a:prstGeom prst="rect">
+            <a:avLst/>
+          </a:prstGeom>
+          <a:solidFill>
+            <a:schemeClr val="tx1">
+              <a:lumMod val="95000"/>
+              <a:lumOff val="5000"/>
+            </a:schemeClr>
+          </a:solidFill>
+          <a:ln>
+            <a:noFill/>
+          </a:ln>
+        </p:spPr>
+        <p:style>
+          <a:lnRef idx="2">
+            <a:srgbClr val="4F81BD">
+              <a:shade val="50000"/>
+            </a:srgbClr>
+          </a:lnRef>
+          <a:fillRef idx="1">
+            <a:srgbClr val="4F81BD"/>
+          </a:fillRef>
+          <a:effectRef idx="0">
+            <a:srgbClr val="4F81BD"/>
+          </a:effectRef>
+          <a:fontRef idx="minor">
+            <a:srgbClr val="000000"/>
+          </a:fontRef>
+        </p:style>
+        <p:txBody>
+          <a:bodyPr rtlCol="0" anchor="ctr"/>
+          <a:lstStyle/>
+          <a:p>
+            <a:pPr algn="ctr"/>
+            <a:endParaRPr lang="en-US"/>
+          </a:p>
+        </p:txBody>
+      </p:sp>
+      <p:sp>
+        <p:nvSpPr>
+          <p:cNvPr id="46" name="Content"/>
+          <p:cNvSpPr txBox="1"/>
+          <p:nvPr>
+            <p:custDataLst>
+              <p:custData r:id="rId7"/>
+            </p:custDataLst>
+          </p:nvPr>
+        </p:nvSpPr>
+        <p:spPr>
+          <a:xfrm>
+            <a:off x="876998" y="6433778"/>
+            <a:ext cx="2460562" cy="230832"/>
+          </a:xfrm>
+          <a:prstGeom prst="rect">
+            <a:avLst/>
+          </a:prstGeom>
+          <a:noFill/>
+        </p:spPr>
+        <p:txBody>
+          <a:bodyPr wrap="square" lIns="91440" tIns="18288" rIns="91440" bIns="27432" rtlCol="0" anchor="ctr" anchorCtr="0">
+            <a:spAutoFit/>
+          </a:bodyPr>
+          <a:lstStyle/>
+          <a:p>
+            <a:r>
+              <a:rPr lang="en-US" sz="1200" dirty="0" smtClean="0">
+                <a:solidFill>
+                  <a:schemeClr val="bg1"/>
+                </a:solidFill>
+                <a:latin typeface="Segoe UI" pitchFamily="34" charset="0"/>
+                <a:ea typeface="Segoe UI" pitchFamily="34" charset="0"/>
+                <a:cs typeface="Segoe UI" pitchFamily="34" charset="0"/>
+              </a:rPr>
+              <a:t>© NACOSS Developers Group</a:t>
+            </a:r>
+          </a:p>
+        </p:txBody>
+      </p:sp>
+      <p:sp>
+        <p:nvSpPr>
+          <p:cNvPr id="47" name="Content"/>
+          <p:cNvSpPr txBox="1"/>
+          <p:nvPr>
+            <p:custDataLst>
+              <p:custData r:id="rId8"/>
+            </p:custDataLst>
+          </p:nvPr>
+        </p:nvSpPr>
+        <p:spPr>
+          <a:xfrm>
+            <a:off x="9778068" y="6433778"/>
+            <a:ext cx="1316610" cy="230832"/>
+          </a:xfrm>
+          <a:prstGeom prst="rect">
+            <a:avLst/>
+          </a:prstGeom>
+          <a:noFill/>
+        </p:spPr>
+        <p:txBody>
+          <a:bodyPr wrap="square" lIns="91440" tIns="18288" rIns="91440" bIns="27432" rtlCol="0" anchor="ctr" anchorCtr="0">
+            <a:spAutoFit/>
+          </a:bodyPr>
+          <a:lstStyle/>
+          <a:p>
+            <a:r>
+              <a:rPr lang="en-US" sz="1200" dirty="0" smtClean="0">
+                <a:solidFill>
+                  <a:schemeClr val="bg1"/>
+                </a:solidFill>
+                <a:latin typeface="Segoe UI" pitchFamily="34" charset="0"/>
+                <a:ea typeface="Segoe UI" pitchFamily="34" charset="0"/>
+                <a:cs typeface="Segoe UI" pitchFamily="34" charset="0"/>
+              </a:rPr>
+              <a:t>Feedback | FAQs</a:t>
+            </a:r>
+          </a:p>
+        </p:txBody>
+      </p:sp>
+      <p:sp>
+        <p:nvSpPr>
+          <p:cNvPr id="48" name="Content"/>
+          <p:cNvSpPr/>
+          <p:nvPr>
+            <p:custDataLst>
+              <p:custData r:id="rId9"/>
             </p:custDataLst>
           </p:nvPr>
         </p:nvSpPr>
@@ -10371,7 +10588,34 @@
                 </a:solidFill>
                 <a:latin typeface="Segoe UI"/>
               </a:rPr>
-              <a:t>Forum  Prospectus   Library  Alumni   Contact</a:t>
+              <a:t>Forum  Prospectus   Library  Alumni   </a:t>
+            </a:r>
+            <a:r>
+              <a:rPr lang="en-US" sz="1400" kern="0" dirty="0">
+                <a:solidFill>
+                  <a:schemeClr val="bg1"/>
+                </a:solidFill>
+                <a:latin typeface="Segoe UI"/>
+              </a:rPr>
+              <a:t>Contact </a:t>
+            </a:r>
+            <a:r>
+              <a:rPr lang="en-US" sz="1400" kern="0" dirty="0" smtClean="0">
+                <a:solidFill>
+                  <a:schemeClr val="bg1"/>
+                </a:solidFill>
+                <a:latin typeface="Segoe UI"/>
+              </a:rPr>
+              <a:t> About </a:t>
+            </a:r>
+            <a:r>
+              <a:rPr lang="en-US" sz="1400" kern="0" dirty="0">
+                <a:solidFill>
+                  <a:schemeClr val="bg1"/>
+                </a:solidFill>
+                <a:latin typeface="Segoe UI"/>
+              </a:rPr>
+              <a:t>Us</a:t>
             </a:r>
             <a:endParaRPr kumimoji="0" lang="en-US" sz="1400" b="0" i="0" u="none" strike="noStrike" kern="0" cap="none" spc="0" normalizeH="0" baseline="0" noProof="0" dirty="0" smtClean="0">
               <a:ln>
@@ -10388,223 +10632,6 @@
               <a:uFillTx/>
               <a:latin typeface="Segoe UI"/>
             </a:endParaRPr>
-          </a:p>
-        </p:txBody>
-      </p:sp>
-      <p:sp>
-        <p:nvSpPr>
-          <p:cNvPr id="44" name="Content"/>
-          <p:cNvSpPr/>
-          <p:nvPr/>
-        </p:nvSpPr>
-        <p:spPr>
-          <a:xfrm>
-            <a:off x="4578432" y="-502340"/>
-            <a:ext cx="2830841" cy="312033"/>
-          </a:xfrm>
-          <a:prstGeom prst="rect">
-            <a:avLst/>
-          </a:prstGeom>
-          <a:solidFill>
-            <a:srgbClr val="000000">
-              <a:lumMod val="65000"/>
-              <a:lumOff val="35000"/>
-            </a:srgbClr>
-          </a:solidFill>
-          <a:ln>
-            <a:noFill/>
-          </a:ln>
-        </p:spPr>
-        <p:style>
-          <a:lnRef idx="2">
-            <a:srgbClr val="4F81BD">
-              <a:shade val="50000"/>
-            </a:srgbClr>
-          </a:lnRef>
-          <a:fillRef idx="1">
-            <a:srgbClr val="4F81BD"/>
-          </a:fillRef>
-          <a:effectRef idx="0">
-            <a:srgbClr val="4F81BD"/>
-          </a:effectRef>
-          <a:fontRef idx="minor">
-            <a:srgbClr val="000000"/>
-          </a:fontRef>
-        </p:style>
-        <p:txBody>
-          <a:bodyPr rtlCol="0" anchor="ctr"/>
-          <a:lstStyle/>
-          <a:p>
-            <a:endParaRPr lang="en-US" sz="2000" dirty="0" smtClean="0">
-              <a:solidFill>
-                <a:srgbClr val="FFFFFF">
-                  <a:lumMod val="85000"/>
-                </a:srgbClr>
-              </a:solidFill>
-              <a:latin typeface="Segoe UI Light" pitchFamily="34" charset="0"/>
-              <a:cs typeface="Segoe UI Light" pitchFamily="34" charset="0"/>
-            </a:endParaRPr>
-          </a:p>
-          <a:p>
-            <a:pPr algn="ctr"/>
-            <a:r>
-              <a:rPr lang="en-US" sz="2000" dirty="0" smtClean="0">
-                <a:solidFill>
-                  <a:srgbClr val="FFFFFF">
-                    <a:lumMod val="85000"/>
-                  </a:srgbClr>
-                </a:solidFill>
-                <a:latin typeface="Segoe UI Light" pitchFamily="34" charset="0"/>
-                <a:cs typeface="Segoe UI Light" pitchFamily="34" charset="0"/>
-              </a:rPr>
-              <a:t>empty</a:t>
-            </a:r>
-            <a:endParaRPr lang="en-US" sz="2000" dirty="0">
-              <a:solidFill>
-                <a:srgbClr val="FFFFFF">
-                  <a:lumMod val="85000"/>
-                </a:srgbClr>
-              </a:solidFill>
-            </a:endParaRPr>
-          </a:p>
-          <a:p>
-            <a:endParaRPr lang="en-US" sz="2000" dirty="0">
-              <a:latin typeface="Segoe UI Light" pitchFamily="34" charset="0"/>
-              <a:cs typeface="Segoe UI Light" pitchFamily="34" charset="0"/>
-            </a:endParaRPr>
-          </a:p>
-        </p:txBody>
-      </p:sp>
-      <p:sp>
-        <p:nvSpPr>
-          <p:cNvPr id="45" name="Tile"/>
-          <p:cNvSpPr/>
-          <p:nvPr>
-            <p:custDataLst>
-              <p:custData r:id="rId7"/>
-            </p:custDataLst>
-          </p:nvPr>
-        </p:nvSpPr>
-        <p:spPr>
-          <a:xfrm>
-            <a:off x="814038" y="6400800"/>
-            <a:ext cx="10494042" cy="344373"/>
-          </a:xfrm>
-          <a:prstGeom prst="rect">
-            <a:avLst/>
-          </a:prstGeom>
-          <a:solidFill>
-            <a:schemeClr val="tx1">
-              <a:lumMod val="95000"/>
-              <a:lumOff val="5000"/>
-            </a:schemeClr>
-          </a:solidFill>
-          <a:ln>
-            <a:noFill/>
-          </a:ln>
-        </p:spPr>
-        <p:style>
-          <a:lnRef idx="2">
-            <a:srgbClr val="4F81BD">
-              <a:shade val="50000"/>
-            </a:srgbClr>
-          </a:lnRef>
-          <a:fillRef idx="1">
-            <a:srgbClr val="4F81BD"/>
-          </a:fillRef>
-          <a:effectRef idx="0">
-            <a:srgbClr val="4F81BD"/>
-          </a:effectRef>
-          <a:fontRef idx="minor">
-            <a:srgbClr val="000000"/>
-          </a:fontRef>
-        </p:style>
-        <p:txBody>
-          <a:bodyPr rtlCol="0" anchor="ctr"/>
-          <a:lstStyle/>
-          <a:p>
-            <a:pPr algn="ctr"/>
-            <a:endParaRPr lang="en-US"/>
-          </a:p>
-        </p:txBody>
-      </p:sp>
-      <p:sp>
-        <p:nvSpPr>
-          <p:cNvPr id="46" name="Content"/>
-          <p:cNvSpPr txBox="1"/>
-          <p:nvPr>
-            <p:custDataLst>
-              <p:custData r:id="rId8"/>
-            </p:custDataLst>
-          </p:nvPr>
-        </p:nvSpPr>
-        <p:spPr>
-          <a:xfrm>
-            <a:off x="876998" y="6433778"/>
-            <a:ext cx="2460562" cy="230832"/>
-          </a:xfrm>
-          <a:prstGeom prst="rect">
-            <a:avLst/>
-          </a:prstGeom>
-          <a:noFill/>
-        </p:spPr>
-        <p:txBody>
-          <a:bodyPr wrap="square" lIns="91440" tIns="18288" rIns="91440" bIns="27432" rtlCol="0" anchor="ctr" anchorCtr="0">
-            <a:spAutoFit/>
-          </a:bodyPr>
-          <a:lstStyle/>
-          <a:p>
-            <a:r>
-              <a:rPr lang="en-US" sz="1200" dirty="0" smtClean="0">
-                <a:solidFill>
-                  <a:schemeClr val="bg1"/>
-                </a:solidFill>
-                <a:latin typeface="Segoe UI" pitchFamily="34" charset="0"/>
-                <a:ea typeface="Segoe UI" pitchFamily="34" charset="0"/>
-                <a:cs typeface="Segoe UI" pitchFamily="34" charset="0"/>
-              </a:rPr>
-              <a:t>© NACOSS Developers Group</a:t>
-            </a:r>
-          </a:p>
-        </p:txBody>
-      </p:sp>
-      <p:sp>
-        <p:nvSpPr>
-          <p:cNvPr id="47" name="Content"/>
-          <p:cNvSpPr txBox="1"/>
-          <p:nvPr>
-            <p:custDataLst>
-              <p:custData r:id="rId9"/>
-            </p:custDataLst>
-          </p:nvPr>
-        </p:nvSpPr>
-        <p:spPr>
-          <a:xfrm>
-            <a:off x="9778068" y="6433778"/>
-            <a:ext cx="1316610" cy="230832"/>
-          </a:xfrm>
-          <a:prstGeom prst="rect">
-            <a:avLst/>
-          </a:prstGeom>
-          <a:noFill/>
-        </p:spPr>
-        <p:txBody>
-          <a:bodyPr wrap="square" lIns="91440" tIns="18288" rIns="91440" bIns="27432" rtlCol="0" anchor="ctr" anchorCtr="0">
-            <a:spAutoFit/>
-          </a:bodyPr>
-          <a:lstStyle/>
-          <a:p>
-            <a:r>
-              <a:rPr lang="en-US" sz="1200" dirty="0" smtClean="0">
-                <a:solidFill>
-                  <a:schemeClr val="bg1"/>
-                </a:solidFill>
-                <a:latin typeface="Segoe UI" pitchFamily="34" charset="0"/>
-                <a:ea typeface="Segoe UI" pitchFamily="34" charset="0"/>
-                <a:cs typeface="Segoe UI" pitchFamily="34" charset="0"/>
-              </a:rPr>
-              <a:t>Feedback | FAQs</a:t>
-            </a:r>
           </a:p>
         </p:txBody>
       </p:sp>
@@ -12017,7 +12044,34 @@
                 </a:solidFill>
                 <a:latin typeface="Segoe UI"/>
               </a:rPr>
-              <a:t>Forum  Prospectus   Library  Alumni   Contact</a:t>
+              <a:t>Forum  Prospectus   Library  Alumni   </a:t>
+            </a:r>
+            <a:r>
+              <a:rPr lang="en-US" sz="1400" kern="0" dirty="0">
+                <a:solidFill>
+                  <a:schemeClr val="bg1"/>
+                </a:solidFill>
+                <a:latin typeface="Segoe UI"/>
+              </a:rPr>
+              <a:t>Contact </a:t>
+            </a:r>
+            <a:r>
+              <a:rPr lang="en-US" sz="1400" kern="0" dirty="0" smtClean="0">
+                <a:solidFill>
+                  <a:schemeClr val="bg1"/>
+                </a:solidFill>
+                <a:latin typeface="Segoe UI"/>
+              </a:rPr>
+              <a:t> About </a:t>
+            </a:r>
+            <a:r>
+              <a:rPr lang="en-US" sz="1400" kern="0" dirty="0">
+                <a:solidFill>
+                  <a:schemeClr val="bg1"/>
+                </a:solidFill>
+                <a:latin typeface="Segoe UI"/>
+              </a:rPr>
+              <a:t>Us</a:t>
             </a:r>
             <a:endParaRPr kumimoji="0" lang="en-US" sz="1400" b="0" i="0" u="none" strike="noStrike" kern="0" cap="none" spc="0" normalizeH="0" baseline="0" noProof="0" dirty="0" smtClean="0">
               <a:ln>
@@ -14535,137 +14589,11 @@
       </p:grpSp>
       <p:sp>
         <p:nvSpPr>
-          <p:cNvPr id="43" name="Content"/>
+          <p:cNvPr id="45" name="Tile"/>
           <p:cNvSpPr/>
           <p:nvPr>
             <p:custDataLst>
               <p:custData r:id="rId6"/>
-            </p:custDataLst>
-          </p:nvPr>
-        </p:nvSpPr>
-        <p:spPr>
-          <a:xfrm>
-            <a:off x="798798" y="666452"/>
-            <a:ext cx="10478802" cy="390440"/>
-          </a:xfrm>
-          <a:prstGeom prst="rect">
-            <a:avLst/>
-          </a:prstGeom>
-          <a:solidFill>
-            <a:schemeClr val="accent6">
-              <a:lumMod val="50000"/>
-            </a:schemeClr>
-          </a:solidFill>
-          <a:ln w="3175" cap="flat" cmpd="sng" algn="ctr">
-            <a:solidFill>
-              <a:srgbClr val="FFFFFF">
-                <a:lumMod val="50000"/>
-              </a:srgbClr>
-            </a:solidFill>
-            <a:prstDash val="solid"/>
-          </a:ln>
-          <a:effectLst/>
-        </p:spPr>
-        <p:txBody>
-          <a:bodyPr rot="0" spcFirstLastPara="0" vertOverflow="overflow" horzOverflow="overflow" vert="horz" wrap="square" lIns="45720" tIns="45720" rIns="91440" bIns="45720" numCol="1" spcCol="0" rtlCol="0" fromWordArt="0" anchor="ctr" anchorCtr="0" forceAA="0" compatLnSpc="1">
-            <a:prstTxWarp prst="textNoShape">
-              <a:avLst/>
-            </a:prstTxWarp>
-            <a:noAutofit/>
-          </a:bodyPr>
-          <a:lstStyle/>
-          <a:p>
-            <a:r>
-              <a:rPr kumimoji="0" lang="en-US" sz="1200" b="0" i="0" u="none" strike="noStrike" kern="0" cap="none" spc="0" normalizeH="0" baseline="0" noProof="0" dirty="0" smtClean="0">
-                <a:ln>
-                  <a:noFill/>
-                </a:ln>
-                <a:solidFill>
-                  <a:srgbClr val="000000">
-                    <a:lumMod val="75000"/>
-                    <a:lumOff val="25000"/>
-                  </a:srgbClr>
-                </a:solidFill>
-                <a:effectLst/>
-                <a:uLnTx/>
-                <a:uFillTx/>
-                <a:latin typeface="Segoe UI"/>
-                <a:ea typeface="+mn-ea"/>
-                <a:cs typeface="+mn-cs"/>
-              </a:rPr>
-              <a:t>  </a:t>
-            </a:r>
-            <a:r>
-              <a:rPr kumimoji="0" lang="en-US" sz="1400" b="0" i="0" u="none" strike="noStrike" kern="0" cap="none" spc="0" normalizeH="0" baseline="0" noProof="0" dirty="0" smtClean="0">
-                <a:ln>
-                  <a:noFill/>
-                </a:ln>
-                <a:solidFill>
-                  <a:schemeClr val="bg1"/>
-                </a:solidFill>
-                <a:effectLst/>
-                <a:uLnTx/>
-                <a:uFillTx/>
-                <a:latin typeface="Segoe UI"/>
-                <a:ea typeface="+mn-ea"/>
-                <a:cs typeface="+mn-cs"/>
-              </a:rPr>
-              <a:t>NACOSS UNN</a:t>
-            </a:r>
-            <a:r>
-              <a:rPr kumimoji="0" lang="en-US" sz="1200" b="0" i="0" u="none" strike="noStrike" kern="0" cap="none" spc="0" normalizeH="0" noProof="0" dirty="0" smtClean="0">
-                <a:ln>
-                  <a:noFill/>
-                </a:ln>
-                <a:solidFill>
-                  <a:srgbClr val="000000">
-                    <a:lumMod val="75000"/>
-                    <a:lumOff val="25000"/>
-                  </a:srgbClr>
-                </a:solidFill>
-                <a:effectLst/>
-                <a:uLnTx/>
-                <a:uFillTx/>
-                <a:latin typeface="Segoe UI"/>
-                <a:ea typeface="+mn-ea"/>
-                <a:cs typeface="+mn-cs"/>
-              </a:rPr>
-              <a:t>    </a:t>
-            </a:r>
-            <a:r>
-              <a:rPr lang="en-US" sz="1400" kern="0" dirty="0" smtClean="0">
-                <a:solidFill>
-                  <a:schemeClr val="bg1"/>
-                </a:solidFill>
-                <a:latin typeface="Segoe UI"/>
-              </a:rPr>
-              <a:t>Forum  Prospectus   Library  Alumni   Contact</a:t>
-            </a:r>
-            <a:endParaRPr kumimoji="0" lang="en-US" sz="1400" b="0" i="0" u="none" strike="noStrike" kern="0" cap="none" spc="0" normalizeH="0" baseline="0" noProof="0" dirty="0" smtClean="0">
-              <a:ln>
-                <a:noFill/>
-              </a:ln>
-              <a:solidFill>
-                <a:srgbClr val="000000">
-                  <a:lumMod val="75000"/>
-                  <a:lumOff val="25000"/>
-                </a:srgbClr>
-              </a:solidFill>
-              <a:effectLst/>
-              <a:uLnTx/>
-              <a:uFillTx/>
-              <a:latin typeface="Segoe UI"/>
-            </a:endParaRPr>
-          </a:p>
-        </p:txBody>
-      </p:sp>
-      <p:sp>
-        <p:nvSpPr>
-          <p:cNvPr id="45" name="Tile"/>
-          <p:cNvSpPr/>
-          <p:nvPr>
-            <p:custDataLst>
-              <p:custData r:id="rId7"/>
             </p:custDataLst>
           </p:nvPr>
         </p:nvSpPr>
@@ -14742,7 +14670,7 @@
           <p:cNvSpPr/>
           <p:nvPr>
             <p:custDataLst>
-              <p:custData r:id="rId8"/>
+              <p:custData r:id="rId7"/>
             </p:custDataLst>
           </p:nvPr>
         </p:nvSpPr>
@@ -14794,7 +14722,7 @@
           <p:cNvSpPr/>
           <p:nvPr>
             <p:custDataLst>
-              <p:custData r:id="rId9"/>
+              <p:custData r:id="rId8"/>
             </p:custDataLst>
           </p:nvPr>
         </p:nvSpPr>
@@ -14846,7 +14774,7 @@
           <p:cNvSpPr/>
           <p:nvPr>
             <p:custDataLst>
-              <p:custData r:id="rId10"/>
+              <p:custData r:id="rId9"/>
             </p:custDataLst>
           </p:nvPr>
         </p:nvSpPr>
@@ -14898,7 +14826,7 @@
           <p:cNvSpPr/>
           <p:nvPr>
             <p:custDataLst>
-              <p:custData r:id="rId11"/>
+              <p:custData r:id="rId10"/>
             </p:custDataLst>
           </p:nvPr>
         </p:nvSpPr>
@@ -14951,7 +14879,7 @@
           <p:cNvSpPr txBox="1"/>
           <p:nvPr>
             <p:custDataLst>
-              <p:custData r:id="rId12"/>
+              <p:custData r:id="rId11"/>
             </p:custDataLst>
           </p:nvPr>
         </p:nvSpPr>
@@ -14991,7 +14919,7 @@
           <p:cNvSpPr txBox="1"/>
           <p:nvPr>
             <p:custDataLst>
-              <p:custData r:id="rId13"/>
+              <p:custData r:id="rId12"/>
             </p:custDataLst>
           </p:nvPr>
         </p:nvSpPr>
@@ -15117,6 +15045,159 @@
             <a:endParaRPr lang="en-US" sz="2000" dirty="0">
               <a:latin typeface="Segoe UI Light" pitchFamily="34" charset="0"/>
               <a:cs typeface="Segoe UI Light" pitchFamily="34" charset="0"/>
+            </a:endParaRPr>
+          </a:p>
+        </p:txBody>
+      </p:sp>
+      <p:sp>
+        <p:nvSpPr>
+          <p:cNvPr id="53" name="Content"/>
+          <p:cNvSpPr/>
+          <p:nvPr>
+            <p:custDataLst>
+              <p:custData r:id="rId13"/>
+            </p:custDataLst>
+          </p:nvPr>
+        </p:nvSpPr>
+        <p:spPr>
+          <a:xfrm>
+            <a:off x="798798" y="666452"/>
+            <a:ext cx="10478802" cy="390440"/>
+          </a:xfrm>
+          <a:prstGeom prst="rect">
+            <a:avLst/>
+          </a:prstGeom>
+          <a:solidFill>
+            <a:schemeClr val="accent6">
+              <a:lumMod val="50000"/>
+            </a:schemeClr>
+          </a:solidFill>
+          <a:ln w="3175" cap="flat" cmpd="sng" algn="ctr">
+            <a:solidFill>
+              <a:srgbClr val="FFFFFF">
+                <a:lumMod val="50000"/>
+              </a:srgbClr>
+            </a:solidFill>
+            <a:prstDash val="solid"/>
+          </a:ln>
+          <a:effectLst/>
+        </p:spPr>
+        <p:txBody>
+          <a:bodyPr rot="0" spcFirstLastPara="0" vertOverflow="overflow" horzOverflow="overflow" vert="horz" wrap="square" lIns="45720" tIns="45720" rIns="91440" bIns="45720" numCol="1" spcCol="0" rtlCol="0" fromWordArt="0" anchor="ctr" anchorCtr="0" forceAA="0" compatLnSpc="1">
+            <a:prstTxWarp prst="textNoShape">
+              <a:avLst/>
+            </a:prstTxWarp>
+            <a:noAutofit/>
+          </a:bodyPr>
+          <a:lstStyle/>
+          <a:p>
+            <a:r>
+              <a:rPr kumimoji="0" lang="en-US" sz="1200" b="0" i="0" u="none" strike="noStrike" kern="0" cap="none" spc="0" normalizeH="0" baseline="0" noProof="0" dirty="0" smtClean="0">
+                <a:ln>
+                  <a:noFill/>
+                </a:ln>
+                <a:solidFill>
+                  <a:srgbClr val="000000">
+                    <a:lumMod val="75000"/>
+                    <a:lumOff val="25000"/>
+                  </a:srgbClr>
+                </a:solidFill>
+                <a:effectLst/>
+                <a:uLnTx/>
+                <a:uFillTx/>
+                <a:latin typeface="Segoe UI"/>
+                <a:ea typeface="+mn-ea"/>
+                <a:cs typeface="+mn-cs"/>
+              </a:rPr>
+              <a:t>  </a:t>
+            </a:r>
+            <a:r>
+              <a:rPr kumimoji="0" lang="en-US" sz="1400" b="0" i="0" u="none" strike="noStrike" kern="0" cap="none" spc="0" normalizeH="0" baseline="0" noProof="0" dirty="0" smtClean="0">
+                <a:ln>
+                  <a:noFill/>
+                </a:ln>
+                <a:solidFill>
+                  <a:schemeClr val="bg1"/>
+                </a:solidFill>
+                <a:effectLst/>
+                <a:uLnTx/>
+                <a:uFillTx/>
+                <a:latin typeface="Segoe UI"/>
+                <a:ea typeface="+mn-ea"/>
+                <a:cs typeface="+mn-cs"/>
+              </a:rPr>
+              <a:t>NACOSS UNN</a:t>
+            </a:r>
+            <a:r>
+              <a:rPr kumimoji="0" lang="en-US" sz="1200" b="0" i="0" u="none" strike="noStrike" kern="0" cap="none" spc="0" normalizeH="0" noProof="0" dirty="0" smtClean="0">
+                <a:ln>
+                  <a:noFill/>
+                </a:ln>
+                <a:solidFill>
+                  <a:srgbClr val="000000">
+                    <a:lumMod val="75000"/>
+                    <a:lumOff val="25000"/>
+                  </a:srgbClr>
+                </a:solidFill>
+                <a:effectLst/>
+                <a:uLnTx/>
+                <a:uFillTx/>
+                <a:latin typeface="Segoe UI"/>
+                <a:ea typeface="+mn-ea"/>
+                <a:cs typeface="+mn-cs"/>
+              </a:rPr>
+              <a:t>    </a:t>
+            </a:r>
+            <a:r>
+              <a:rPr lang="en-US" sz="1400" kern="0" dirty="0" smtClean="0">
+                <a:solidFill>
+                  <a:schemeClr val="bg1"/>
+                </a:solidFill>
+                <a:latin typeface="Segoe UI"/>
+              </a:rPr>
+              <a:t>Forum  Prospectus   Library  Alumni   </a:t>
+            </a:r>
+            <a:r>
+              <a:rPr lang="en-US" sz="1400" kern="0" dirty="0">
+                <a:solidFill>
+                  <a:schemeClr val="bg1"/>
+                </a:solidFill>
+                <a:latin typeface="Segoe UI"/>
+              </a:rPr>
+              <a:t>Contact </a:t>
+            </a:r>
+            <a:r>
+              <a:rPr lang="en-US" sz="1400" kern="0" dirty="0" smtClean="0">
+                <a:solidFill>
+                  <a:schemeClr val="bg1"/>
+                </a:solidFill>
+                <a:latin typeface="Segoe UI"/>
+              </a:rPr>
+              <a:t> About </a:t>
+            </a:r>
+            <a:r>
+              <a:rPr lang="en-US" sz="1400" kern="0" dirty="0">
+                <a:solidFill>
+                  <a:schemeClr val="bg1"/>
+                </a:solidFill>
+                <a:latin typeface="Segoe UI"/>
+              </a:rPr>
+              <a:t>Us</a:t>
+            </a:r>
+            <a:endParaRPr kumimoji="0" lang="en-US" sz="1400" b="0" i="0" u="none" strike="noStrike" kern="0" cap="none" spc="0" normalizeH="0" baseline="0" noProof="0" dirty="0" smtClean="0">
+              <a:ln>
+                <a:noFill/>
+              </a:ln>
+              <a:solidFill>
+                <a:srgbClr val="000000">
+                  <a:lumMod val="75000"/>
+                  <a:lumOff val="25000"/>
+                </a:srgbClr>
+              </a:solidFill>
+              <a:effectLst/>
+              <a:uLnTx/>
+              <a:uFillTx/>
+              <a:latin typeface="Segoe UI"/>
             </a:endParaRPr>
           </a:p>
         </p:txBody>
@@ -16424,139 +16505,13 @@
           </a:p>
         </p:txBody>
       </p:sp>
-      <p:sp>
-        <p:nvSpPr>
-          <p:cNvPr id="43" name="Content"/>
-          <p:cNvSpPr/>
-          <p:nvPr>
-            <p:custDataLst>
-              <p:custData r:id="rId5"/>
-            </p:custDataLst>
-          </p:nvPr>
-        </p:nvSpPr>
-        <p:spPr>
-          <a:xfrm>
-            <a:off x="798798" y="666452"/>
-            <a:ext cx="10478802" cy="390440"/>
-          </a:xfrm>
-          <a:prstGeom prst="rect">
-            <a:avLst/>
-          </a:prstGeom>
-          <a:solidFill>
-            <a:schemeClr val="accent6">
-              <a:lumMod val="50000"/>
-            </a:schemeClr>
-          </a:solidFill>
-          <a:ln w="3175" cap="flat" cmpd="sng" algn="ctr">
-            <a:solidFill>
-              <a:srgbClr val="FFFFFF">
-                <a:lumMod val="50000"/>
-              </a:srgbClr>
-            </a:solidFill>
-            <a:prstDash val="solid"/>
-          </a:ln>
-          <a:effectLst/>
-        </p:spPr>
-        <p:txBody>
-          <a:bodyPr rot="0" spcFirstLastPara="0" vertOverflow="overflow" horzOverflow="overflow" vert="horz" wrap="square" lIns="45720" tIns="45720" rIns="91440" bIns="45720" numCol="1" spcCol="0" rtlCol="0" fromWordArt="0" anchor="ctr" anchorCtr="0" forceAA="0" compatLnSpc="1">
-            <a:prstTxWarp prst="textNoShape">
-              <a:avLst/>
-            </a:prstTxWarp>
-            <a:noAutofit/>
-          </a:bodyPr>
-          <a:lstStyle/>
-          <a:p>
-            <a:r>
-              <a:rPr kumimoji="0" lang="en-US" sz="1200" b="0" i="0" u="none" strike="noStrike" kern="0" cap="none" spc="0" normalizeH="0" baseline="0" noProof="0" dirty="0" smtClean="0">
-                <a:ln>
-                  <a:noFill/>
-                </a:ln>
-                <a:solidFill>
-                  <a:srgbClr val="000000">
-                    <a:lumMod val="75000"/>
-                    <a:lumOff val="25000"/>
-                  </a:srgbClr>
-                </a:solidFill>
-                <a:effectLst/>
-                <a:uLnTx/>
-                <a:uFillTx/>
-                <a:latin typeface="Segoe UI"/>
-                <a:ea typeface="+mn-ea"/>
-                <a:cs typeface="+mn-cs"/>
-              </a:rPr>
-              <a:t>  </a:t>
-            </a:r>
-            <a:r>
-              <a:rPr kumimoji="0" lang="en-US" sz="1400" b="0" i="0" u="none" strike="noStrike" kern="0" cap="none" spc="0" normalizeH="0" baseline="0" noProof="0" dirty="0" smtClean="0">
-                <a:ln>
-                  <a:noFill/>
-                </a:ln>
-                <a:solidFill>
-                  <a:schemeClr val="bg1"/>
-                </a:solidFill>
-                <a:effectLst/>
-                <a:uLnTx/>
-                <a:uFillTx/>
-                <a:latin typeface="Segoe UI"/>
-                <a:ea typeface="+mn-ea"/>
-                <a:cs typeface="+mn-cs"/>
-              </a:rPr>
-              <a:t>NACOSS UNN</a:t>
-            </a:r>
-            <a:r>
-              <a:rPr kumimoji="0" lang="en-US" sz="1200" b="0" i="0" u="none" strike="noStrike" kern="0" cap="none" spc="0" normalizeH="0" noProof="0" dirty="0" smtClean="0">
-                <a:ln>
-                  <a:noFill/>
-                </a:ln>
-                <a:solidFill>
-                  <a:srgbClr val="000000">
-                    <a:lumMod val="75000"/>
-                    <a:lumOff val="25000"/>
-                  </a:srgbClr>
-                </a:solidFill>
-                <a:effectLst/>
-                <a:uLnTx/>
-                <a:uFillTx/>
-                <a:latin typeface="Segoe UI"/>
-                <a:ea typeface="+mn-ea"/>
-                <a:cs typeface="+mn-cs"/>
-              </a:rPr>
-              <a:t>    </a:t>
-            </a:r>
-            <a:r>
-              <a:rPr lang="en-US" sz="1400" kern="0" dirty="0" smtClean="0">
-                <a:solidFill>
-                  <a:schemeClr val="bg1"/>
-                </a:solidFill>
-                <a:latin typeface="Segoe UI"/>
-              </a:rPr>
-              <a:t>Forum  Prospectus   Library  Alumni   Contact</a:t>
-            </a:r>
-            <a:endParaRPr kumimoji="0" lang="en-US" sz="1400" b="0" i="0" u="none" strike="noStrike" kern="0" cap="none" spc="0" normalizeH="0" baseline="0" noProof="0" dirty="0" smtClean="0">
-              <a:ln>
-                <a:noFill/>
-              </a:ln>
-              <a:solidFill>
-                <a:srgbClr val="000000">
-                  <a:lumMod val="75000"/>
-                  <a:lumOff val="25000"/>
-                </a:srgbClr>
-              </a:solidFill>
-              <a:effectLst/>
-              <a:uLnTx/>
-              <a:uFillTx/>
-              <a:latin typeface="Segoe UI"/>
-            </a:endParaRPr>
-          </a:p>
-        </p:txBody>
-      </p:sp>
       <p:grpSp>
         <p:nvGrpSpPr>
           <p:cNvPr id="44" name="VerticalSplitter"/>
           <p:cNvGrpSpPr/>
           <p:nvPr>
             <p:custDataLst>
-              <p:custData r:id="rId6"/>
+              <p:custData r:id="rId5"/>
             </p:custDataLst>
           </p:nvPr>
         </p:nvGrpSpPr>
@@ -16874,7 +16829,7 @@
           <p:cNvSpPr/>
           <p:nvPr>
             <p:custDataLst>
-              <p:custData r:id="rId7"/>
+              <p:custData r:id="rId6"/>
             </p:custDataLst>
           </p:nvPr>
         </p:nvSpPr>
@@ -16927,7 +16882,7 @@
           <p:cNvSpPr txBox="1"/>
           <p:nvPr>
             <p:custDataLst>
-              <p:custData r:id="rId8"/>
+              <p:custData r:id="rId7"/>
             </p:custDataLst>
           </p:nvPr>
         </p:nvSpPr>
@@ -16967,7 +16922,7 @@
           <p:cNvSpPr txBox="1"/>
           <p:nvPr>
             <p:custDataLst>
-              <p:custData r:id="rId9"/>
+              <p:custData r:id="rId8"/>
             </p:custDataLst>
           </p:nvPr>
         </p:nvSpPr>
@@ -17007,7 +16962,7 @@
           <p:cNvSpPr/>
           <p:nvPr>
             <p:custDataLst>
-              <p:custData r:id="rId10"/>
+              <p:custData r:id="rId9"/>
             </p:custDataLst>
           </p:nvPr>
         </p:nvSpPr>
@@ -17076,7 +17031,7 @@
           <p:cNvSpPr/>
           <p:nvPr>
             <p:custDataLst>
-              <p:custData r:id="rId11"/>
+              <p:custData r:id="rId10"/>
             </p:custDataLst>
           </p:nvPr>
         </p:nvSpPr>
@@ -17145,7 +17100,7 @@
           <p:cNvSpPr/>
           <p:nvPr>
             <p:custDataLst>
-              <p:custData r:id="rId12"/>
+              <p:custData r:id="rId11"/>
             </p:custDataLst>
           </p:nvPr>
         </p:nvSpPr>
@@ -17214,7 +17169,7 @@
           <p:cNvSpPr/>
           <p:nvPr>
             <p:custDataLst>
-              <p:custData r:id="rId13"/>
+              <p:custData r:id="rId12"/>
             </p:custDataLst>
           </p:nvPr>
         </p:nvSpPr>
@@ -17266,7 +17221,7 @@
           <p:cNvSpPr/>
           <p:nvPr>
             <p:custDataLst>
-              <p:custData r:id="rId14"/>
+              <p:custData r:id="rId13"/>
             </p:custDataLst>
           </p:nvPr>
         </p:nvSpPr>
@@ -17318,7 +17273,7 @@
           <p:cNvGrpSpPr/>
           <p:nvPr>
             <p:custDataLst>
-              <p:custData r:id="rId15"/>
+              <p:custData r:id="rId14"/>
             </p:custDataLst>
           </p:nvPr>
         </p:nvGrpSpPr>
@@ -25087,19 +25042,7 @@
                 <a:latin typeface="Segoe UI Light" pitchFamily="34" charset="0"/>
                 <a:cs typeface="Segoe UI Light" pitchFamily="34" charset="0"/>
               </a:rPr>
-              <a:t>profile</a:t>
-            </a:r>
-            <a:r>
-              <a:rPr lang="en-US" sz="2000" dirty="0" err="1" smtClean="0">
-                <a:solidFill>
-                  <a:srgbClr val="FFFFFF">
-                    <a:lumMod val="85000"/>
-                  </a:srgbClr>
-                </a:solidFill>
-                <a:latin typeface="Segoe UI Light" pitchFamily="34" charset="0"/>
-                <a:cs typeface="Segoe UI Light" pitchFamily="34" charset="0"/>
-              </a:rPr>
-              <a:t>.php</a:t>
+              <a:t>profile.php</a:t>
             </a:r>
             <a:r>
               <a:rPr lang="en-US" sz="2000" dirty="0" smtClean="0">
@@ -25125,6 +25068,159 @@
             <a:endParaRPr lang="en-US" sz="2000" dirty="0">
               <a:latin typeface="Segoe UI Light" pitchFamily="34" charset="0"/>
               <a:cs typeface="Segoe UI Light" pitchFamily="34" charset="0"/>
+            </a:endParaRPr>
+          </a:p>
+        </p:txBody>
+      </p:sp>
+      <p:sp>
+        <p:nvSpPr>
+          <p:cNvPr id="56" name="Content"/>
+          <p:cNvSpPr/>
+          <p:nvPr>
+            <p:custDataLst>
+              <p:custData r:id="rId15"/>
+            </p:custDataLst>
+          </p:nvPr>
+        </p:nvSpPr>
+        <p:spPr>
+          <a:xfrm>
+            <a:off x="798798" y="666452"/>
+            <a:ext cx="10478802" cy="390440"/>
+          </a:xfrm>
+          <a:prstGeom prst="rect">
+            <a:avLst/>
+          </a:prstGeom>
+          <a:solidFill>
+            <a:schemeClr val="accent6">
+              <a:lumMod val="50000"/>
+            </a:schemeClr>
+          </a:solidFill>
+          <a:ln w="3175" cap="flat" cmpd="sng" algn="ctr">
+            <a:solidFill>
+              <a:srgbClr val="FFFFFF">
+                <a:lumMod val="50000"/>
+              </a:srgbClr>
+            </a:solidFill>
+            <a:prstDash val="solid"/>
+          </a:ln>
+          <a:effectLst/>
+        </p:spPr>
+        <p:txBody>
+          <a:bodyPr rot="0" spcFirstLastPara="0" vertOverflow="overflow" horzOverflow="overflow" vert="horz" wrap="square" lIns="45720" tIns="45720" rIns="91440" bIns="45720" numCol="1" spcCol="0" rtlCol="0" fromWordArt="0" anchor="ctr" anchorCtr="0" forceAA="0" compatLnSpc="1">
+            <a:prstTxWarp prst="textNoShape">
+              <a:avLst/>
+            </a:prstTxWarp>
+            <a:noAutofit/>
+          </a:bodyPr>
+          <a:lstStyle/>
+          <a:p>
+            <a:r>
+              <a:rPr kumimoji="0" lang="en-US" sz="1200" b="0" i="0" u="none" strike="noStrike" kern="0" cap="none" spc="0" normalizeH="0" baseline="0" noProof="0" dirty="0" smtClean="0">
+                <a:ln>
+                  <a:noFill/>
+                </a:ln>
+                <a:solidFill>
+                  <a:srgbClr val="000000">
+                    <a:lumMod val="75000"/>
+                    <a:lumOff val="25000"/>
+                  </a:srgbClr>
+                </a:solidFill>
+                <a:effectLst/>
+                <a:uLnTx/>
+                <a:uFillTx/>
+                <a:latin typeface="Segoe UI"/>
+                <a:ea typeface="+mn-ea"/>
+                <a:cs typeface="+mn-cs"/>
+              </a:rPr>
+              <a:t>  </a:t>
+            </a:r>
+            <a:r>
+              <a:rPr kumimoji="0" lang="en-US" sz="1400" b="0" i="0" u="none" strike="noStrike" kern="0" cap="none" spc="0" normalizeH="0" baseline="0" noProof="0" dirty="0" smtClean="0">
+                <a:ln>
+                  <a:noFill/>
+                </a:ln>
+                <a:solidFill>
+                  <a:schemeClr val="bg1"/>
+                </a:solidFill>
+                <a:effectLst/>
+                <a:uLnTx/>
+                <a:uFillTx/>
+                <a:latin typeface="Segoe UI"/>
+                <a:ea typeface="+mn-ea"/>
+                <a:cs typeface="+mn-cs"/>
+              </a:rPr>
+              <a:t>NACOSS UNN</a:t>
+            </a:r>
+            <a:r>
+              <a:rPr kumimoji="0" lang="en-US" sz="1200" b="0" i="0" u="none" strike="noStrike" kern="0" cap="none" spc="0" normalizeH="0" noProof="0" dirty="0" smtClean="0">
+                <a:ln>
+                  <a:noFill/>
+                </a:ln>
+                <a:solidFill>
+                  <a:srgbClr val="000000">
+                    <a:lumMod val="75000"/>
+                    <a:lumOff val="25000"/>
+                  </a:srgbClr>
+                </a:solidFill>
+                <a:effectLst/>
+                <a:uLnTx/>
+                <a:uFillTx/>
+                <a:latin typeface="Segoe UI"/>
+                <a:ea typeface="+mn-ea"/>
+                <a:cs typeface="+mn-cs"/>
+              </a:rPr>
+              <a:t>    </a:t>
+            </a:r>
+            <a:r>
+              <a:rPr lang="en-US" sz="1400" kern="0" dirty="0" smtClean="0">
+                <a:solidFill>
+                  <a:schemeClr val="bg1"/>
+                </a:solidFill>
+                <a:latin typeface="Segoe UI"/>
+              </a:rPr>
+              <a:t>Forum  Prospectus   Library  Alumni   </a:t>
+            </a:r>
+            <a:r>
+              <a:rPr lang="en-US" sz="1400" kern="0" dirty="0">
+                <a:solidFill>
+                  <a:schemeClr val="bg1"/>
+                </a:solidFill>
+                <a:latin typeface="Segoe UI"/>
+              </a:rPr>
+              <a:t>Contact </a:t>
+            </a:r>
+            <a:r>
+              <a:rPr lang="en-US" sz="1400" kern="0" dirty="0" smtClean="0">
+                <a:solidFill>
+                  <a:schemeClr val="bg1"/>
+                </a:solidFill>
+                <a:latin typeface="Segoe UI"/>
+              </a:rPr>
+              <a:t> About </a:t>
+            </a:r>
+            <a:r>
+              <a:rPr lang="en-US" sz="1400" kern="0" dirty="0">
+                <a:solidFill>
+                  <a:schemeClr val="bg1"/>
+                </a:solidFill>
+                <a:latin typeface="Segoe UI"/>
+              </a:rPr>
+              <a:t>Us</a:t>
+            </a:r>
+            <a:endParaRPr kumimoji="0" lang="en-US" sz="1400" b="0" i="0" u="none" strike="noStrike" kern="0" cap="none" spc="0" normalizeH="0" baseline="0" noProof="0" dirty="0" smtClean="0">
+              <a:ln>
+                <a:noFill/>
+              </a:ln>
+              <a:solidFill>
+                <a:srgbClr val="000000">
+                  <a:lumMod val="75000"/>
+                  <a:lumOff val="25000"/>
+                </a:srgbClr>
+              </a:solidFill>
+              <a:effectLst/>
+              <a:uLnTx/>
+              <a:uFillTx/>
+              <a:latin typeface="Segoe UI"/>
             </a:endParaRPr>
           </a:p>
         </p:txBody>
@@ -26661,139 +26757,13 @@
           </p:txBody>
         </p:sp>
       </p:grpSp>
-      <p:sp>
-        <p:nvSpPr>
-          <p:cNvPr id="43" name="Content"/>
-          <p:cNvSpPr/>
-          <p:nvPr>
-            <p:custDataLst>
-              <p:custData r:id="rId6"/>
-            </p:custDataLst>
-          </p:nvPr>
-        </p:nvSpPr>
-        <p:spPr>
-          <a:xfrm>
-            <a:off x="798798" y="666452"/>
-            <a:ext cx="10478802" cy="390440"/>
-          </a:xfrm>
-          <a:prstGeom prst="rect">
-            <a:avLst/>
-          </a:prstGeom>
-          <a:solidFill>
-            <a:schemeClr val="accent6">
-              <a:lumMod val="50000"/>
-            </a:schemeClr>
-          </a:solidFill>
-          <a:ln w="3175" cap="flat" cmpd="sng" algn="ctr">
-            <a:solidFill>
-              <a:srgbClr val="FFFFFF">
-                <a:lumMod val="50000"/>
-              </a:srgbClr>
-            </a:solidFill>
-            <a:prstDash val="solid"/>
-          </a:ln>
-          <a:effectLst/>
-        </p:spPr>
-        <p:txBody>
-          <a:bodyPr rot="0" spcFirstLastPara="0" vertOverflow="overflow" horzOverflow="overflow" vert="horz" wrap="square" lIns="45720" tIns="45720" rIns="91440" bIns="45720" numCol="1" spcCol="0" rtlCol="0" fromWordArt="0" anchor="ctr" anchorCtr="0" forceAA="0" compatLnSpc="1">
-            <a:prstTxWarp prst="textNoShape">
-              <a:avLst/>
-            </a:prstTxWarp>
-            <a:noAutofit/>
-          </a:bodyPr>
-          <a:lstStyle/>
-          <a:p>
-            <a:r>
-              <a:rPr kumimoji="0" lang="en-US" sz="1200" b="0" i="0" u="none" strike="noStrike" kern="0" cap="none" spc="0" normalizeH="0" baseline="0" noProof="0" dirty="0" smtClean="0">
-                <a:ln>
-                  <a:noFill/>
-                </a:ln>
-                <a:solidFill>
-                  <a:srgbClr val="000000">
-                    <a:lumMod val="75000"/>
-                    <a:lumOff val="25000"/>
-                  </a:srgbClr>
-                </a:solidFill>
-                <a:effectLst/>
-                <a:uLnTx/>
-                <a:uFillTx/>
-                <a:latin typeface="Segoe UI"/>
-                <a:ea typeface="+mn-ea"/>
-                <a:cs typeface="+mn-cs"/>
-              </a:rPr>
-              <a:t>  </a:t>
-            </a:r>
-            <a:r>
-              <a:rPr kumimoji="0" lang="en-US" sz="1400" b="0" i="0" u="none" strike="noStrike" kern="0" cap="none" spc="0" normalizeH="0" baseline="0" noProof="0" dirty="0" smtClean="0">
-                <a:ln>
-                  <a:noFill/>
-                </a:ln>
-                <a:solidFill>
-                  <a:schemeClr val="bg1"/>
-                </a:solidFill>
-                <a:effectLst/>
-                <a:uLnTx/>
-                <a:uFillTx/>
-                <a:latin typeface="Segoe UI"/>
-                <a:ea typeface="+mn-ea"/>
-                <a:cs typeface="+mn-cs"/>
-              </a:rPr>
-              <a:t>NACOSS UNN</a:t>
-            </a:r>
-            <a:r>
-              <a:rPr kumimoji="0" lang="en-US" sz="1200" b="0" i="0" u="none" strike="noStrike" kern="0" cap="none" spc="0" normalizeH="0" noProof="0" dirty="0" smtClean="0">
-                <a:ln>
-                  <a:noFill/>
-                </a:ln>
-                <a:solidFill>
-                  <a:srgbClr val="000000">
-                    <a:lumMod val="75000"/>
-                    <a:lumOff val="25000"/>
-                  </a:srgbClr>
-                </a:solidFill>
-                <a:effectLst/>
-                <a:uLnTx/>
-                <a:uFillTx/>
-                <a:latin typeface="Segoe UI"/>
-                <a:ea typeface="+mn-ea"/>
-                <a:cs typeface="+mn-cs"/>
-              </a:rPr>
-              <a:t>    </a:t>
-            </a:r>
-            <a:r>
-              <a:rPr lang="en-US" sz="1400" kern="0" dirty="0" smtClean="0">
-                <a:solidFill>
-                  <a:schemeClr val="bg1"/>
-                </a:solidFill>
-                <a:latin typeface="Segoe UI"/>
-              </a:rPr>
-              <a:t>Forum  Prospectus   Library  Alumni   Contact</a:t>
-            </a:r>
-            <a:endParaRPr kumimoji="0" lang="en-US" sz="1400" b="0" i="0" u="none" strike="noStrike" kern="0" cap="none" spc="0" normalizeH="0" baseline="0" noProof="0" dirty="0" smtClean="0">
-              <a:ln>
-                <a:noFill/>
-              </a:ln>
-              <a:solidFill>
-                <a:srgbClr val="000000">
-                  <a:lumMod val="75000"/>
-                  <a:lumOff val="25000"/>
-                </a:srgbClr>
-              </a:solidFill>
-              <a:effectLst/>
-              <a:uLnTx/>
-              <a:uFillTx/>
-              <a:latin typeface="Segoe UI"/>
-            </a:endParaRPr>
-          </a:p>
-        </p:txBody>
-      </p:sp>
       <p:grpSp>
         <p:nvGrpSpPr>
           <p:cNvPr id="44" name="VerticalSplitter"/>
           <p:cNvGrpSpPr/>
           <p:nvPr>
             <p:custDataLst>
-              <p:custData r:id="rId7"/>
+              <p:custData r:id="rId6"/>
             </p:custDataLst>
           </p:nvPr>
         </p:nvGrpSpPr>
@@ -27111,7 +27081,7 @@
           <p:cNvSpPr/>
           <p:nvPr>
             <p:custDataLst>
-              <p:custData r:id="rId8"/>
+              <p:custData r:id="rId7"/>
             </p:custDataLst>
           </p:nvPr>
         </p:nvSpPr>
@@ -27164,7 +27134,7 @@
           <p:cNvSpPr txBox="1"/>
           <p:nvPr>
             <p:custDataLst>
-              <p:custData r:id="rId9"/>
+              <p:custData r:id="rId8"/>
             </p:custDataLst>
           </p:nvPr>
         </p:nvSpPr>
@@ -27204,7 +27174,7 @@
           <p:cNvSpPr txBox="1"/>
           <p:nvPr>
             <p:custDataLst>
-              <p:custData r:id="rId10"/>
+              <p:custData r:id="rId9"/>
             </p:custDataLst>
           </p:nvPr>
         </p:nvSpPr>
@@ -27244,7 +27214,7 @@
           <p:cNvSpPr/>
           <p:nvPr>
             <p:custDataLst>
-              <p:custData r:id="rId11"/>
+              <p:custData r:id="rId10"/>
             </p:custDataLst>
           </p:nvPr>
         </p:nvSpPr>
@@ -27313,7 +27283,7 @@
           <p:cNvSpPr/>
           <p:nvPr>
             <p:custDataLst>
-              <p:custData r:id="rId12"/>
+              <p:custData r:id="rId11"/>
             </p:custDataLst>
           </p:nvPr>
         </p:nvSpPr>
@@ -27382,7 +27352,7 @@
           <p:cNvSpPr/>
           <p:nvPr>
             <p:custDataLst>
-              <p:custData r:id="rId13"/>
+              <p:custData r:id="rId12"/>
             </p:custDataLst>
           </p:nvPr>
         </p:nvSpPr>
@@ -27451,7 +27421,7 @@
           <p:cNvGrpSpPr/>
           <p:nvPr>
             <p:custDataLst>
-              <p:custData r:id="rId14"/>
+              <p:custData r:id="rId13"/>
             </p:custDataLst>
           </p:nvPr>
         </p:nvGrpSpPr>
@@ -27616,7 +27586,7 @@
           <p:cNvGrpSpPr/>
           <p:nvPr>
             <p:custDataLst>
-              <p:custData r:id="rId15"/>
+              <p:custData r:id="rId14"/>
             </p:custDataLst>
           </p:nvPr>
         </p:nvGrpSpPr>
@@ -27781,7 +27751,7 @@
           <p:cNvSpPr txBox="1"/>
           <p:nvPr>
             <p:custDataLst>
-              <p:custData r:id="rId16"/>
+              <p:custData r:id="rId15"/>
             </p:custDataLst>
           </p:nvPr>
         </p:nvSpPr>
@@ -27812,14 +27782,6 @@
               </a:rPr>
               <a:t>COS 251 List 1.jpeg</a:t>
             </a:r>
-            <a:endParaRPr lang="en-US" sz="1200" dirty="0" smtClean="0">
-              <a:solidFill>
-                <a:srgbClr val="000000"/>
-              </a:solidFill>
-              <a:latin typeface="Segoe UI" pitchFamily="34" charset="0"/>
-              <a:ea typeface="Segoe UI" pitchFamily="34" charset="0"/>
-              <a:cs typeface="Segoe UI" pitchFamily="34" charset="0"/>
-            </a:endParaRPr>
           </a:p>
         </p:txBody>
       </p:sp>
@@ -27829,7 +27791,7 @@
           <p:cNvSpPr txBox="1"/>
           <p:nvPr>
             <p:custDataLst>
-              <p:custData r:id="rId17"/>
+              <p:custData r:id="rId16"/>
             </p:custDataLst>
           </p:nvPr>
         </p:nvSpPr>
@@ -27948,19 +27910,7 @@
                 <a:latin typeface="Segoe UI Light" pitchFamily="34" charset="0"/>
                 <a:cs typeface="Segoe UI Light" pitchFamily="34" charset="0"/>
               </a:rPr>
-              <a:t>profile</a:t>
-            </a:r>
-            <a:r>
-              <a:rPr lang="en-US" sz="2000" dirty="0" err="1" smtClean="0">
-                <a:solidFill>
-                  <a:srgbClr val="FFFFFF">
-                    <a:lumMod val="85000"/>
-                  </a:srgbClr>
-                </a:solidFill>
-                <a:latin typeface="Segoe UI Light" pitchFamily="34" charset="0"/>
-                <a:cs typeface="Segoe UI Light" pitchFamily="34" charset="0"/>
-              </a:rPr>
-              <a:t>.php</a:t>
+              <a:t>profile.php</a:t>
             </a:r>
             <a:r>
               <a:rPr lang="en-US" sz="2000" dirty="0" smtClean="0">
@@ -27986,6 +27936,159 @@
             <a:endParaRPr lang="en-US" sz="2000" dirty="0">
               <a:latin typeface="Segoe UI Light" pitchFamily="34" charset="0"/>
               <a:cs typeface="Segoe UI Light" pitchFamily="34" charset="0"/>
+            </a:endParaRPr>
+          </a:p>
+        </p:txBody>
+      </p:sp>
+      <p:sp>
+        <p:nvSpPr>
+          <p:cNvPr id="67" name="Content"/>
+          <p:cNvSpPr/>
+          <p:nvPr>
+            <p:custDataLst>
+              <p:custData r:id="rId17"/>
+            </p:custDataLst>
+          </p:nvPr>
+        </p:nvSpPr>
+        <p:spPr>
+          <a:xfrm>
+            <a:off x="798798" y="666452"/>
+            <a:ext cx="10478802" cy="390440"/>
+          </a:xfrm>
+          <a:prstGeom prst="rect">
+            <a:avLst/>
+          </a:prstGeom>
+          <a:solidFill>
+            <a:schemeClr val="accent6">
+              <a:lumMod val="50000"/>
+            </a:schemeClr>
+          </a:solidFill>
+          <a:ln w="3175" cap="flat" cmpd="sng" algn="ctr">
+            <a:solidFill>
+              <a:srgbClr val="FFFFFF">
+                <a:lumMod val="50000"/>
+              </a:srgbClr>
+            </a:solidFill>
+            <a:prstDash val="solid"/>
+          </a:ln>
+          <a:effectLst/>
+        </p:spPr>
+        <p:txBody>
+          <a:bodyPr rot="0" spcFirstLastPara="0" vertOverflow="overflow" horzOverflow="overflow" vert="horz" wrap="square" lIns="45720" tIns="45720" rIns="91440" bIns="45720" numCol="1" spcCol="0" rtlCol="0" fromWordArt="0" anchor="ctr" anchorCtr="0" forceAA="0" compatLnSpc="1">
+            <a:prstTxWarp prst="textNoShape">
+              <a:avLst/>
+            </a:prstTxWarp>
+            <a:noAutofit/>
+          </a:bodyPr>
+          <a:lstStyle/>
+          <a:p>
+            <a:r>
+              <a:rPr kumimoji="0" lang="en-US" sz="1200" b="0" i="0" u="none" strike="noStrike" kern="0" cap="none" spc="0" normalizeH="0" baseline="0" noProof="0" dirty="0" smtClean="0">
+                <a:ln>
+                  <a:noFill/>
+                </a:ln>
+                <a:solidFill>
+                  <a:srgbClr val="000000">
+                    <a:lumMod val="75000"/>
+                    <a:lumOff val="25000"/>
+                  </a:srgbClr>
+                </a:solidFill>
+                <a:effectLst/>
+                <a:uLnTx/>
+                <a:uFillTx/>
+                <a:latin typeface="Segoe UI"/>
+                <a:ea typeface="+mn-ea"/>
+                <a:cs typeface="+mn-cs"/>
+              </a:rPr>
+              <a:t>  </a:t>
+            </a:r>
+            <a:r>
+              <a:rPr kumimoji="0" lang="en-US" sz="1400" b="0" i="0" u="none" strike="noStrike" kern="0" cap="none" spc="0" normalizeH="0" baseline="0" noProof="0" dirty="0" smtClean="0">
+                <a:ln>
+                  <a:noFill/>
+                </a:ln>
+                <a:solidFill>
+                  <a:schemeClr val="bg1"/>
+                </a:solidFill>
+                <a:effectLst/>
+                <a:uLnTx/>
+                <a:uFillTx/>
+                <a:latin typeface="Segoe UI"/>
+                <a:ea typeface="+mn-ea"/>
+                <a:cs typeface="+mn-cs"/>
+              </a:rPr>
+              <a:t>NACOSS UNN</a:t>
+            </a:r>
+            <a:r>
+              <a:rPr kumimoji="0" lang="en-US" sz="1200" b="0" i="0" u="none" strike="noStrike" kern="0" cap="none" spc="0" normalizeH="0" noProof="0" dirty="0" smtClean="0">
+                <a:ln>
+                  <a:noFill/>
+                </a:ln>
+                <a:solidFill>
+                  <a:srgbClr val="000000">
+                    <a:lumMod val="75000"/>
+                    <a:lumOff val="25000"/>
+                  </a:srgbClr>
+                </a:solidFill>
+                <a:effectLst/>
+                <a:uLnTx/>
+                <a:uFillTx/>
+                <a:latin typeface="Segoe UI"/>
+                <a:ea typeface="+mn-ea"/>
+                <a:cs typeface="+mn-cs"/>
+              </a:rPr>
+              <a:t>    </a:t>
+            </a:r>
+            <a:r>
+              <a:rPr lang="en-US" sz="1400" kern="0" dirty="0" smtClean="0">
+                <a:solidFill>
+                  <a:schemeClr val="bg1"/>
+                </a:solidFill>
+                <a:latin typeface="Segoe UI"/>
+              </a:rPr>
+              <a:t>Forum  Prospectus   Library  Alumni   </a:t>
+            </a:r>
+            <a:r>
+              <a:rPr lang="en-US" sz="1400" kern="0" dirty="0">
+                <a:solidFill>
+                  <a:schemeClr val="bg1"/>
+                </a:solidFill>
+                <a:latin typeface="Segoe UI"/>
+              </a:rPr>
+              <a:t>Contact </a:t>
+            </a:r>
+            <a:r>
+              <a:rPr lang="en-US" sz="1400" kern="0" dirty="0" smtClean="0">
+                <a:solidFill>
+                  <a:schemeClr val="bg1"/>
+                </a:solidFill>
+                <a:latin typeface="Segoe UI"/>
+              </a:rPr>
+              <a:t> About </a:t>
+            </a:r>
+            <a:r>
+              <a:rPr lang="en-US" sz="1400" kern="0" dirty="0">
+                <a:solidFill>
+                  <a:schemeClr val="bg1"/>
+                </a:solidFill>
+                <a:latin typeface="Segoe UI"/>
+              </a:rPr>
+              <a:t>Us</a:t>
+            </a:r>
+            <a:endParaRPr kumimoji="0" lang="en-US" sz="1400" b="0" i="0" u="none" strike="noStrike" kern="0" cap="none" spc="0" normalizeH="0" baseline="0" noProof="0" dirty="0" smtClean="0">
+              <a:ln>
+                <a:noFill/>
+              </a:ln>
+              <a:solidFill>
+                <a:srgbClr val="000000">
+                  <a:lumMod val="75000"/>
+                  <a:lumOff val="25000"/>
+                </a:srgbClr>
+              </a:solidFill>
+              <a:effectLst/>
+              <a:uLnTx/>
+              <a:uFillTx/>
+              <a:latin typeface="Segoe UI"/>
             </a:endParaRPr>
           </a:p>
         </p:txBody>
@@ -29293,139 +29396,13 @@
           </a:p>
         </p:txBody>
       </p:sp>
-      <p:sp>
-        <p:nvSpPr>
-          <p:cNvPr id="43" name="Content"/>
-          <p:cNvSpPr/>
-          <p:nvPr>
-            <p:custDataLst>
-              <p:custData r:id="rId5"/>
-            </p:custDataLst>
-          </p:nvPr>
-        </p:nvSpPr>
-        <p:spPr>
-          <a:xfrm>
-            <a:off x="798798" y="666452"/>
-            <a:ext cx="10478802" cy="390440"/>
-          </a:xfrm>
-          <a:prstGeom prst="rect">
-            <a:avLst/>
-          </a:prstGeom>
-          <a:solidFill>
-            <a:schemeClr val="accent6">
-              <a:lumMod val="50000"/>
-            </a:schemeClr>
-          </a:solidFill>
-          <a:ln w="3175" cap="flat" cmpd="sng" algn="ctr">
-            <a:solidFill>
-              <a:srgbClr val="FFFFFF">
-                <a:lumMod val="50000"/>
-              </a:srgbClr>
-            </a:solidFill>
-            <a:prstDash val="solid"/>
-          </a:ln>
-          <a:effectLst/>
-        </p:spPr>
-        <p:txBody>
-          <a:bodyPr rot="0" spcFirstLastPara="0" vertOverflow="overflow" horzOverflow="overflow" vert="horz" wrap="square" lIns="45720" tIns="45720" rIns="91440" bIns="45720" numCol="1" spcCol="0" rtlCol="0" fromWordArt="0" anchor="ctr" anchorCtr="0" forceAA="0" compatLnSpc="1">
-            <a:prstTxWarp prst="textNoShape">
-              <a:avLst/>
-            </a:prstTxWarp>
-            <a:noAutofit/>
-          </a:bodyPr>
-          <a:lstStyle/>
-          <a:p>
-            <a:r>
-              <a:rPr kumimoji="0" lang="en-US" sz="1200" b="0" i="0" u="none" strike="noStrike" kern="0" cap="none" spc="0" normalizeH="0" baseline="0" noProof="0" dirty="0" smtClean="0">
-                <a:ln>
-                  <a:noFill/>
-                </a:ln>
-                <a:solidFill>
-                  <a:srgbClr val="000000">
-                    <a:lumMod val="75000"/>
-                    <a:lumOff val="25000"/>
-                  </a:srgbClr>
-                </a:solidFill>
-                <a:effectLst/>
-                <a:uLnTx/>
-                <a:uFillTx/>
-                <a:latin typeface="Segoe UI"/>
-                <a:ea typeface="+mn-ea"/>
-                <a:cs typeface="+mn-cs"/>
-              </a:rPr>
-              <a:t>  </a:t>
-            </a:r>
-            <a:r>
-              <a:rPr kumimoji="0" lang="en-US" sz="1400" b="0" i="0" u="none" strike="noStrike" kern="0" cap="none" spc="0" normalizeH="0" baseline="0" noProof="0" dirty="0" smtClean="0">
-                <a:ln>
-                  <a:noFill/>
-                </a:ln>
-                <a:solidFill>
-                  <a:schemeClr val="bg1"/>
-                </a:solidFill>
-                <a:effectLst/>
-                <a:uLnTx/>
-                <a:uFillTx/>
-                <a:latin typeface="Segoe UI"/>
-                <a:ea typeface="+mn-ea"/>
-                <a:cs typeface="+mn-cs"/>
-              </a:rPr>
-              <a:t>NACOSS UNN</a:t>
-            </a:r>
-            <a:r>
-              <a:rPr kumimoji="0" lang="en-US" sz="1200" b="0" i="0" u="none" strike="noStrike" kern="0" cap="none" spc="0" normalizeH="0" noProof="0" dirty="0" smtClean="0">
-                <a:ln>
-                  <a:noFill/>
-                </a:ln>
-                <a:solidFill>
-                  <a:srgbClr val="000000">
-                    <a:lumMod val="75000"/>
-                    <a:lumOff val="25000"/>
-                  </a:srgbClr>
-                </a:solidFill>
-                <a:effectLst/>
-                <a:uLnTx/>
-                <a:uFillTx/>
-                <a:latin typeface="Segoe UI"/>
-                <a:ea typeface="+mn-ea"/>
-                <a:cs typeface="+mn-cs"/>
-              </a:rPr>
-              <a:t>    </a:t>
-            </a:r>
-            <a:r>
-              <a:rPr lang="en-US" sz="1400" kern="0" dirty="0" smtClean="0">
-                <a:solidFill>
-                  <a:schemeClr val="bg1"/>
-                </a:solidFill>
-                <a:latin typeface="Segoe UI"/>
-              </a:rPr>
-              <a:t>Forum  Prospectus   Library  Alumni   Contact</a:t>
-            </a:r>
-            <a:endParaRPr kumimoji="0" lang="en-US" sz="1400" b="0" i="0" u="none" strike="noStrike" kern="0" cap="none" spc="0" normalizeH="0" baseline="0" noProof="0" dirty="0" smtClean="0">
-              <a:ln>
-                <a:noFill/>
-              </a:ln>
-              <a:solidFill>
-                <a:srgbClr val="000000">
-                  <a:lumMod val="75000"/>
-                  <a:lumOff val="25000"/>
-                </a:srgbClr>
-              </a:solidFill>
-              <a:effectLst/>
-              <a:uLnTx/>
-              <a:uFillTx/>
-              <a:latin typeface="Segoe UI"/>
-            </a:endParaRPr>
-          </a:p>
-        </p:txBody>
-      </p:sp>
       <p:grpSp>
         <p:nvGrpSpPr>
           <p:cNvPr id="44" name="VerticalSplitter"/>
           <p:cNvGrpSpPr/>
           <p:nvPr>
             <p:custDataLst>
-              <p:custData r:id="rId6"/>
+              <p:custData r:id="rId5"/>
             </p:custDataLst>
           </p:nvPr>
         </p:nvGrpSpPr>
@@ -29743,7 +29720,7 @@
           <p:cNvSpPr/>
           <p:nvPr>
             <p:custDataLst>
-              <p:custData r:id="rId7"/>
+              <p:custData r:id="rId6"/>
             </p:custDataLst>
           </p:nvPr>
         </p:nvSpPr>
@@ -29796,7 +29773,7 @@
           <p:cNvSpPr txBox="1"/>
           <p:nvPr>
             <p:custDataLst>
-              <p:custData r:id="rId8"/>
+              <p:custData r:id="rId7"/>
             </p:custDataLst>
           </p:nvPr>
         </p:nvSpPr>
@@ -29836,7 +29813,7 @@
           <p:cNvSpPr txBox="1"/>
           <p:nvPr>
             <p:custDataLst>
-              <p:custData r:id="rId9"/>
+              <p:custData r:id="rId8"/>
             </p:custDataLst>
           </p:nvPr>
         </p:nvSpPr>
@@ -29876,7 +29853,7 @@
           <p:cNvSpPr/>
           <p:nvPr>
             <p:custDataLst>
-              <p:custData r:id="rId10"/>
+              <p:custData r:id="rId9"/>
             </p:custDataLst>
           </p:nvPr>
         </p:nvSpPr>
@@ -29945,7 +29922,7 @@
           <p:cNvSpPr/>
           <p:nvPr>
             <p:custDataLst>
-              <p:custData r:id="rId11"/>
+              <p:custData r:id="rId10"/>
             </p:custDataLst>
           </p:nvPr>
         </p:nvSpPr>
@@ -30014,7 +29991,7 @@
           <p:cNvSpPr/>
           <p:nvPr>
             <p:custDataLst>
-              <p:custData r:id="rId12"/>
+              <p:custData r:id="rId11"/>
             </p:custDataLst>
           </p:nvPr>
         </p:nvSpPr>
@@ -30085,7 +30062,7 @@
           </p:cNvGraphicFramePr>
           <p:nvPr>
             <p:custDataLst>
-              <p:custData r:id="rId13"/>
+              <p:custData r:id="rId12"/>
             </p:custDataLst>
             <p:extLst>
               <p:ext uri="{D42A27DB-BD31-4B8C-83A1-F6EECF244321}">
@@ -31516,7 +31493,7 @@
           <p:cNvSpPr/>
           <p:nvPr>
             <p:custDataLst>
-              <p:custData r:id="rId14"/>
+              <p:custData r:id="rId13"/>
             </p:custDataLst>
           </p:nvPr>
         </p:nvSpPr>
@@ -31584,7 +31561,7 @@
           <p:cNvSpPr txBox="1"/>
           <p:nvPr>
             <p:custDataLst>
-              <p:custData r:id="rId15"/>
+              <p:custData r:id="rId14"/>
             </p:custDataLst>
           </p:nvPr>
         </p:nvSpPr>
@@ -31615,14 +31592,6 @@
               </a:rPr>
               <a:t>Payment ID</a:t>
             </a:r>
-            <a:endParaRPr lang="en-US" sz="1200" dirty="0" smtClean="0">
-              <a:solidFill>
-                <a:srgbClr val="000000"/>
-              </a:solidFill>
-              <a:latin typeface="Segoe UI" pitchFamily="34" charset="0"/>
-              <a:ea typeface="Segoe UI" pitchFamily="34" charset="0"/>
-              <a:cs typeface="Segoe UI" pitchFamily="34" charset="0"/>
-            </a:endParaRPr>
           </a:p>
         </p:txBody>
       </p:sp>
@@ -31632,7 +31601,7 @@
           <p:cNvSpPr txBox="1"/>
           <p:nvPr>
             <p:custDataLst>
-              <p:custData r:id="rId16"/>
+              <p:custData r:id="rId15"/>
             </p:custDataLst>
           </p:nvPr>
         </p:nvSpPr>
@@ -31663,14 +31632,6 @@
               </a:rPr>
               <a:t>Description</a:t>
             </a:r>
-            <a:endParaRPr lang="en-US" sz="1200" dirty="0" smtClean="0">
-              <a:solidFill>
-                <a:srgbClr val="000000"/>
-              </a:solidFill>
-              <a:latin typeface="Segoe UI" pitchFamily="34" charset="0"/>
-              <a:ea typeface="Segoe UI" pitchFamily="34" charset="0"/>
-              <a:cs typeface="Segoe UI" pitchFamily="34" charset="0"/>
-            </a:endParaRPr>
           </a:p>
         </p:txBody>
       </p:sp>
@@ -31680,7 +31641,7 @@
           <p:cNvSpPr txBox="1"/>
           <p:nvPr>
             <p:custDataLst>
-              <p:custData r:id="rId17"/>
+              <p:custData r:id="rId16"/>
             </p:custDataLst>
           </p:nvPr>
         </p:nvSpPr>
@@ -31711,14 +31672,6 @@
               </a:rPr>
               <a:t>Date of Payment</a:t>
             </a:r>
-            <a:endParaRPr lang="en-US" sz="1200" dirty="0" smtClean="0">
-              <a:solidFill>
-                <a:srgbClr val="000000"/>
-              </a:solidFill>
-              <a:latin typeface="Segoe UI" pitchFamily="34" charset="0"/>
-              <a:ea typeface="Segoe UI" pitchFamily="34" charset="0"/>
-              <a:cs typeface="Segoe UI" pitchFamily="34" charset="0"/>
-            </a:endParaRPr>
           </a:p>
         </p:txBody>
       </p:sp>
@@ -31728,7 +31681,7 @@
           <p:cNvSpPr txBox="1"/>
           <p:nvPr>
             <p:custDataLst>
-              <p:custData r:id="rId18"/>
+              <p:custData r:id="rId17"/>
             </p:custDataLst>
           </p:nvPr>
         </p:nvSpPr>
@@ -31761,16 +31714,6 @@
               </a:rPr>
               <a:t>Print receipt</a:t>
             </a:r>
-            <a:endParaRPr lang="en-US" sz="1200" dirty="0" smtClean="0">
-              <a:solidFill>
-                <a:schemeClr val="accent1">
-                  <a:lumMod val="75000"/>
-                </a:schemeClr>
-              </a:solidFill>
-              <a:latin typeface="Segoe UI" pitchFamily="34" charset="0"/>
-              <a:ea typeface="Segoe UI" pitchFamily="34" charset="0"/>
-              <a:cs typeface="Segoe UI" pitchFamily="34" charset="0"/>
-            </a:endParaRPr>
           </a:p>
         </p:txBody>
       </p:sp>
@@ -31780,7 +31723,7 @@
           <p:cNvSpPr txBox="1"/>
           <p:nvPr>
             <p:custDataLst>
-              <p:custData r:id="rId19"/>
+              <p:custData r:id="rId18"/>
             </p:custDataLst>
           </p:nvPr>
         </p:nvSpPr>
@@ -31811,14 +31754,6 @@
               </a:rPr>
               <a:t>1039403</a:t>
             </a:r>
-            <a:endParaRPr lang="en-US" sz="1200" dirty="0" smtClean="0">
-              <a:solidFill>
-                <a:srgbClr val="000000"/>
-              </a:solidFill>
-              <a:latin typeface="Segoe UI" pitchFamily="34" charset="0"/>
-              <a:ea typeface="Segoe UI" pitchFamily="34" charset="0"/>
-              <a:cs typeface="Segoe UI" pitchFamily="34" charset="0"/>
-            </a:endParaRPr>
           </a:p>
         </p:txBody>
       </p:sp>
@@ -31828,7 +31763,7 @@
           <p:cNvSpPr txBox="1"/>
           <p:nvPr>
             <p:custDataLst>
-              <p:custData r:id="rId20"/>
+              <p:custData r:id="rId19"/>
             </p:custDataLst>
           </p:nvPr>
         </p:nvSpPr>
@@ -31859,14 +31794,6 @@
               </a:rPr>
               <a:t>NACOSS Receipt</a:t>
             </a:r>
-            <a:endParaRPr lang="en-US" sz="1200" dirty="0" smtClean="0">
-              <a:solidFill>
-                <a:srgbClr val="000000"/>
-              </a:solidFill>
-              <a:latin typeface="Segoe UI" pitchFamily="34" charset="0"/>
-              <a:ea typeface="Segoe UI" pitchFamily="34" charset="0"/>
-              <a:cs typeface="Segoe UI" pitchFamily="34" charset="0"/>
-            </a:endParaRPr>
           </a:p>
         </p:txBody>
       </p:sp>
@@ -31876,7 +31803,7 @@
           <p:cNvSpPr txBox="1"/>
           <p:nvPr>
             <p:custDataLst>
-              <p:custData r:id="rId21"/>
+              <p:custData r:id="rId20"/>
             </p:custDataLst>
           </p:nvPr>
         </p:nvSpPr>
@@ -32017,19 +31944,7 @@
                 <a:latin typeface="Segoe UI Light" pitchFamily="34" charset="0"/>
                 <a:cs typeface="Segoe UI Light" pitchFamily="34" charset="0"/>
               </a:rPr>
-              <a:t>profile</a:t>
-            </a:r>
-            <a:r>
-              <a:rPr lang="en-US" sz="2000" dirty="0" err="1" smtClean="0">
-                <a:solidFill>
-                  <a:srgbClr val="FFFFFF">
-                    <a:lumMod val="85000"/>
-                  </a:srgbClr>
-                </a:solidFill>
-                <a:latin typeface="Segoe UI Light" pitchFamily="34" charset="0"/>
-                <a:cs typeface="Segoe UI Light" pitchFamily="34" charset="0"/>
-              </a:rPr>
-              <a:t>.php</a:t>
+              <a:t>profile.php</a:t>
             </a:r>
             <a:r>
               <a:rPr lang="en-US" sz="2000" dirty="0" smtClean="0">
@@ -32055,6 +31970,159 @@
             <a:endParaRPr lang="en-US" sz="2000" dirty="0">
               <a:latin typeface="Segoe UI Light" pitchFamily="34" charset="0"/>
               <a:cs typeface="Segoe UI Light" pitchFamily="34" charset="0"/>
+            </a:endParaRPr>
+          </a:p>
+        </p:txBody>
+      </p:sp>
+      <p:sp>
+        <p:nvSpPr>
+          <p:cNvPr id="57" name="Content"/>
+          <p:cNvSpPr/>
+          <p:nvPr>
+            <p:custDataLst>
+              <p:custData r:id="rId21"/>
+            </p:custDataLst>
+          </p:nvPr>
+        </p:nvSpPr>
+        <p:spPr>
+          <a:xfrm>
+            <a:off x="798798" y="666452"/>
+            <a:ext cx="10478802" cy="390440"/>
+          </a:xfrm>
+          <a:prstGeom prst="rect">
+            <a:avLst/>
+          </a:prstGeom>
+          <a:solidFill>
+            <a:schemeClr val="accent6">
+              <a:lumMod val="50000"/>
+            </a:schemeClr>
+          </a:solidFill>
+          <a:ln w="3175" cap="flat" cmpd="sng" algn="ctr">
+            <a:solidFill>
+              <a:srgbClr val="FFFFFF">
+                <a:lumMod val="50000"/>
+              </a:srgbClr>
+            </a:solidFill>
+            <a:prstDash val="solid"/>
+          </a:ln>
+          <a:effectLst/>
+        </p:spPr>
+        <p:txBody>
+          <a:bodyPr rot="0" spcFirstLastPara="0" vertOverflow="overflow" horzOverflow="overflow" vert="horz" wrap="square" lIns="45720" tIns="45720" rIns="91440" bIns="45720" numCol="1" spcCol="0" rtlCol="0" fromWordArt="0" anchor="ctr" anchorCtr="0" forceAA="0" compatLnSpc="1">
+            <a:prstTxWarp prst="textNoShape">
+              <a:avLst/>
+            </a:prstTxWarp>
+            <a:noAutofit/>
+          </a:bodyPr>
+          <a:lstStyle/>
+          <a:p>
+            <a:r>
+              <a:rPr kumimoji="0" lang="en-US" sz="1200" b="0" i="0" u="none" strike="noStrike" kern="0" cap="none" spc="0" normalizeH="0" baseline="0" noProof="0" dirty="0" smtClean="0">
+                <a:ln>
+                  <a:noFill/>
+                </a:ln>
+                <a:solidFill>
+                  <a:srgbClr val="000000">
+                    <a:lumMod val="75000"/>
+                    <a:lumOff val="25000"/>
+                  </a:srgbClr>
+                </a:solidFill>
+                <a:effectLst/>
+                <a:uLnTx/>
+                <a:uFillTx/>
+                <a:latin typeface="Segoe UI"/>
+                <a:ea typeface="+mn-ea"/>
+                <a:cs typeface="+mn-cs"/>
+              </a:rPr>
+              <a:t>  </a:t>
+            </a:r>
+            <a:r>
+              <a:rPr kumimoji="0" lang="en-US" sz="1400" b="0" i="0" u="none" strike="noStrike" kern="0" cap="none" spc="0" normalizeH="0" baseline="0" noProof="0" dirty="0" smtClean="0">
+                <a:ln>
+                  <a:noFill/>
+                </a:ln>
+                <a:solidFill>
+                  <a:schemeClr val="bg1"/>
+                </a:solidFill>
+                <a:effectLst/>
+                <a:uLnTx/>
+                <a:uFillTx/>
+                <a:latin typeface="Segoe UI"/>
+                <a:ea typeface="+mn-ea"/>
+                <a:cs typeface="+mn-cs"/>
+              </a:rPr>
+              <a:t>NACOSS UNN</a:t>
+            </a:r>
+            <a:r>
+              <a:rPr kumimoji="0" lang="en-US" sz="1200" b="0" i="0" u="none" strike="noStrike" kern="0" cap="none" spc="0" normalizeH="0" noProof="0" dirty="0" smtClean="0">
+                <a:ln>
+                  <a:noFill/>
+                </a:ln>
+                <a:solidFill>
+                  <a:srgbClr val="000000">
+                    <a:lumMod val="75000"/>
+                    <a:lumOff val="25000"/>
+                  </a:srgbClr>
+                </a:solidFill>
+                <a:effectLst/>
+                <a:uLnTx/>
+                <a:uFillTx/>
+                <a:latin typeface="Segoe UI"/>
+                <a:ea typeface="+mn-ea"/>
+                <a:cs typeface="+mn-cs"/>
+              </a:rPr>
+              <a:t>    </a:t>
+            </a:r>
+            <a:r>
+              <a:rPr lang="en-US" sz="1400" kern="0" dirty="0" smtClean="0">
+                <a:solidFill>
+                  <a:schemeClr val="bg1"/>
+                </a:solidFill>
+                <a:latin typeface="Segoe UI"/>
+              </a:rPr>
+              <a:t>Forum  Prospectus   Library  Alumni   </a:t>
+            </a:r>
+            <a:r>
+              <a:rPr lang="en-US" sz="1400" kern="0" dirty="0">
+                <a:solidFill>
+                  <a:schemeClr val="bg1"/>
+                </a:solidFill>
+                <a:latin typeface="Segoe UI"/>
+              </a:rPr>
+              <a:t>Contact </a:t>
+            </a:r>
+            <a:r>
+              <a:rPr lang="en-US" sz="1400" kern="0" dirty="0" smtClean="0">
+                <a:solidFill>
+                  <a:schemeClr val="bg1"/>
+                </a:solidFill>
+                <a:latin typeface="Segoe UI"/>
+              </a:rPr>
+              <a:t> About </a:t>
+            </a:r>
+            <a:r>
+              <a:rPr lang="en-US" sz="1400" kern="0" dirty="0">
+                <a:solidFill>
+                  <a:schemeClr val="bg1"/>
+                </a:solidFill>
+                <a:latin typeface="Segoe UI"/>
+              </a:rPr>
+              <a:t>Us</a:t>
+            </a:r>
+            <a:endParaRPr kumimoji="0" lang="en-US" sz="1400" b="0" i="0" u="none" strike="noStrike" kern="0" cap="none" spc="0" normalizeH="0" baseline="0" noProof="0" dirty="0" smtClean="0">
+              <a:ln>
+                <a:noFill/>
+              </a:ln>
+              <a:solidFill>
+                <a:srgbClr val="000000">
+                  <a:lumMod val="75000"/>
+                  <a:lumOff val="25000"/>
+                </a:srgbClr>
+              </a:solidFill>
+              <a:effectLst/>
+              <a:uLnTx/>
+              <a:uFillTx/>
+              <a:latin typeface="Segoe UI"/>
             </a:endParaRPr>
           </a:p>
         </p:txBody>
@@ -33362,139 +33430,13 @@
           </a:p>
         </p:txBody>
       </p:sp>
-      <p:sp>
-        <p:nvSpPr>
-          <p:cNvPr id="43" name="Content"/>
-          <p:cNvSpPr/>
-          <p:nvPr>
-            <p:custDataLst>
-              <p:custData r:id="rId5"/>
-            </p:custDataLst>
-          </p:nvPr>
-        </p:nvSpPr>
-        <p:spPr>
-          <a:xfrm>
-            <a:off x="798798" y="666452"/>
-            <a:ext cx="10478802" cy="390440"/>
-          </a:xfrm>
-          <a:prstGeom prst="rect">
-            <a:avLst/>
-          </a:prstGeom>
-          <a:solidFill>
-            <a:schemeClr val="accent6">
-              <a:lumMod val="50000"/>
-            </a:schemeClr>
-          </a:solidFill>
-          <a:ln w="3175" cap="flat" cmpd="sng" algn="ctr">
-            <a:solidFill>
-              <a:srgbClr val="FFFFFF">
-                <a:lumMod val="50000"/>
-              </a:srgbClr>
-            </a:solidFill>
-            <a:prstDash val="solid"/>
-          </a:ln>
-          <a:effectLst/>
-        </p:spPr>
-        <p:txBody>
-          <a:bodyPr rot="0" spcFirstLastPara="0" vertOverflow="overflow" horzOverflow="overflow" vert="horz" wrap="square" lIns="45720" tIns="45720" rIns="91440" bIns="45720" numCol="1" spcCol="0" rtlCol="0" fromWordArt="0" anchor="ctr" anchorCtr="0" forceAA="0" compatLnSpc="1">
-            <a:prstTxWarp prst="textNoShape">
-              <a:avLst/>
-            </a:prstTxWarp>
-            <a:noAutofit/>
-          </a:bodyPr>
-          <a:lstStyle/>
-          <a:p>
-            <a:r>
-              <a:rPr kumimoji="0" lang="en-US" sz="1200" b="0" i="0" u="none" strike="noStrike" kern="0" cap="none" spc="0" normalizeH="0" baseline="0" noProof="0" dirty="0" smtClean="0">
-                <a:ln>
-                  <a:noFill/>
-                </a:ln>
-                <a:solidFill>
-                  <a:srgbClr val="000000">
-                    <a:lumMod val="75000"/>
-                    <a:lumOff val="25000"/>
-                  </a:srgbClr>
-                </a:solidFill>
-                <a:effectLst/>
-                <a:uLnTx/>
-                <a:uFillTx/>
-                <a:latin typeface="Segoe UI"/>
-                <a:ea typeface="+mn-ea"/>
-                <a:cs typeface="+mn-cs"/>
-              </a:rPr>
-              <a:t>  </a:t>
-            </a:r>
-            <a:r>
-              <a:rPr kumimoji="0" lang="en-US" sz="1400" b="0" i="0" u="none" strike="noStrike" kern="0" cap="none" spc="0" normalizeH="0" baseline="0" noProof="0" dirty="0" smtClean="0">
-                <a:ln>
-                  <a:noFill/>
-                </a:ln>
-                <a:solidFill>
-                  <a:schemeClr val="bg1"/>
-                </a:solidFill>
-                <a:effectLst/>
-                <a:uLnTx/>
-                <a:uFillTx/>
-                <a:latin typeface="Segoe UI"/>
-                <a:ea typeface="+mn-ea"/>
-                <a:cs typeface="+mn-cs"/>
-              </a:rPr>
-              <a:t>NACOSS UNN</a:t>
-            </a:r>
-            <a:r>
-              <a:rPr kumimoji="0" lang="en-US" sz="1200" b="0" i="0" u="none" strike="noStrike" kern="0" cap="none" spc="0" normalizeH="0" noProof="0" dirty="0" smtClean="0">
-                <a:ln>
-                  <a:noFill/>
-                </a:ln>
-                <a:solidFill>
-                  <a:srgbClr val="000000">
-                    <a:lumMod val="75000"/>
-                    <a:lumOff val="25000"/>
-                  </a:srgbClr>
-                </a:solidFill>
-                <a:effectLst/>
-                <a:uLnTx/>
-                <a:uFillTx/>
-                <a:latin typeface="Segoe UI"/>
-                <a:ea typeface="+mn-ea"/>
-                <a:cs typeface="+mn-cs"/>
-              </a:rPr>
-              <a:t>    </a:t>
-            </a:r>
-            <a:r>
-              <a:rPr lang="en-US" sz="1400" kern="0" dirty="0" smtClean="0">
-                <a:solidFill>
-                  <a:schemeClr val="bg1"/>
-                </a:solidFill>
-                <a:latin typeface="Segoe UI"/>
-              </a:rPr>
-              <a:t>Forum  Prospectus   Library  Alumni   Contact</a:t>
-            </a:r>
-            <a:endParaRPr kumimoji="0" lang="en-US" sz="1400" b="0" i="0" u="none" strike="noStrike" kern="0" cap="none" spc="0" normalizeH="0" baseline="0" noProof="0" dirty="0" smtClean="0">
-              <a:ln>
-                <a:noFill/>
-              </a:ln>
-              <a:solidFill>
-                <a:srgbClr val="000000">
-                  <a:lumMod val="75000"/>
-                  <a:lumOff val="25000"/>
-                </a:srgbClr>
-              </a:solidFill>
-              <a:effectLst/>
-              <a:uLnTx/>
-              <a:uFillTx/>
-              <a:latin typeface="Segoe UI"/>
-            </a:endParaRPr>
-          </a:p>
-        </p:txBody>
-      </p:sp>
       <p:grpSp>
         <p:nvGrpSpPr>
           <p:cNvPr id="44" name="SearchBox"/>
           <p:cNvGrpSpPr/>
           <p:nvPr>
             <p:custDataLst>
-              <p:custData r:id="rId6"/>
+              <p:custData r:id="rId5"/>
             </p:custDataLst>
           </p:nvPr>
         </p:nvGrpSpPr>
@@ -33631,7 +33573,7 @@
           <p:cNvSpPr/>
           <p:nvPr>
             <p:custDataLst>
-              <p:custData r:id="rId7"/>
+              <p:custData r:id="rId6"/>
             </p:custDataLst>
           </p:nvPr>
         </p:nvSpPr>
@@ -33684,7 +33626,7 @@
           <p:cNvSpPr txBox="1"/>
           <p:nvPr>
             <p:custDataLst>
-              <p:custData r:id="rId8"/>
+              <p:custData r:id="rId7"/>
             </p:custDataLst>
           </p:nvPr>
         </p:nvSpPr>
@@ -33724,7 +33666,7 @@
           <p:cNvSpPr txBox="1"/>
           <p:nvPr>
             <p:custDataLst>
-              <p:custData r:id="rId9"/>
+              <p:custData r:id="rId8"/>
             </p:custDataLst>
           </p:nvPr>
         </p:nvSpPr>
@@ -33764,7 +33706,7 @@
           <p:cNvSpPr/>
           <p:nvPr>
             <p:custDataLst>
-              <p:custData r:id="rId10"/>
+              <p:custData r:id="rId9"/>
             </p:custDataLst>
           </p:nvPr>
         </p:nvSpPr>
@@ -33816,7 +33758,7 @@
           <p:cNvSpPr/>
           <p:nvPr>
             <p:custDataLst>
-              <p:custData r:id="rId11"/>
+              <p:custData r:id="rId10"/>
             </p:custDataLst>
           </p:nvPr>
         </p:nvSpPr>
@@ -33868,7 +33810,7 @@
           <p:cNvSpPr/>
           <p:nvPr>
             <p:custDataLst>
-              <p:custData r:id="rId12"/>
+              <p:custData r:id="rId11"/>
             </p:custDataLst>
           </p:nvPr>
         </p:nvSpPr>
@@ -33920,7 +33862,7 @@
           <p:cNvSpPr/>
           <p:nvPr>
             <p:custDataLst>
-              <p:custData r:id="rId13"/>
+              <p:custData r:id="rId12"/>
             </p:custDataLst>
           </p:nvPr>
         </p:nvSpPr>
@@ -33972,7 +33914,7 @@
           <p:cNvSpPr/>
           <p:nvPr>
             <p:custDataLst>
-              <p:custData r:id="rId14"/>
+              <p:custData r:id="rId13"/>
             </p:custDataLst>
           </p:nvPr>
         </p:nvSpPr>
@@ -34024,7 +33966,7 @@
           <p:cNvSpPr/>
           <p:nvPr>
             <p:custDataLst>
-              <p:custData r:id="rId15"/>
+              <p:custData r:id="rId14"/>
             </p:custDataLst>
           </p:nvPr>
         </p:nvSpPr>
@@ -34076,7 +34018,7 @@
           <p:cNvSpPr/>
           <p:nvPr>
             <p:custDataLst>
-              <p:custData r:id="rId16"/>
+              <p:custData r:id="rId15"/>
             </p:custDataLst>
           </p:nvPr>
         </p:nvSpPr>
@@ -34128,7 +34070,7 @@
           <p:cNvSpPr/>
           <p:nvPr>
             <p:custDataLst>
-              <p:custData r:id="rId17"/>
+              <p:custData r:id="rId16"/>
             </p:custDataLst>
           </p:nvPr>
         </p:nvSpPr>
@@ -34266,6 +34208,159 @@
             <a:endParaRPr lang="en-US" sz="2000" dirty="0">
               <a:latin typeface="Segoe UI Light" pitchFamily="34" charset="0"/>
               <a:cs typeface="Segoe UI Light" pitchFamily="34" charset="0"/>
+            </a:endParaRPr>
+          </a:p>
+        </p:txBody>
+      </p:sp>
+      <p:sp>
+        <p:nvSpPr>
+          <p:cNvPr id="50" name="Content"/>
+          <p:cNvSpPr/>
+          <p:nvPr>
+            <p:custDataLst>
+              <p:custData r:id="rId17"/>
+            </p:custDataLst>
+          </p:nvPr>
+        </p:nvSpPr>
+        <p:spPr>
+          <a:xfrm>
+            <a:off x="798798" y="666452"/>
+            <a:ext cx="10478802" cy="390440"/>
+          </a:xfrm>
+          <a:prstGeom prst="rect">
+            <a:avLst/>
+          </a:prstGeom>
+          <a:solidFill>
+            <a:schemeClr val="accent6">
+              <a:lumMod val="50000"/>
+            </a:schemeClr>
+          </a:solidFill>
+          <a:ln w="3175" cap="flat" cmpd="sng" algn="ctr">
+            <a:solidFill>
+              <a:srgbClr val="FFFFFF">
+                <a:lumMod val="50000"/>
+              </a:srgbClr>
+            </a:solidFill>
+            <a:prstDash val="solid"/>
+          </a:ln>
+          <a:effectLst/>
+        </p:spPr>
+        <p:txBody>
+          <a:bodyPr rot="0" spcFirstLastPara="0" vertOverflow="overflow" horzOverflow="overflow" vert="horz" wrap="square" lIns="45720" tIns="45720" rIns="91440" bIns="45720" numCol="1" spcCol="0" rtlCol="0" fromWordArt="0" anchor="ctr" anchorCtr="0" forceAA="0" compatLnSpc="1">
+            <a:prstTxWarp prst="textNoShape">
+              <a:avLst/>
+            </a:prstTxWarp>
+            <a:noAutofit/>
+          </a:bodyPr>
+          <a:lstStyle/>
+          <a:p>
+            <a:r>
+              <a:rPr kumimoji="0" lang="en-US" sz="1200" b="0" i="0" u="none" strike="noStrike" kern="0" cap="none" spc="0" normalizeH="0" baseline="0" noProof="0" dirty="0" smtClean="0">
+                <a:ln>
+                  <a:noFill/>
+                </a:ln>
+                <a:solidFill>
+                  <a:srgbClr val="000000">
+                    <a:lumMod val="75000"/>
+                    <a:lumOff val="25000"/>
+                  </a:srgbClr>
+                </a:solidFill>
+                <a:effectLst/>
+                <a:uLnTx/>
+                <a:uFillTx/>
+                <a:latin typeface="Segoe UI"/>
+                <a:ea typeface="+mn-ea"/>
+                <a:cs typeface="+mn-cs"/>
+              </a:rPr>
+              <a:t>  </a:t>
+            </a:r>
+            <a:r>
+              <a:rPr kumimoji="0" lang="en-US" sz="1400" b="0" i="0" u="none" strike="noStrike" kern="0" cap="none" spc="0" normalizeH="0" baseline="0" noProof="0" dirty="0" smtClean="0">
+                <a:ln>
+                  <a:noFill/>
+                </a:ln>
+                <a:solidFill>
+                  <a:schemeClr val="bg1"/>
+                </a:solidFill>
+                <a:effectLst/>
+                <a:uLnTx/>
+                <a:uFillTx/>
+                <a:latin typeface="Segoe UI"/>
+                <a:ea typeface="+mn-ea"/>
+                <a:cs typeface="+mn-cs"/>
+              </a:rPr>
+              <a:t>NACOSS UNN</a:t>
+            </a:r>
+            <a:r>
+              <a:rPr kumimoji="0" lang="en-US" sz="1200" b="0" i="0" u="none" strike="noStrike" kern="0" cap="none" spc="0" normalizeH="0" noProof="0" dirty="0" smtClean="0">
+                <a:ln>
+                  <a:noFill/>
+                </a:ln>
+                <a:solidFill>
+                  <a:srgbClr val="000000">
+                    <a:lumMod val="75000"/>
+                    <a:lumOff val="25000"/>
+                  </a:srgbClr>
+                </a:solidFill>
+                <a:effectLst/>
+                <a:uLnTx/>
+                <a:uFillTx/>
+                <a:latin typeface="Segoe UI"/>
+                <a:ea typeface="+mn-ea"/>
+                <a:cs typeface="+mn-cs"/>
+              </a:rPr>
+              <a:t>    </a:t>
+            </a:r>
+            <a:r>
+              <a:rPr lang="en-US" sz="1400" kern="0" dirty="0" smtClean="0">
+                <a:solidFill>
+                  <a:schemeClr val="bg1"/>
+                </a:solidFill>
+                <a:latin typeface="Segoe UI"/>
+              </a:rPr>
+              <a:t>Forum  Prospectus   Library  Alumni   </a:t>
+            </a:r>
+            <a:r>
+              <a:rPr lang="en-US" sz="1400" kern="0" dirty="0">
+                <a:solidFill>
+                  <a:schemeClr val="bg1"/>
+                </a:solidFill>
+                <a:latin typeface="Segoe UI"/>
+              </a:rPr>
+              <a:t>Contact </a:t>
+            </a:r>
+            <a:r>
+              <a:rPr lang="en-US" sz="1400" kern="0" dirty="0" smtClean="0">
+                <a:solidFill>
+                  <a:schemeClr val="bg1"/>
+                </a:solidFill>
+                <a:latin typeface="Segoe UI"/>
+              </a:rPr>
+              <a:t> About </a:t>
+            </a:r>
+            <a:r>
+              <a:rPr lang="en-US" sz="1400" kern="0" dirty="0">
+                <a:solidFill>
+                  <a:schemeClr val="bg1"/>
+                </a:solidFill>
+                <a:latin typeface="Segoe UI"/>
+              </a:rPr>
+              <a:t>Us</a:t>
+            </a:r>
+            <a:endParaRPr kumimoji="0" lang="en-US" sz="1400" b="0" i="0" u="none" strike="noStrike" kern="0" cap="none" spc="0" normalizeH="0" baseline="0" noProof="0" dirty="0" smtClean="0">
+              <a:ln>
+                <a:noFill/>
+              </a:ln>
+              <a:solidFill>
+                <a:srgbClr val="000000">
+                  <a:lumMod val="75000"/>
+                  <a:lumOff val="25000"/>
+                </a:srgbClr>
+              </a:solidFill>
+              <a:effectLst/>
+              <a:uLnTx/>
+              <a:uFillTx/>
+              <a:latin typeface="Segoe UI"/>
             </a:endParaRPr>
           </a:p>
         </p:txBody>
@@ -35804,137 +35899,11 @@
       </p:grpSp>
       <p:sp>
         <p:nvSpPr>
-          <p:cNvPr id="43" name="Content"/>
+          <p:cNvPr id="44" name="Tile"/>
           <p:cNvSpPr/>
           <p:nvPr>
             <p:custDataLst>
               <p:custData r:id="rId6"/>
-            </p:custDataLst>
-          </p:nvPr>
-        </p:nvSpPr>
-        <p:spPr>
-          <a:xfrm>
-            <a:off x="798798" y="666452"/>
-            <a:ext cx="10478802" cy="390440"/>
-          </a:xfrm>
-          <a:prstGeom prst="rect">
-            <a:avLst/>
-          </a:prstGeom>
-          <a:solidFill>
-            <a:schemeClr val="accent6">
-              <a:lumMod val="50000"/>
-            </a:schemeClr>
-          </a:solidFill>
-          <a:ln w="3175" cap="flat" cmpd="sng" algn="ctr">
-            <a:solidFill>
-              <a:srgbClr val="FFFFFF">
-                <a:lumMod val="50000"/>
-              </a:srgbClr>
-            </a:solidFill>
-            <a:prstDash val="solid"/>
-          </a:ln>
-          <a:effectLst/>
-        </p:spPr>
-        <p:txBody>
-          <a:bodyPr rot="0" spcFirstLastPara="0" vertOverflow="overflow" horzOverflow="overflow" vert="horz" wrap="square" lIns="45720" tIns="45720" rIns="91440" bIns="45720" numCol="1" spcCol="0" rtlCol="0" fromWordArt="0" anchor="ctr" anchorCtr="0" forceAA="0" compatLnSpc="1">
-            <a:prstTxWarp prst="textNoShape">
-              <a:avLst/>
-            </a:prstTxWarp>
-            <a:noAutofit/>
-          </a:bodyPr>
-          <a:lstStyle/>
-          <a:p>
-            <a:r>
-              <a:rPr kumimoji="0" lang="en-US" sz="1200" b="0" i="0" u="none" strike="noStrike" kern="0" cap="none" spc="0" normalizeH="0" baseline="0" noProof="0" dirty="0" smtClean="0">
-                <a:ln>
-                  <a:noFill/>
-                </a:ln>
-                <a:solidFill>
-                  <a:srgbClr val="000000">
-                    <a:lumMod val="75000"/>
-                    <a:lumOff val="25000"/>
-                  </a:srgbClr>
-                </a:solidFill>
-                <a:effectLst/>
-                <a:uLnTx/>
-                <a:uFillTx/>
-                <a:latin typeface="Segoe UI"/>
-                <a:ea typeface="+mn-ea"/>
-                <a:cs typeface="+mn-cs"/>
-              </a:rPr>
-              <a:t>  </a:t>
-            </a:r>
-            <a:r>
-              <a:rPr kumimoji="0" lang="en-US" sz="1400" b="0" i="0" u="none" strike="noStrike" kern="0" cap="none" spc="0" normalizeH="0" baseline="0" noProof="0" dirty="0" smtClean="0">
-                <a:ln>
-                  <a:noFill/>
-                </a:ln>
-                <a:solidFill>
-                  <a:schemeClr val="bg1"/>
-                </a:solidFill>
-                <a:effectLst/>
-                <a:uLnTx/>
-                <a:uFillTx/>
-                <a:latin typeface="Segoe UI"/>
-                <a:ea typeface="+mn-ea"/>
-                <a:cs typeface="+mn-cs"/>
-              </a:rPr>
-              <a:t>NACOSS UNN</a:t>
-            </a:r>
-            <a:r>
-              <a:rPr kumimoji="0" lang="en-US" sz="1200" b="0" i="0" u="none" strike="noStrike" kern="0" cap="none" spc="0" normalizeH="0" noProof="0" dirty="0" smtClean="0">
-                <a:ln>
-                  <a:noFill/>
-                </a:ln>
-                <a:solidFill>
-                  <a:srgbClr val="000000">
-                    <a:lumMod val="75000"/>
-                    <a:lumOff val="25000"/>
-                  </a:srgbClr>
-                </a:solidFill>
-                <a:effectLst/>
-                <a:uLnTx/>
-                <a:uFillTx/>
-                <a:latin typeface="Segoe UI"/>
-                <a:ea typeface="+mn-ea"/>
-                <a:cs typeface="+mn-cs"/>
-              </a:rPr>
-              <a:t>    </a:t>
-            </a:r>
-            <a:r>
-              <a:rPr lang="en-US" sz="1400" kern="0" dirty="0" smtClean="0">
-                <a:solidFill>
-                  <a:schemeClr val="bg1"/>
-                </a:solidFill>
-                <a:latin typeface="Segoe UI"/>
-              </a:rPr>
-              <a:t>Forum  Prospectus   Library  Alumni   Contact</a:t>
-            </a:r>
-            <a:endParaRPr kumimoji="0" lang="en-US" sz="1400" b="0" i="0" u="none" strike="noStrike" kern="0" cap="none" spc="0" normalizeH="0" baseline="0" noProof="0" dirty="0" smtClean="0">
-              <a:ln>
-                <a:noFill/>
-              </a:ln>
-              <a:solidFill>
-                <a:srgbClr val="000000">
-                  <a:lumMod val="75000"/>
-                  <a:lumOff val="25000"/>
-                </a:srgbClr>
-              </a:solidFill>
-              <a:effectLst/>
-              <a:uLnTx/>
-              <a:uFillTx/>
-              <a:latin typeface="Segoe UI"/>
-            </a:endParaRPr>
-          </a:p>
-        </p:txBody>
-      </p:sp>
-      <p:sp>
-        <p:nvSpPr>
-          <p:cNvPr id="44" name="Tile"/>
-          <p:cNvSpPr/>
-          <p:nvPr>
-            <p:custDataLst>
-              <p:custData r:id="rId7"/>
             </p:custDataLst>
           </p:nvPr>
         </p:nvSpPr>
@@ -35987,7 +35956,7 @@
           <p:cNvSpPr txBox="1"/>
           <p:nvPr>
             <p:custDataLst>
-              <p:custData r:id="rId8"/>
+              <p:custData r:id="rId7"/>
             </p:custDataLst>
           </p:nvPr>
         </p:nvSpPr>
@@ -36027,7 +35996,7 @@
           <p:cNvSpPr txBox="1"/>
           <p:nvPr>
             <p:custDataLst>
-              <p:custData r:id="rId9"/>
+              <p:custData r:id="rId8"/>
             </p:custDataLst>
           </p:nvPr>
         </p:nvSpPr>
@@ -36067,7 +36036,7 @@
           <p:cNvGrpSpPr/>
           <p:nvPr>
             <p:custDataLst>
-              <p:custData r:id="rId10"/>
+              <p:custData r:id="rId9"/>
             </p:custDataLst>
           </p:nvPr>
         </p:nvGrpSpPr>
@@ -36385,7 +36354,7 @@
           <p:cNvSpPr/>
           <p:nvPr>
             <p:custDataLst>
-              <p:custData r:id="rId11"/>
+              <p:custData r:id="rId10"/>
             </p:custDataLst>
           </p:nvPr>
         </p:nvSpPr>
@@ -36476,7 +36445,7 @@
           <p:cNvSpPr/>
           <p:nvPr>
             <p:custDataLst>
-              <p:custData r:id="rId12"/>
+              <p:custData r:id="rId11"/>
             </p:custDataLst>
           </p:nvPr>
         </p:nvSpPr>
@@ -36567,7 +36536,7 @@
           <p:cNvSpPr/>
           <p:nvPr>
             <p:custDataLst>
-              <p:custData r:id="rId13"/>
+              <p:custData r:id="rId12"/>
             </p:custDataLst>
           </p:nvPr>
         </p:nvSpPr>
@@ -36658,7 +36627,7 @@
           <p:cNvSpPr/>
           <p:nvPr>
             <p:custDataLst>
-              <p:custData r:id="rId14"/>
+              <p:custData r:id="rId13"/>
             </p:custDataLst>
           </p:nvPr>
         </p:nvSpPr>
@@ -36749,7 +36718,7 @@
           <p:cNvSpPr/>
           <p:nvPr>
             <p:custDataLst>
-              <p:custData r:id="rId15"/>
+              <p:custData r:id="rId14"/>
             </p:custDataLst>
           </p:nvPr>
         </p:nvSpPr>
@@ -36801,7 +36770,7 @@
           <p:cNvSpPr/>
           <p:nvPr>
             <p:custDataLst>
-              <p:custData r:id="rId16"/>
+              <p:custData r:id="rId15"/>
             </p:custDataLst>
           </p:nvPr>
         </p:nvSpPr>
@@ -36853,7 +36822,7 @@
           <p:cNvSpPr/>
           <p:nvPr>
             <p:custDataLst>
-              <p:custData r:id="rId17"/>
+              <p:custData r:id="rId16"/>
             </p:custDataLst>
           </p:nvPr>
         </p:nvSpPr>
@@ -36991,6 +36960,159 @@
             <a:endParaRPr lang="en-US" sz="2000" dirty="0">
               <a:latin typeface="Segoe UI Light" pitchFamily="34" charset="0"/>
               <a:cs typeface="Segoe UI Light" pitchFamily="34" charset="0"/>
+            </a:endParaRPr>
+          </a:p>
+        </p:txBody>
+      </p:sp>
+      <p:sp>
+        <p:nvSpPr>
+          <p:cNvPr id="57" name="Content"/>
+          <p:cNvSpPr/>
+          <p:nvPr>
+            <p:custDataLst>
+              <p:custData r:id="rId17"/>
+            </p:custDataLst>
+          </p:nvPr>
+        </p:nvSpPr>
+        <p:spPr>
+          <a:xfrm>
+            <a:off x="798798" y="666452"/>
+            <a:ext cx="10478802" cy="390440"/>
+          </a:xfrm>
+          <a:prstGeom prst="rect">
+            <a:avLst/>
+          </a:prstGeom>
+          <a:solidFill>
+            <a:schemeClr val="accent6">
+              <a:lumMod val="50000"/>
+            </a:schemeClr>
+          </a:solidFill>
+          <a:ln w="3175" cap="flat" cmpd="sng" algn="ctr">
+            <a:solidFill>
+              <a:srgbClr val="FFFFFF">
+                <a:lumMod val="50000"/>
+              </a:srgbClr>
+            </a:solidFill>
+            <a:prstDash val="solid"/>
+          </a:ln>
+          <a:effectLst/>
+        </p:spPr>
+        <p:txBody>
+          <a:bodyPr rot="0" spcFirstLastPara="0" vertOverflow="overflow" horzOverflow="overflow" vert="horz" wrap="square" lIns="45720" tIns="45720" rIns="91440" bIns="45720" numCol="1" spcCol="0" rtlCol="0" fromWordArt="0" anchor="ctr" anchorCtr="0" forceAA="0" compatLnSpc="1">
+            <a:prstTxWarp prst="textNoShape">
+              <a:avLst/>
+            </a:prstTxWarp>
+            <a:noAutofit/>
+          </a:bodyPr>
+          <a:lstStyle/>
+          <a:p>
+            <a:r>
+              <a:rPr kumimoji="0" lang="en-US" sz="1200" b="0" i="0" u="none" strike="noStrike" kern="0" cap="none" spc="0" normalizeH="0" baseline="0" noProof="0" dirty="0" smtClean="0">
+                <a:ln>
+                  <a:noFill/>
+                </a:ln>
+                <a:solidFill>
+                  <a:srgbClr val="000000">
+                    <a:lumMod val="75000"/>
+                    <a:lumOff val="25000"/>
+                  </a:srgbClr>
+                </a:solidFill>
+                <a:effectLst/>
+                <a:uLnTx/>
+                <a:uFillTx/>
+                <a:latin typeface="Segoe UI"/>
+                <a:ea typeface="+mn-ea"/>
+                <a:cs typeface="+mn-cs"/>
+              </a:rPr>
+              <a:t>  </a:t>
+            </a:r>
+            <a:r>
+              <a:rPr kumimoji="0" lang="en-US" sz="1400" b="0" i="0" u="none" strike="noStrike" kern="0" cap="none" spc="0" normalizeH="0" baseline="0" noProof="0" dirty="0" smtClean="0">
+                <a:ln>
+                  <a:noFill/>
+                </a:ln>
+                <a:solidFill>
+                  <a:schemeClr val="bg1"/>
+                </a:solidFill>
+                <a:effectLst/>
+                <a:uLnTx/>
+                <a:uFillTx/>
+                <a:latin typeface="Segoe UI"/>
+                <a:ea typeface="+mn-ea"/>
+                <a:cs typeface="+mn-cs"/>
+              </a:rPr>
+              <a:t>NACOSS UNN</a:t>
+            </a:r>
+            <a:r>
+              <a:rPr kumimoji="0" lang="en-US" sz="1200" b="0" i="0" u="none" strike="noStrike" kern="0" cap="none" spc="0" normalizeH="0" noProof="0" dirty="0" smtClean="0">
+                <a:ln>
+                  <a:noFill/>
+                </a:ln>
+                <a:solidFill>
+                  <a:srgbClr val="000000">
+                    <a:lumMod val="75000"/>
+                    <a:lumOff val="25000"/>
+                  </a:srgbClr>
+                </a:solidFill>
+                <a:effectLst/>
+                <a:uLnTx/>
+                <a:uFillTx/>
+                <a:latin typeface="Segoe UI"/>
+                <a:ea typeface="+mn-ea"/>
+                <a:cs typeface="+mn-cs"/>
+              </a:rPr>
+              <a:t>    </a:t>
+            </a:r>
+            <a:r>
+              <a:rPr lang="en-US" sz="1400" kern="0" dirty="0" smtClean="0">
+                <a:solidFill>
+                  <a:schemeClr val="bg1"/>
+                </a:solidFill>
+                <a:latin typeface="Segoe UI"/>
+              </a:rPr>
+              <a:t>Forum  Prospectus   Library  Alumni   </a:t>
+            </a:r>
+            <a:r>
+              <a:rPr lang="en-US" sz="1400" kern="0" dirty="0">
+                <a:solidFill>
+                  <a:schemeClr val="bg1"/>
+                </a:solidFill>
+                <a:latin typeface="Segoe UI"/>
+              </a:rPr>
+              <a:t>Contact </a:t>
+            </a:r>
+            <a:r>
+              <a:rPr lang="en-US" sz="1400" kern="0" dirty="0" smtClean="0">
+                <a:solidFill>
+                  <a:schemeClr val="bg1"/>
+                </a:solidFill>
+                <a:latin typeface="Segoe UI"/>
+              </a:rPr>
+              <a:t> About </a:t>
+            </a:r>
+            <a:r>
+              <a:rPr lang="en-US" sz="1400" kern="0" dirty="0">
+                <a:solidFill>
+                  <a:schemeClr val="bg1"/>
+                </a:solidFill>
+                <a:latin typeface="Segoe UI"/>
+              </a:rPr>
+              <a:t>Us</a:t>
+            </a:r>
+            <a:endParaRPr kumimoji="0" lang="en-US" sz="1400" b="0" i="0" u="none" strike="noStrike" kern="0" cap="none" spc="0" normalizeH="0" baseline="0" noProof="0" dirty="0" smtClean="0">
+              <a:ln>
+                <a:noFill/>
+              </a:ln>
+              <a:solidFill>
+                <a:srgbClr val="000000">
+                  <a:lumMod val="75000"/>
+                  <a:lumOff val="25000"/>
+                </a:srgbClr>
+              </a:solidFill>
+              <a:effectLst/>
+              <a:uLnTx/>
+              <a:uFillTx/>
+              <a:latin typeface="Segoe UI"/>
             </a:endParaRPr>
           </a:p>
         </p:txBody>
@@ -38529,137 +38651,11 @@
       </p:grpSp>
       <p:sp>
         <p:nvSpPr>
-          <p:cNvPr id="43" name="Content"/>
+          <p:cNvPr id="44" name="Tile"/>
           <p:cNvSpPr/>
           <p:nvPr>
             <p:custDataLst>
               <p:custData r:id="rId6"/>
-            </p:custDataLst>
-          </p:nvPr>
-        </p:nvSpPr>
-        <p:spPr>
-          <a:xfrm>
-            <a:off x="798798" y="666452"/>
-            <a:ext cx="10478802" cy="390440"/>
-          </a:xfrm>
-          <a:prstGeom prst="rect">
-            <a:avLst/>
-          </a:prstGeom>
-          <a:solidFill>
-            <a:schemeClr val="accent6">
-              <a:lumMod val="50000"/>
-            </a:schemeClr>
-          </a:solidFill>
-          <a:ln w="3175" cap="flat" cmpd="sng" algn="ctr">
-            <a:solidFill>
-              <a:srgbClr val="FFFFFF">
-                <a:lumMod val="50000"/>
-              </a:srgbClr>
-            </a:solidFill>
-            <a:prstDash val="solid"/>
-          </a:ln>
-          <a:effectLst/>
-        </p:spPr>
-        <p:txBody>
-          <a:bodyPr rot="0" spcFirstLastPara="0" vertOverflow="overflow" horzOverflow="overflow" vert="horz" wrap="square" lIns="45720" tIns="45720" rIns="91440" bIns="45720" numCol="1" spcCol="0" rtlCol="0" fromWordArt="0" anchor="ctr" anchorCtr="0" forceAA="0" compatLnSpc="1">
-            <a:prstTxWarp prst="textNoShape">
-              <a:avLst/>
-            </a:prstTxWarp>
-            <a:noAutofit/>
-          </a:bodyPr>
-          <a:lstStyle/>
-          <a:p>
-            <a:r>
-              <a:rPr kumimoji="0" lang="en-US" sz="1200" b="0" i="0" u="none" strike="noStrike" kern="0" cap="none" spc="0" normalizeH="0" baseline="0" noProof="0" dirty="0" smtClean="0">
-                <a:ln>
-                  <a:noFill/>
-                </a:ln>
-                <a:solidFill>
-                  <a:srgbClr val="000000">
-                    <a:lumMod val="75000"/>
-                    <a:lumOff val="25000"/>
-                  </a:srgbClr>
-                </a:solidFill>
-                <a:effectLst/>
-                <a:uLnTx/>
-                <a:uFillTx/>
-                <a:latin typeface="Segoe UI"/>
-                <a:ea typeface="+mn-ea"/>
-                <a:cs typeface="+mn-cs"/>
-              </a:rPr>
-              <a:t>  </a:t>
-            </a:r>
-            <a:r>
-              <a:rPr kumimoji="0" lang="en-US" sz="1400" b="0" i="0" u="none" strike="noStrike" kern="0" cap="none" spc="0" normalizeH="0" baseline="0" noProof="0" dirty="0" smtClean="0">
-                <a:ln>
-                  <a:noFill/>
-                </a:ln>
-                <a:solidFill>
-                  <a:schemeClr val="bg1"/>
-                </a:solidFill>
-                <a:effectLst/>
-                <a:uLnTx/>
-                <a:uFillTx/>
-                <a:latin typeface="Segoe UI"/>
-                <a:ea typeface="+mn-ea"/>
-                <a:cs typeface="+mn-cs"/>
-              </a:rPr>
-              <a:t>NACOSS UNN</a:t>
-            </a:r>
-            <a:r>
-              <a:rPr kumimoji="0" lang="en-US" sz="1200" b="0" i="0" u="none" strike="noStrike" kern="0" cap="none" spc="0" normalizeH="0" noProof="0" dirty="0" smtClean="0">
-                <a:ln>
-                  <a:noFill/>
-                </a:ln>
-                <a:solidFill>
-                  <a:srgbClr val="000000">
-                    <a:lumMod val="75000"/>
-                    <a:lumOff val="25000"/>
-                  </a:srgbClr>
-                </a:solidFill>
-                <a:effectLst/>
-                <a:uLnTx/>
-                <a:uFillTx/>
-                <a:latin typeface="Segoe UI"/>
-                <a:ea typeface="+mn-ea"/>
-                <a:cs typeface="+mn-cs"/>
-              </a:rPr>
-              <a:t>    </a:t>
-            </a:r>
-            <a:r>
-              <a:rPr lang="en-US" sz="1400" kern="0" dirty="0" smtClean="0">
-                <a:solidFill>
-                  <a:schemeClr val="bg1"/>
-                </a:solidFill>
-                <a:latin typeface="Segoe UI"/>
-              </a:rPr>
-              <a:t>Forum  Prospectus   Library  Alumni   Contact</a:t>
-            </a:r>
-            <a:endParaRPr kumimoji="0" lang="en-US" sz="1400" b="0" i="0" u="none" strike="noStrike" kern="0" cap="none" spc="0" normalizeH="0" baseline="0" noProof="0" dirty="0" smtClean="0">
-              <a:ln>
-                <a:noFill/>
-              </a:ln>
-              <a:solidFill>
-                <a:srgbClr val="000000">
-                  <a:lumMod val="75000"/>
-                  <a:lumOff val="25000"/>
-                </a:srgbClr>
-              </a:solidFill>
-              <a:effectLst/>
-              <a:uLnTx/>
-              <a:uFillTx/>
-              <a:latin typeface="Segoe UI"/>
-            </a:endParaRPr>
-          </a:p>
-        </p:txBody>
-      </p:sp>
-      <p:sp>
-        <p:nvSpPr>
-          <p:cNvPr id="44" name="Tile"/>
-          <p:cNvSpPr/>
-          <p:nvPr>
-            <p:custDataLst>
-              <p:custData r:id="rId7"/>
             </p:custDataLst>
           </p:nvPr>
         </p:nvSpPr>
@@ -38712,7 +38708,7 @@
           <p:cNvSpPr txBox="1"/>
           <p:nvPr>
             <p:custDataLst>
-              <p:custData r:id="rId8"/>
+              <p:custData r:id="rId7"/>
             </p:custDataLst>
           </p:nvPr>
         </p:nvSpPr>
@@ -38752,7 +38748,7 @@
           <p:cNvSpPr txBox="1"/>
           <p:nvPr>
             <p:custDataLst>
-              <p:custData r:id="rId9"/>
+              <p:custData r:id="rId8"/>
             </p:custDataLst>
           </p:nvPr>
         </p:nvSpPr>
@@ -38792,7 +38788,7 @@
           <p:cNvSpPr/>
           <p:nvPr>
             <p:custDataLst>
-              <p:custData r:id="rId10"/>
+              <p:custData r:id="rId9"/>
             </p:custDataLst>
           </p:nvPr>
         </p:nvSpPr>
@@ -38844,7 +38840,7 @@
           <p:cNvSpPr/>
           <p:nvPr>
             <p:custDataLst>
-              <p:custData r:id="rId11"/>
+              <p:custData r:id="rId10"/>
             </p:custDataLst>
           </p:nvPr>
         </p:nvSpPr>
@@ -38896,7 +38892,7 @@
           <p:cNvSpPr/>
           <p:nvPr>
             <p:custDataLst>
-              <p:custData r:id="rId12"/>
+              <p:custData r:id="rId11"/>
             </p:custDataLst>
           </p:nvPr>
         </p:nvSpPr>
@@ -38948,7 +38944,7 @@
           <p:cNvSpPr/>
           <p:nvPr>
             <p:custDataLst>
-              <p:custData r:id="rId13"/>
+              <p:custData r:id="rId12"/>
             </p:custDataLst>
           </p:nvPr>
         </p:nvSpPr>
@@ -39000,7 +38996,7 @@
           <p:cNvSpPr/>
           <p:nvPr>
             <p:custDataLst>
-              <p:custData r:id="rId14"/>
+              <p:custData r:id="rId13"/>
             </p:custDataLst>
           </p:nvPr>
         </p:nvSpPr>
@@ -39052,7 +39048,7 @@
           <p:cNvSpPr/>
           <p:nvPr>
             <p:custDataLst>
-              <p:custData r:id="rId15"/>
+              <p:custData r:id="rId14"/>
             </p:custDataLst>
           </p:nvPr>
         </p:nvSpPr>
@@ -39104,7 +39100,7 @@
           <p:cNvSpPr/>
           <p:nvPr>
             <p:custDataLst>
-              <p:custData r:id="rId16"/>
+              <p:custData r:id="rId15"/>
             </p:custDataLst>
           </p:nvPr>
         </p:nvSpPr>
@@ -39156,7 +39152,7 @@
           <p:cNvSpPr/>
           <p:nvPr>
             <p:custDataLst>
-              <p:custData r:id="rId17"/>
+              <p:custData r:id="rId16"/>
             </p:custDataLst>
           </p:nvPr>
         </p:nvSpPr>
@@ -39208,7 +39204,7 @@
           <p:cNvSpPr/>
           <p:nvPr>
             <p:custDataLst>
-              <p:custData r:id="rId18"/>
+              <p:custData r:id="rId17"/>
             </p:custDataLst>
           </p:nvPr>
         </p:nvSpPr>
@@ -39260,7 +39256,7 @@
           <p:cNvSpPr/>
           <p:nvPr>
             <p:custDataLst>
-              <p:custData r:id="rId19"/>
+              <p:custData r:id="rId18"/>
             </p:custDataLst>
           </p:nvPr>
         </p:nvSpPr>
@@ -39312,7 +39308,7 @@
           <p:cNvSpPr/>
           <p:nvPr>
             <p:custDataLst>
-              <p:custData r:id="rId20"/>
+              <p:custData r:id="rId19"/>
             </p:custDataLst>
           </p:nvPr>
         </p:nvSpPr>
@@ -39364,7 +39360,7 @@
           <p:cNvSpPr/>
           <p:nvPr>
             <p:custDataLst>
-              <p:custData r:id="rId21"/>
+              <p:custData r:id="rId20"/>
             </p:custDataLst>
           </p:nvPr>
         </p:nvSpPr>
@@ -39416,7 +39412,7 @@
           <p:cNvSpPr/>
           <p:nvPr>
             <p:custDataLst>
-              <p:custData r:id="rId22"/>
+              <p:custData r:id="rId21"/>
             </p:custDataLst>
           </p:nvPr>
         </p:nvSpPr>
@@ -39468,7 +39464,7 @@
           <p:cNvSpPr/>
           <p:nvPr>
             <p:custDataLst>
-              <p:custData r:id="rId23"/>
+              <p:custData r:id="rId22"/>
             </p:custDataLst>
           </p:nvPr>
         </p:nvSpPr>
@@ -39520,7 +39516,7 @@
           <p:cNvSpPr/>
           <p:nvPr>
             <p:custDataLst>
-              <p:custData r:id="rId24"/>
+              <p:custData r:id="rId23"/>
             </p:custDataLst>
           </p:nvPr>
         </p:nvSpPr>
@@ -39665,6 +39661,159 @@
             <a:endParaRPr lang="en-US" sz="2000" dirty="0">
               <a:latin typeface="Segoe UI Light" pitchFamily="34" charset="0"/>
               <a:cs typeface="Segoe UI Light" pitchFamily="34" charset="0"/>
+            </a:endParaRPr>
+          </a:p>
+        </p:txBody>
+      </p:sp>
+      <p:sp>
+        <p:nvSpPr>
+          <p:cNvPr id="59" name="Content"/>
+          <p:cNvSpPr/>
+          <p:nvPr>
+            <p:custDataLst>
+              <p:custData r:id="rId24"/>
+            </p:custDataLst>
+          </p:nvPr>
+        </p:nvSpPr>
+        <p:spPr>
+          <a:xfrm>
+            <a:off x="798798" y="666452"/>
+            <a:ext cx="10478802" cy="390440"/>
+          </a:xfrm>
+          <a:prstGeom prst="rect">
+            <a:avLst/>
+          </a:prstGeom>
+          <a:solidFill>
+            <a:schemeClr val="accent6">
+              <a:lumMod val="50000"/>
+            </a:schemeClr>
+          </a:solidFill>
+          <a:ln w="3175" cap="flat" cmpd="sng" algn="ctr">
+            <a:solidFill>
+              <a:srgbClr val="FFFFFF">
+                <a:lumMod val="50000"/>
+              </a:srgbClr>
+            </a:solidFill>
+            <a:prstDash val="solid"/>
+          </a:ln>
+          <a:effectLst/>
+        </p:spPr>
+        <p:txBody>
+          <a:bodyPr rot="0" spcFirstLastPara="0" vertOverflow="overflow" horzOverflow="overflow" vert="horz" wrap="square" lIns="45720" tIns="45720" rIns="91440" bIns="45720" numCol="1" spcCol="0" rtlCol="0" fromWordArt="0" anchor="ctr" anchorCtr="0" forceAA="0" compatLnSpc="1">
+            <a:prstTxWarp prst="textNoShape">
+              <a:avLst/>
+            </a:prstTxWarp>
+            <a:noAutofit/>
+          </a:bodyPr>
+          <a:lstStyle/>
+          <a:p>
+            <a:r>
+              <a:rPr kumimoji="0" lang="en-US" sz="1200" b="0" i="0" u="none" strike="noStrike" kern="0" cap="none" spc="0" normalizeH="0" baseline="0" noProof="0" dirty="0" smtClean="0">
+                <a:ln>
+                  <a:noFill/>
+                </a:ln>
+                <a:solidFill>
+                  <a:srgbClr val="000000">
+                    <a:lumMod val="75000"/>
+                    <a:lumOff val="25000"/>
+                  </a:srgbClr>
+                </a:solidFill>
+                <a:effectLst/>
+                <a:uLnTx/>
+                <a:uFillTx/>
+                <a:latin typeface="Segoe UI"/>
+                <a:ea typeface="+mn-ea"/>
+                <a:cs typeface="+mn-cs"/>
+              </a:rPr>
+              <a:t>  </a:t>
+            </a:r>
+            <a:r>
+              <a:rPr kumimoji="0" lang="en-US" sz="1400" b="0" i="0" u="none" strike="noStrike" kern="0" cap="none" spc="0" normalizeH="0" baseline="0" noProof="0" dirty="0" smtClean="0">
+                <a:ln>
+                  <a:noFill/>
+                </a:ln>
+                <a:solidFill>
+                  <a:schemeClr val="bg1"/>
+                </a:solidFill>
+                <a:effectLst/>
+                <a:uLnTx/>
+                <a:uFillTx/>
+                <a:latin typeface="Segoe UI"/>
+                <a:ea typeface="+mn-ea"/>
+                <a:cs typeface="+mn-cs"/>
+              </a:rPr>
+              <a:t>NACOSS UNN</a:t>
+            </a:r>
+            <a:r>
+              <a:rPr kumimoji="0" lang="en-US" sz="1200" b="0" i="0" u="none" strike="noStrike" kern="0" cap="none" spc="0" normalizeH="0" noProof="0" dirty="0" smtClean="0">
+                <a:ln>
+                  <a:noFill/>
+                </a:ln>
+                <a:solidFill>
+                  <a:srgbClr val="000000">
+                    <a:lumMod val="75000"/>
+                    <a:lumOff val="25000"/>
+                  </a:srgbClr>
+                </a:solidFill>
+                <a:effectLst/>
+                <a:uLnTx/>
+                <a:uFillTx/>
+                <a:latin typeface="Segoe UI"/>
+                <a:ea typeface="+mn-ea"/>
+                <a:cs typeface="+mn-cs"/>
+              </a:rPr>
+              <a:t>    </a:t>
+            </a:r>
+            <a:r>
+              <a:rPr lang="en-US" sz="1400" kern="0" dirty="0" smtClean="0">
+                <a:solidFill>
+                  <a:schemeClr val="bg1"/>
+                </a:solidFill>
+                <a:latin typeface="Segoe UI"/>
+              </a:rPr>
+              <a:t>Forum  Prospectus   Library  Alumni   </a:t>
+            </a:r>
+            <a:r>
+              <a:rPr lang="en-US" sz="1400" kern="0" dirty="0">
+                <a:solidFill>
+                  <a:schemeClr val="bg1"/>
+                </a:solidFill>
+                <a:latin typeface="Segoe UI"/>
+              </a:rPr>
+              <a:t>Contact </a:t>
+            </a:r>
+            <a:r>
+              <a:rPr lang="en-US" sz="1400" kern="0" dirty="0" smtClean="0">
+                <a:solidFill>
+                  <a:schemeClr val="bg1"/>
+                </a:solidFill>
+                <a:latin typeface="Segoe UI"/>
+              </a:rPr>
+              <a:t> About </a:t>
+            </a:r>
+            <a:r>
+              <a:rPr lang="en-US" sz="1400" kern="0" dirty="0">
+                <a:solidFill>
+                  <a:schemeClr val="bg1"/>
+                </a:solidFill>
+                <a:latin typeface="Segoe UI"/>
+              </a:rPr>
+              <a:t>Us</a:t>
+            </a:r>
+            <a:endParaRPr kumimoji="0" lang="en-US" sz="1400" b="0" i="0" u="none" strike="noStrike" kern="0" cap="none" spc="0" normalizeH="0" baseline="0" noProof="0" dirty="0" smtClean="0">
+              <a:ln>
+                <a:noFill/>
+              </a:ln>
+              <a:solidFill>
+                <a:srgbClr val="000000">
+                  <a:lumMod val="75000"/>
+                  <a:lumOff val="25000"/>
+                </a:srgbClr>
+              </a:solidFill>
+              <a:effectLst/>
+              <a:uLnTx/>
+              <a:uFillTx/>
+              <a:latin typeface="Segoe UI"/>
             </a:endParaRPr>
           </a:p>
         </p:txBody>
@@ -40215,67 +40364,67 @@
 
 <file path=customXml/item10.xml><?xml version="1.0" encoding="utf-8"?>
 <Control xmlns="http://schemas.microsoft.com/VisualStudio/2011/storyboarding/control">
-  <Id Name="System.Storyboarding.WindowsApps.WindowsAppsButton" Revision="1" Stencil="System.Storyboarding.WindowsApps" StencilVersion="0.1"/>
+  <Id Name="System.Storyboarding.Common.Text" Revision="1" Stencil="System.Storyboarding.Common" StencilVersion="0.1"/>
 </Control>
 </file>
 
 <file path=customXml/item100.xml><?xml version="1.0" encoding="utf-8"?>
 <Control xmlns="http://schemas.microsoft.com/VisualStudio/2011/storyboarding/control">
-  <Id Name="System.Storyboarding.WindowsApps.WindowsAppsButton" Revision="1" Stencil="System.Storyboarding.WindowsApps" StencilVersion="0.1"/>
+  <Id Name="System.Storyboarding.WindowsApps.WindowsAppsTileWideSmall" Revision="1" Stencil="System.Storyboarding.WindowsApps" StencilVersion="0.1"/>
 </Control>
 </file>
 
 <file path=customXml/item101.xml><?xml version="1.0" encoding="utf-8"?>
 <Control xmlns="http://schemas.microsoft.com/VisualStudio/2011/storyboarding/control">
-  <Id Name="System.Storyboarding.Common.ScrollbarVertical" Revision="1" Stencil="System.Storyboarding.Common" StencilVersion="0.1"/>
+  <Id Name="System.Storyboarding.WindowsApps.WindowsAppsTileMedium" Revision="1" Stencil="System.Storyboarding.WindowsApps" StencilVersion="0.1"/>
 </Control>
 </file>
 
 <file path=customXml/item102.xml><?xml version="1.0" encoding="utf-8"?>
 <Control xmlns="http://schemas.microsoft.com/VisualStudio/2011/storyboarding/control">
-  <Id Name="System.Storyboarding.WindowsDesktop.MenuBar" Revision="1" Stencil="System.Storyboarding.WindowsDesktop" StencilVersion="0.1"/>
+  <Id Name="System.Storyboarding.WindowsApps.WindowsAppsTileMedium" Revision="1" Stencil="System.Storyboarding.WindowsApps" StencilVersion="0.1"/>
 </Control>
 </file>
 
 <file path=customXml/item103.xml><?xml version="1.0" encoding="utf-8"?>
 <Control xmlns="http://schemas.microsoft.com/VisualStudio/2011/storyboarding/control">
-  <Id Name="System.Storyboarding.Common.SearchBox" Revision="1" Stencil="System.Storyboarding.Common" StencilVersion="0.1"/>
+  <Id Name="System.Storyboarding.WindowsApps.WindowsAppsTileMedium" Revision="1" Stencil="System.Storyboarding.WindowsApps" StencilVersion="0.1"/>
 </Control>
 </file>
 
 <file path=customXml/item104.xml><?xml version="1.0" encoding="utf-8"?>
 <Control xmlns="http://schemas.microsoft.com/VisualStudio/2011/storyboarding/control">
-  <Id Name="System.Storyboarding.WindowsApps.WindowsAppsTileWideSmall" Revision="1" Stencil="System.Storyboarding.WindowsApps" StencilVersion="0.1"/>
+  <Id Name="System.Storyboarding.WindowsApps.WindowsAppsTileMedium" Revision="1" Stencil="System.Storyboarding.WindowsApps" StencilVersion="0.1"/>
 </Control>
 </file>
 
 <file path=customXml/item105.xml><?xml version="1.0" encoding="utf-8"?>
 <Control xmlns="http://schemas.microsoft.com/VisualStudio/2011/storyboarding/control">
-  <Id Name="System.Storyboarding.Common.Text" Revision="1" Stencil="System.Storyboarding.Common" StencilVersion="0.1"/>
+  <Id Name="System.Storyboarding.WindowsApps.WindowsAppsTileMedium" Revision="1" Stencil="System.Storyboarding.WindowsApps" StencilVersion="0.1"/>
 </Control>
 </file>
 
 <file path=customXml/item106.xml><?xml version="1.0" encoding="utf-8"?>
 <Control xmlns="http://schemas.microsoft.com/VisualStudio/2011/storyboarding/control">
-  <Id Name="System.Storyboarding.Common.Text" Revision="1" Stencil="System.Storyboarding.Common" StencilVersion="0.1"/>
+  <Id Name="System.Storyboarding.WindowsApps.WindowsAppsButton" Revision="1" Stencil="System.Storyboarding.WindowsApps" StencilVersion="0.1"/>
 </Control>
 </file>
 
 <file path=customXml/item107.xml><?xml version="1.0" encoding="utf-8"?>
 <Control xmlns="http://schemas.microsoft.com/VisualStudio/2011/storyboarding/control">
-  <Id Name="System.Storyboarding.WindowsApps.WindowsAppsTileWideSmall" Revision="1" Stencil="System.Storyboarding.WindowsApps" StencilVersion="0.1"/>
+  <Id Name="System.Storyboarding.Common.Text" Revision="1" Stencil="System.Storyboarding.Common" StencilVersion="0.1"/>
 </Control>
 </file>
 
 <file path=customXml/item108.xml><?xml version="1.0" encoding="utf-8"?>
 <Control xmlns="http://schemas.microsoft.com/VisualStudio/2011/storyboarding/control">
-  <Id Name="System.Storyboarding.Common.Text" Revision="1" Stencil="System.Storyboarding.Common" StencilVersion="0.1"/>
+  <Id Name="System.Storyboarding.WindowsAppIcons.Right" Revision="1" Stencil="System.Storyboarding.WindowsAppIcons" StencilVersion="0.1"/>
 </Control>
 </file>
 
 <file path=customXml/item109.xml><?xml version="1.0" encoding="utf-8"?>
 <Control xmlns="http://schemas.microsoft.com/VisualStudio/2011/storyboarding/control">
-  <Id Name="System.Storyboarding.Common.Text" Revision="1" Stencil="System.Storyboarding.Common" StencilVersion="0.1"/>
+  <Id Name="System.Storyboarding.WindowsApps.WindowsAppsButton" Revision="1" Stencil="System.Storyboarding.WindowsApps" StencilVersion="0.1"/>
 </Control>
 </file>
 
@@ -40287,19 +40436,19 @@
 
 <file path=customXml/item110.xml><?xml version="1.0" encoding="utf-8"?>
 <Control xmlns="http://schemas.microsoft.com/VisualStudio/2011/storyboarding/control">
-  <Id Name="System.Storyboarding.WindowsDesktop.VerticalSplitter" Revision="1" Stencil="System.Storyboarding.WindowsDesktop" StencilVersion="0.1"/>
+  <Id Name="System.Storyboarding.WindowsApps.WindowsAppsTileMedium" Revision="1" Stencil="System.Storyboarding.WindowsApps" StencilVersion="0.1"/>
 </Control>
 </file>
 
 <file path=customXml/item111.xml><?xml version="1.0" encoding="utf-8"?>
 <Control xmlns="http://schemas.microsoft.com/VisualStudio/2011/storyboarding/control">
-  <Id Name="System.Storyboarding.WindowsApps.WindowsAppsButton" Revision="1" Stencil="System.Storyboarding.WindowsApps" StencilVersion="0.1"/>
+  <Id Name="System.Storyboarding.WindowsApps.WindowsAppsTileMedium" Revision="1" Stencil="System.Storyboarding.WindowsApps" StencilVersion="0.1"/>
 </Control>
 </file>
 
 <file path=customXml/item112.xml><?xml version="1.0" encoding="utf-8"?>
 <Control xmlns="http://schemas.microsoft.com/VisualStudio/2011/storyboarding/control">
-  <Id Name="System.Storyboarding.WindowsApps.WindowsAppsButton" Revision="1" Stencil="System.Storyboarding.WindowsApps" StencilVersion="0.1"/>
+  <Id Name="System.Storyboarding.WindowsApps.WindowsAppsTileMedium" Revision="1" Stencil="System.Storyboarding.WindowsApps" StencilVersion="0.1"/>
 </Control>
 </file>
 
@@ -40311,13 +40460,13 @@
 
 <file path=customXml/item114.xml><?xml version="1.0" encoding="utf-8"?>
 <Control xmlns="http://schemas.microsoft.com/VisualStudio/2011/storyboarding/control">
-  <Id Name="System.Storyboarding.WindowsApps.WindowsAppsButton" Revision="1" Stencil="System.Storyboarding.WindowsApps" StencilVersion="0.1"/>
+  <Id Name="System.Storyboarding.Common.Text" Revision="1" Stencil="System.Storyboarding.Common" StencilVersion="0.1"/>
 </Control>
 </file>
 
 <file path=customXml/item115.xml><?xml version="1.0" encoding="utf-8"?>
 <Control xmlns="http://schemas.microsoft.com/VisualStudio/2011/storyboarding/control">
-  <Id Name="System.Storyboarding.WindowsApps.WindowsAppsTileMedium" Revision="1" Stencil="System.Storyboarding.WindowsApps" StencilVersion="0.1"/>
+  <Id Name="System.Storyboarding.WindowsDesktop.VerticalSplitter" Revision="1" Stencil="System.Storyboarding.WindowsDesktop" StencilVersion="0.1"/>
 </Control>
 </file>
 
@@ -40329,7 +40478,7 @@
 
 <file path=customXml/item117.xml><?xml version="1.0" encoding="utf-8"?>
 <Control xmlns="http://schemas.microsoft.com/VisualStudio/2011/storyboarding/control">
-  <Id Name="System.Storyboarding.WindowsApps.WindowsAppsTileMedium" Revision="1" Stencil="System.Storyboarding.WindowsApps" StencilVersion="0.1"/>
+  <Id Name="System.Storyboarding.WindowsDesktop.MenuBar" Revision="1" Stencil="System.Storyboarding.WindowsDesktop" StencilVersion="0.1"/>
 </Control>
 </file>
 
@@ -40341,7 +40490,7 @@
 
 <file path=customXml/item119.xml><?xml version="1.0" encoding="utf-8"?>
 <Control xmlns="http://schemas.microsoft.com/VisualStudio/2011/storyboarding/control">
-  <Id Name="System.Storyboarding.WindowsApps.WindowsAppsTileMedium" Revision="1" Stencil="System.Storyboarding.WindowsApps" StencilVersion="0.1"/>
+  <Id Name="System.Storyboarding.WindowsApps.WindowsAppsTileWideSmall" Revision="1" Stencil="System.Storyboarding.WindowsApps" StencilVersion="0.1"/>
 </Control>
 </file>
 
@@ -40359,25 +40508,25 @@
 
 <file path=customXml/item121.xml><?xml version="1.0" encoding="utf-8"?>
 <Control xmlns="http://schemas.microsoft.com/VisualStudio/2011/storyboarding/control">
-  <Id Name="System.Storyboarding.WindowsApps.WindowsAppsTileMedium" Revision="1" Stencil="System.Storyboarding.WindowsApps" StencilVersion="0.1"/>
+  <Id Name="System.Storyboarding.Common.Text" Revision="1" Stencil="System.Storyboarding.Common" StencilVersion="0.1"/>
 </Control>
 </file>
 
 <file path=customXml/item122.xml><?xml version="1.0" encoding="utf-8"?>
 <Control xmlns="http://schemas.microsoft.com/VisualStudio/2011/storyboarding/control">
-  <Id Name="System.Storyboarding.WindowsApps.WindowsAppsTileMedium" Revision="1" Stencil="System.Storyboarding.WindowsApps" StencilVersion="0.1"/>
+  <Id Name="System.Storyboarding.WindowsDesktop.MenuBar" Revision="1" Stencil="System.Storyboarding.WindowsDesktop" StencilVersion="0.1"/>
 </Control>
 </file>
 
 <file path=customXml/item123.xml><?xml version="1.0" encoding="utf-8"?>
 <Control xmlns="http://schemas.microsoft.com/VisualStudio/2011/storyboarding/control">
-  <Id Name="System.Storyboarding.WindowsApps.WindowsAppsTileMedium" Revision="1" Stencil="System.Storyboarding.WindowsApps" StencilVersion="0.1"/>
+  <Id Name="366cd925-969f-44e1-b789-354cb31b0dfd" RevisionId="87c5073a-f3d6-4c7e-a7b7-c9586eacad3b" Stencil="172d6d98-e5c9-42e9-a209-79f7a94bbd38" StencilRevisionId="00000000-0000-0000-0000-000000000000" StencilVersion="0.0"/>
 </Control>
 </file>
 
 <file path=customXml/item124.xml><?xml version="1.0" encoding="utf-8"?>
 <Control xmlns="http://schemas.microsoft.com/VisualStudio/2011/storyboarding/control">
-  <Id Name="System.Storyboarding.WindowsApps.WindowsAppsTileMedium" Revision="1" Stencil="System.Storyboarding.WindowsApps" StencilVersion="0.1"/>
+  <Id Name="System.Storyboarding.WindowsAppIcons.Left" Revision="1" Stencil="System.Storyboarding.WindowsAppIcons" StencilVersion="0.1"/>
 </Control>
 </file>
 
@@ -40389,67 +40538,67 @@
 
 <file path=customXml/item126.xml><?xml version="1.0" encoding="utf-8"?>
 <Control xmlns="http://schemas.microsoft.com/VisualStudio/2011/storyboarding/control">
-  <Id Name="System.Storyboarding.Backgrounds.WebBrowser" Revision="1" Stencil="System.Storyboarding.Backgrounds" StencilVersion="0.1"/>
+  <Id Name="System.Storyboarding.WindowsApps.WindowsAppsTileMedium" Revision="1" Stencil="System.Storyboarding.WindowsApps" StencilVersion="0.1"/>
 </Control>
 </file>
 
 <file path=customXml/item127.xml><?xml version="1.0" encoding="utf-8"?>
 <Control xmlns="http://schemas.microsoft.com/VisualStudio/2011/storyboarding/control">
-  <Id Name="System.Storyboarding.WindowsApps.WindowsAppsTileMedium" Revision="1" Stencil="System.Storyboarding.WindowsApps" StencilVersion="0.1"/>
+  <Id Name="System.Storyboarding.Common.Text" Revision="1" Stencil="System.Storyboarding.Common" StencilVersion="0.1"/>
 </Control>
 </file>
 
 <file path=customXml/item128.xml><?xml version="1.0" encoding="utf-8"?>
 <Control xmlns="http://schemas.microsoft.com/VisualStudio/2011/storyboarding/control">
-  <Id Name="System.Storyboarding.WindowsApps.WindowsAppsTileMedium" Revision="1" Stencil="System.Storyboarding.WindowsApps" StencilVersion="0.1"/>
+  <Id Name="System.Storyboarding.WindowsApps.WindowsAppsButton" Revision="1" Stencil="System.Storyboarding.WindowsApps" StencilVersion="0.1"/>
 </Control>
 </file>
 
 <file path=customXml/item129.xml><?xml version="1.0" encoding="utf-8"?>
 <Control xmlns="http://schemas.microsoft.com/VisualStudio/2011/storyboarding/control">
-  <Id Name="System.Storyboarding.WindowsApps.WindowsAppsButton" Revision="1" Stencil="System.Storyboarding.WindowsApps" StencilVersion="0.1"/>
+  <Id Name="System.Storyboarding.Common.Text" Revision="1" Stencil="System.Storyboarding.Common" StencilVersion="0.1"/>
 </Control>
 </file>
 
 <file path=customXml/item13.xml><?xml version="1.0" encoding="utf-8"?>
 <Control xmlns="http://schemas.microsoft.com/VisualStudio/2011/storyboarding/control">
-  <Id Name="System.Storyboarding.Backgrounds.WebBrowser" Revision="1" Stencil="System.Storyboarding.Backgrounds" StencilVersion="0.1"/>
+  <Id Name="System.Storyboarding.WindowsApps.WindowsAppsTileWideSmall" Revision="1" Stencil="System.Storyboarding.WindowsApps" StencilVersion="0.1"/>
 </Control>
 </file>
 
 <file path=customXml/item130.xml><?xml version="1.0" encoding="utf-8"?>
 <Control xmlns="http://schemas.microsoft.com/VisualStudio/2011/storyboarding/control">
-  <Id Name="System.Storyboarding.Common.ScrollbarVertical" Revision="1" Stencil="System.Storyboarding.Common" StencilVersion="0.1"/>
+  <Id Name="System.Storyboarding.Backgrounds.WebBrowser" Revision="1" Stencil="System.Storyboarding.Backgrounds" StencilVersion="0.1"/>
 </Control>
 </file>
 
 <file path=customXml/item131.xml><?xml version="1.0" encoding="utf-8"?>
 <Control xmlns="http://schemas.microsoft.com/VisualStudio/2011/storyboarding/control">
-  <Id Name="System.Storyboarding.WindowsDesktop.MenuBar" Revision="1" Stencil="System.Storyboarding.WindowsDesktop" StencilVersion="0.1"/>
+  <Id Name="System.Storyboarding.WindowsApps.WindowsAppsTileMedium" Revision="1" Stencil="System.Storyboarding.WindowsApps" StencilVersion="0.1"/>
 </Control>
 </file>
 
 <file path=customXml/item132.xml><?xml version="1.0" encoding="utf-8"?>
 <Control xmlns="http://schemas.microsoft.com/VisualStudio/2011/storyboarding/control">
-  <Id Name="System.Storyboarding.WindowsApps.WindowsAppsTileWideSmall" Revision="1" Stencil="System.Storyboarding.WindowsApps" StencilVersion="0.1"/>
+  <Id Name="System.Storyboarding.Common.Text" Revision="1" Stencil="System.Storyboarding.Common" StencilVersion="0.1"/>
 </Control>
 </file>
 
 <file path=customXml/item133.xml><?xml version="1.0" encoding="utf-8"?>
 <Control xmlns="http://schemas.microsoft.com/VisualStudio/2011/storyboarding/control">
-  <Id Name="System.Storyboarding.Common.Text" Revision="1" Stencil="System.Storyboarding.Common" StencilVersion="0.1"/>
+  <Id Name="System.Storyboarding.WindowsApps.WindowsAppsTileMedium" Revision="1" Stencil="System.Storyboarding.WindowsApps" StencilVersion="0.1"/>
 </Control>
 </file>
 
 <file path=customXml/item134.xml><?xml version="1.0" encoding="utf-8"?>
 <Control xmlns="http://schemas.microsoft.com/VisualStudio/2011/storyboarding/control">
-  <Id Name="System.Storyboarding.Common.Text" Revision="1" Stencil="System.Storyboarding.Common" StencilVersion="0.1"/>
+  <Id Name="System.Storyboarding.WindowsApps.WindowsAppsButton" Revision="1" Stencil="System.Storyboarding.WindowsApps" StencilVersion="0.1"/>
 </Control>
 </file>
 
 <file path=customXml/item135.xml><?xml version="1.0" encoding="utf-8"?>
 <Control xmlns="http://schemas.microsoft.com/VisualStudio/2011/storyboarding/control">
-  <Id Name="System.Storyboarding.WindowsApps.WindowsAppsTileMedium" Revision="1" Stencil="System.Storyboarding.WindowsApps" StencilVersion="0.1"/>
+  <Id Name="System.Storyboarding.Common.Text" Revision="1" Stencil="System.Storyboarding.Common" StencilVersion="0.1"/>
 </Control>
 </file>
 
@@ -40473,19 +40622,19 @@
 
 <file path=customXml/item139.xml><?xml version="1.0" encoding="utf-8"?>
 <Control xmlns="http://schemas.microsoft.com/VisualStudio/2011/storyboarding/control">
-  <Id Name="System.Storyboarding.WindowsApps.WindowsAppsTileMedium" Revision="1" Stencil="System.Storyboarding.WindowsApps" StencilVersion="0.1"/>
+  <Id Name="106b4123-95fe-411e-ad63-fa03c68a702b" RevisionId="6dc69aa2-5737-46d9-89c9-3a85b1eaf3a3" Stencil="172d6d98-e5c9-42e9-a209-79f7a94bbd38" StencilRevisionId="00000000-0000-0000-0000-000000000000" StencilVersion="0.0"/>
 </Control>
 </file>
 
 <file path=customXml/item14.xml><?xml version="1.0" encoding="utf-8"?>
 <Control xmlns="http://schemas.microsoft.com/VisualStudio/2011/storyboarding/control">
-  <Id Name="366cd925-969f-44e1-b789-354cb31b0dfd" RevisionId="87c5073a-f3d6-4c7e-a7b7-c9586eacad3b" Stencil="172d6d98-e5c9-42e9-a209-79f7a94bbd38" StencilRevisionId="00000000-0000-0000-0000-000000000000" StencilVersion="0.0"/>
+  <Id Name="System.Storyboarding.WindowsApps.WindowsAppsTileMedium" Revision="1" Stencil="System.Storyboarding.WindowsApps" StencilVersion="0.1"/>
 </Control>
 </file>
 
 <file path=customXml/item140.xml><?xml version="1.0" encoding="utf-8"?>
 <Control xmlns="http://schemas.microsoft.com/VisualStudio/2011/storyboarding/control">
-  <Id Name="System.Storyboarding.WindowsApps.WindowsAppsTileMedium" Revision="1" Stencil="System.Storyboarding.WindowsApps" StencilVersion="0.1"/>
+  <Id Name="106b4123-95fe-411e-ad63-fa03c68a702b" RevisionId="6dc69aa2-5737-46d9-89c9-3a85b1eaf3a3" Stencil="172d6d98-e5c9-42e9-a209-79f7a94bbd38" StencilRevisionId="00000000-0000-0000-0000-000000000000" StencilVersion="0.0"/>
 </Control>
 </file>
 
@@ -40497,7 +40646,7 @@
 
 <file path=customXml/item142.xml><?xml version="1.0" encoding="utf-8"?>
 <Control xmlns="http://schemas.microsoft.com/VisualStudio/2011/storyboarding/control">
-  <Id Name="System.Storyboarding.WindowsApps.WindowsAppsTileMedium" Revision="1" Stencil="System.Storyboarding.WindowsApps" StencilVersion="0.1"/>
+  <Id Name="System.Storyboarding.WindowsDesktop.VerticalSplitter" Revision="1" Stencil="System.Storyboarding.WindowsDesktop" StencilVersion="0.1"/>
 </Control>
 </file>
 
@@ -40515,7 +40664,7 @@
 
 <file path=customXml/item145.xml><?xml version="1.0" encoding="utf-8"?>
 <Control xmlns="http://schemas.microsoft.com/VisualStudio/2011/storyboarding/control">
-  <Id Name="System.Storyboarding.WindowsApps.WindowsAppsTileMedium" Revision="1" Stencil="System.Storyboarding.WindowsApps" StencilVersion="0.1"/>
+  <Id Name="System.Storyboarding.Common.ScrollbarVertical" Revision="1" Stencil="System.Storyboarding.Common" StencilVersion="0.1"/>
 </Control>
 </file>
 
@@ -40527,49 +40676,97 @@
 
 <file path=customXml/item147.xml><?xml version="1.0" encoding="utf-8"?>
 <Control xmlns="http://schemas.microsoft.com/VisualStudio/2011/storyboarding/control">
-  <Id Name="System.Storyboarding.WindowsApps.WindowsAppsTileMedium" Revision="1" Stencil="System.Storyboarding.WindowsApps" StencilVersion="0.1"/>
+  <Id Name="System.Storyboarding.Common.Text" Revision="1" Stencil="System.Storyboarding.Common" StencilVersion="0.1"/>
 </Control>
 </file>
 
 <file path=customXml/item148.xml><?xml version="1.0" encoding="utf-8"?>
 <Control xmlns="http://schemas.microsoft.com/VisualStudio/2011/storyboarding/control">
-  <Id Name="System.Storyboarding.WindowsApps.WindowsAppsTileMedium" Revision="1" Stencil="System.Storyboarding.WindowsApps" StencilVersion="0.1"/>
+  <Id Name="System.Storyboarding.Media.WebCam" Revision="1" Stencil="System.Storyboarding.Media" StencilVersion="0.1"/>
 </Control>
 </file>
 
 <file path=customXml/item149.xml><?xml version="1.0" encoding="utf-8"?>
 <Control xmlns="http://schemas.microsoft.com/VisualStudio/2011/storyboarding/control">
-  <Id Name="System.Storyboarding.WindowsApps.WindowsAppsButton" Revision="1" Stencil="System.Storyboarding.WindowsApps" StencilVersion="0.1"/>
+  <Id Name="System.Storyboarding.Common.DataGrid" Revision="1" Stencil="System.Storyboarding.Common" StencilVersion="0.1"/>
 </Control>
 </file>
 
 <file path=customXml/item15.xml><?xml version="1.0" encoding="utf-8"?>
 <Control xmlns="http://schemas.microsoft.com/VisualStudio/2011/storyboarding/control">
-  <Id Name="System.Storyboarding.Common.ScrollbarVertical" Revision="1" Stencil="System.Storyboarding.Common" StencilVersion="0.1"/>
+  <Id Name="System.Storyboarding.WindowsApps.WindowsAppsTileMedium" Revision="1" Stencil="System.Storyboarding.WindowsApps" StencilVersion="0.1"/>
 </Control>
 </file>
 
 <file path=customXml/item150.xml><?xml version="1.0" encoding="utf-8"?>
 <Control xmlns="http://schemas.microsoft.com/VisualStudio/2011/storyboarding/control">
-  <Id Name="System.Storyboarding.WindowsApps.WindowsAppsTileWideSmall" Revision="1" Stencil="System.Storyboarding.WindowsApps" StencilVersion="0.1"/>
+  <Id Name="System.Storyboarding.WindowsApps.WindowsAppsButton" Revision="1" Stencil="System.Storyboarding.WindowsApps" StencilVersion="0.1"/>
 </Control>
 </file>
 
 <file path=customXml/item151.xml><?xml version="1.0" encoding="utf-8"?>
 <Control xmlns="http://schemas.microsoft.com/VisualStudio/2011/storyboarding/control">
-  <Id Name="System.Storyboarding.Common.Text" Revision="1" Stencil="System.Storyboarding.Common" StencilVersion="0.1"/>
+  <Id Name="System.Storyboarding.WindowsApps.WindowsAppsTileWideSmall" Revision="1" Stencil="System.Storyboarding.WindowsApps" StencilVersion="0.1"/>
 </Control>
 </file>
 
 <file path=customXml/item152.xml><?xml version="1.0" encoding="utf-8"?>
 <Control xmlns="http://schemas.microsoft.com/VisualStudio/2011/storyboarding/control">
-  <Id Name="System.Storyboarding.Common.Text" Revision="1" Stencil="System.Storyboarding.Common" StencilVersion="0.1"/>
+  <Id Name="System.Storyboarding.WindowsDesktop.MenuBar" Revision="1" Stencil="System.Storyboarding.WindowsDesktop" StencilVersion="0.1"/>
+</Control>
+</file>
+
+<file path=customXml/item153.xml><?xml version="1.0" encoding="utf-8"?>
+<Control xmlns="http://schemas.microsoft.com/VisualStudio/2011/storyboarding/control">
+  <Id Name="System.Storyboarding.WindowsDesktop.MenuBar" Revision="1" Stencil="System.Storyboarding.WindowsDesktop" StencilVersion="0.1"/>
+</Control>
+</file>
+
+<file path=customXml/item154.xml><?xml version="1.0" encoding="utf-8"?>
+<Control xmlns="http://schemas.microsoft.com/VisualStudio/2011/storyboarding/control">
+  <Id Name="System.Storyboarding.WindowsDesktop.MenuBar" Revision="1" Stencil="System.Storyboarding.WindowsDesktop" StencilVersion="0.1"/>
+</Control>
+</file>
+
+<file path=customXml/item155.xml><?xml version="1.0" encoding="utf-8"?>
+<Control xmlns="http://schemas.microsoft.com/VisualStudio/2011/storyboarding/control">
+  <Id Name="System.Storyboarding.WindowsDesktop.MenuBar" Revision="1" Stencil="System.Storyboarding.WindowsDesktop" StencilVersion="0.1"/>
+</Control>
+</file>
+
+<file path=customXml/item156.xml><?xml version="1.0" encoding="utf-8"?>
+<Control xmlns="http://schemas.microsoft.com/VisualStudio/2011/storyboarding/control">
+  <Id Name="System.Storyboarding.WindowsDesktop.MenuBar" Revision="1" Stencil="System.Storyboarding.WindowsDesktop" StencilVersion="0.1"/>
+</Control>
+</file>
+
+<file path=customXml/item157.xml><?xml version="1.0" encoding="utf-8"?>
+<Control xmlns="http://schemas.microsoft.com/VisualStudio/2011/storyboarding/control">
+  <Id Name="System.Storyboarding.WindowsDesktop.MenuBar" Revision="1" Stencil="System.Storyboarding.WindowsDesktop" StencilVersion="0.1"/>
+</Control>
+</file>
+
+<file path=customXml/item158.xml><?xml version="1.0" encoding="utf-8"?>
+<Control xmlns="http://schemas.microsoft.com/VisualStudio/2011/storyboarding/control">
+  <Id Name="System.Storyboarding.WindowsDesktop.MenuBar" Revision="1" Stencil="System.Storyboarding.WindowsDesktop" StencilVersion="0.1"/>
+</Control>
+</file>
+
+<file path=customXml/item159.xml><?xml version="1.0" encoding="utf-8"?>
+<Control xmlns="http://schemas.microsoft.com/VisualStudio/2011/storyboarding/control">
+  <Id Name="System.Storyboarding.WindowsDesktop.MenuBar" Revision="1" Stencil="System.Storyboarding.WindowsDesktop" StencilVersion="0.1"/>
 </Control>
 </file>
 
 <file path=customXml/item16.xml><?xml version="1.0" encoding="utf-8"?>
 <Control xmlns="http://schemas.microsoft.com/VisualStudio/2011/storyboarding/control">
-  <Id Name="System.Storyboarding.Backgrounds.WebBrowser" Revision="1" Stencil="System.Storyboarding.Backgrounds" StencilVersion="0.1"/>
+  <Id Name="a2c8d44d-9667-4c53-9e49-e310e6246c4a" RevisionId="9b2c8de1-5094-4c28-9871-718be66a8830" Stencil="172d6d98-e5c9-42e9-a209-79f7a94bbd38" StencilRevisionId="00000000-0000-0000-0000-000000000000" StencilVersion="0.0"/>
+</Control>
+</file>
+
+<file path=customXml/item160.xml><?xml version="1.0" encoding="utf-8"?>
+<Control xmlns="http://schemas.microsoft.com/VisualStudio/2011/storyboarding/control">
+  <Id Name="System.Storyboarding.WindowsDesktop.MenuBar" Revision="1" Stencil="System.Storyboarding.WindowsDesktop" StencilVersion="0.1"/>
 </Control>
 </file>
 
@@ -40581,31 +40778,31 @@
 
 <file path=customXml/item18.xml><?xml version="1.0" encoding="utf-8"?>
 <Control xmlns="http://schemas.microsoft.com/VisualStudio/2011/storyboarding/control">
-  <Id Name="System.Storyboarding.WindowsApps.WindowsAppsTileMedium" Revision="1" Stencil="System.Storyboarding.WindowsApps" StencilVersion="0.1"/>
+  <Id Name="System.Storyboarding.Common.ScrollbarVertical" Revision="1" Stencil="System.Storyboarding.Common" StencilVersion="0.1"/>
 </Control>
 </file>
 
 <file path=customXml/item19.xml><?xml version="1.0" encoding="utf-8"?>
 <Control xmlns="http://schemas.microsoft.com/VisualStudio/2011/storyboarding/control">
-  <Id Name="System.Storyboarding.WindowsDesktop.MenuBar" Revision="1" Stencil="System.Storyboarding.WindowsDesktop" StencilVersion="0.1"/>
+  <Id Name="System.Storyboarding.WindowsDesktop.VerticalSplitter" Revision="1" Stencil="System.Storyboarding.WindowsDesktop" StencilVersion="0.1"/>
 </Control>
 </file>
 
 <file path=customXml/item2.xml><?xml version="1.0" encoding="utf-8"?>
 <Control xmlns="http://schemas.microsoft.com/VisualStudio/2011/storyboarding/control">
-  <Id Name="System.Storyboarding.WindowsAppIcons.Right" Revision="1" Stencil="System.Storyboarding.WindowsAppIcons" StencilVersion="0.1"/>
+  <Id Name="System.Storyboarding.WindowsApps.WindowsAppsTileMedium" Revision="1" Stencil="System.Storyboarding.WindowsApps" StencilVersion="0.1"/>
 </Control>
 </file>
 
 <file path=customXml/item20.xml><?xml version="1.0" encoding="utf-8"?>
 <Control xmlns="http://schemas.microsoft.com/VisualStudio/2011/storyboarding/control">
-  <Id Name="System.Storyboarding.Common.ScrollbarVertical" Revision="1" Stencil="System.Storyboarding.Common" StencilVersion="0.1"/>
+  <Id Name="System.Storyboarding.WindowsApps.WindowsAppsButton" Revision="1" Stencil="System.Storyboarding.WindowsApps" StencilVersion="0.1"/>
 </Control>
 </file>
 
 <file path=customXml/item21.xml><?xml version="1.0" encoding="utf-8"?>
 <Control xmlns="http://schemas.microsoft.com/VisualStudio/2011/storyboarding/control">
-  <Id Name="System.Storyboarding.WindowsApps.WindowsAppsTileMedium" Revision="1" Stencil="System.Storyboarding.WindowsApps" StencilVersion="0.1"/>
+  <Id Name="System.Storyboarding.WindowsDesktop.MenuBar" Revision="1" Stencil="System.Storyboarding.WindowsDesktop" StencilVersion="0.1"/>
 </Control>
 </file>
 
@@ -40617,7 +40814,7 @@
 
 <file path=customXml/item23.xml><?xml version="1.0" encoding="utf-8"?>
 <Control xmlns="http://schemas.microsoft.com/VisualStudio/2011/storyboarding/control">
-  <Id Name="System.Storyboarding.Common.ScrollbarVertical" Revision="1" Stencil="System.Storyboarding.Common" StencilVersion="0.1"/>
+  <Id Name="System.Storyboarding.WindowsApps.WindowsAppsTileMedium" Revision="1" Stencil="System.Storyboarding.WindowsApps" StencilVersion="0.1"/>
 </Control>
 </file>
 
@@ -40629,13 +40826,13 @@
 
 <file path=customXml/item25.xml><?xml version="1.0" encoding="utf-8"?>
 <Control xmlns="http://schemas.microsoft.com/VisualStudio/2011/storyboarding/control">
-  <Id Name="106b4123-95fe-411e-ad63-fa03c68a702b" RevisionId="6dc69aa2-5737-46d9-89c9-3a85b1eaf3a3" Stencil="172d6d98-e5c9-42e9-a209-79f7a94bbd38" StencilRevisionId="00000000-0000-0000-0000-000000000000" StencilVersion="0.0"/>
+  <Id Name="System.Storyboarding.WindowsApps.WindowsAppsButton" Revision="1" Stencil="System.Storyboarding.WindowsApps" StencilVersion="0.1"/>
 </Control>
 </file>
 
 <file path=customXml/item26.xml><?xml version="1.0" encoding="utf-8"?>
 <Control xmlns="http://schemas.microsoft.com/VisualStudio/2011/storyboarding/control">
-  <Id Name="System.Storyboarding.WindowsDesktop.MenuBar" Revision="1" Stencil="System.Storyboarding.WindowsDesktop" StencilVersion="0.1"/>
+  <Id Name="System.Storyboarding.WindowsApps.WindowsAppsTileMedium" Revision="1" Stencil="System.Storyboarding.WindowsApps" StencilVersion="0.1"/>
 </Control>
 </file>
 
@@ -40647,37 +40844,37 @@
 
 <file path=customXml/item28.xml><?xml version="1.0" encoding="utf-8"?>
 <Control xmlns="http://schemas.microsoft.com/VisualStudio/2011/storyboarding/control">
-  <Id Name="System.Storyboarding.WindowsApps.WindowsAppsButton" Revision="1" Stencil="System.Storyboarding.WindowsApps" StencilVersion="0.1"/>
+  <Id Name="System.Storyboarding.Common.Text" Revision="1" Stencil="System.Storyboarding.Common" StencilVersion="0.1"/>
 </Control>
 </file>
 
 <file path=customXml/item29.xml><?xml version="1.0" encoding="utf-8"?>
 <Control xmlns="http://schemas.microsoft.com/VisualStudio/2011/storyboarding/control">
-  <Id Name="System.Storyboarding.WindowsApps.WindowsAppsButton" Revision="1" Stencil="System.Storyboarding.WindowsApps" StencilVersion="0.1"/>
+  <Id Name="System.Storyboarding.WindowsApps.WindowsAppsTileMedium" Revision="1" Stencil="System.Storyboarding.WindowsApps" StencilVersion="0.1"/>
 </Control>
 </file>
 
 <file path=customXml/item3.xml><?xml version="1.0" encoding="utf-8"?>
 <Control xmlns="http://schemas.microsoft.com/VisualStudio/2011/storyboarding/control">
-  <Id Name="106b4123-95fe-411e-ad63-fa03c68a702b" RevisionId="6dc69aa2-5737-46d9-89c9-3a85b1eaf3a3" Stencil="172d6d98-e5c9-42e9-a209-79f7a94bbd38" StencilRevisionId="00000000-0000-0000-0000-000000000000" StencilVersion="0.0"/>
+  <Id Name="System.Storyboarding.WindowsApps.WindowsAppsTileMedium" Revision="1" Stencil="System.Storyboarding.WindowsApps" StencilVersion="0.1"/>
 </Control>
 </file>
 
 <file path=customXml/item30.xml><?xml version="1.0" encoding="utf-8"?>
 <Control xmlns="http://schemas.microsoft.com/VisualStudio/2011/storyboarding/control">
-  <Id Name="System.Storyboarding.WindowsAppIcons.Left" Revision="1" Stencil="System.Storyboarding.WindowsAppIcons" StencilVersion="0.1"/>
+  <Id Name="System.Storyboarding.Common.Text" Revision="1" Stencil="System.Storyboarding.Common" StencilVersion="0.1"/>
 </Control>
 </file>
 
 <file path=customXml/item31.xml><?xml version="1.0" encoding="utf-8"?>
 <Control xmlns="http://schemas.microsoft.com/VisualStudio/2011/storyboarding/control">
-  <Id Name="System.Storyboarding.WindowsApps.WindowsAppsTileMedium" Revision="1" Stencil="System.Storyboarding.WindowsApps" StencilVersion="0.1"/>
+  <Id Name="System.Storyboarding.WindowsApps.WindowsAppsTileWideSmall" Revision="1" Stencil="System.Storyboarding.WindowsApps" StencilVersion="0.1"/>
 </Control>
 </file>
 
 <file path=customXml/item32.xml><?xml version="1.0" encoding="utf-8"?>
 <Control xmlns="http://schemas.microsoft.com/VisualStudio/2011/storyboarding/control">
-  <Id Name="System.Storyboarding.WindowsApps.WindowsAppsTileMedium" Revision="1" Stencil="System.Storyboarding.WindowsApps" StencilVersion="0.1"/>
+  <Id Name="System.Storyboarding.WindowsDesktop.MenuBar" Revision="1" Stencil="System.Storyboarding.WindowsDesktop" StencilVersion="0.1"/>
 </Control>
 </file>
 
@@ -40695,7 +40892,7 @@
 
 <file path=customXml/item35.xml><?xml version="1.0" encoding="utf-8"?>
 <Control xmlns="http://schemas.microsoft.com/VisualStudio/2011/storyboarding/control">
-  <Id Name="System.Storyboarding.WindowsApps.WindowsAppsTileMedium" Revision="1" Stencil="System.Storyboarding.WindowsApps" StencilVersion="0.1"/>
+  <Id Name="System.Storyboarding.WindowsApps.WindowsAppsButton" Revision="1" Stencil="System.Storyboarding.WindowsApps" StencilVersion="0.1"/>
 </Control>
 </file>
 
@@ -40707,127 +40904,127 @@
 
 <file path=customXml/item37.xml><?xml version="1.0" encoding="utf-8"?>
 <Control xmlns="http://schemas.microsoft.com/VisualStudio/2011/storyboarding/control">
-  <Id Name="a2c8d44d-9667-4c53-9e49-e310e6246c4a" RevisionId="9b2c8de1-5094-4c28-9871-718be66a8830" Stencil="172d6d98-e5c9-42e9-a209-79f7a94bbd38" StencilRevisionId="00000000-0000-0000-0000-000000000000" StencilVersion="0.0"/>
+  <Id Name="System.Storyboarding.Common.Text" Revision="1" Stencil="System.Storyboarding.Common" StencilVersion="0.1"/>
 </Control>
 </file>
 
 <file path=customXml/item38.xml><?xml version="1.0" encoding="utf-8"?>
 <Control xmlns="http://schemas.microsoft.com/VisualStudio/2011/storyboarding/control">
-  <Id Name="System.Storyboarding.WindowsAppIcons.BaseCircle" Revision="1" Stencil="System.Storyboarding.WindowsAppIcons" StencilVersion="0.1"/>
+  <Id Name="System.Storyboarding.WindowsApps.WindowsAppsTileMedium" Revision="1" Stencil="System.Storyboarding.WindowsApps" StencilVersion="0.1"/>
 </Control>
 </file>
 
 <file path=customXml/item39.xml><?xml version="1.0" encoding="utf-8"?>
 <Control xmlns="http://schemas.microsoft.com/VisualStudio/2011/storyboarding/control">
-  <Id Name="System.Storyboarding.Backgrounds.WebBrowser" Revision="1" Stencil="System.Storyboarding.Backgrounds" StencilVersion="0.1"/>
+  <Id Name="System.Storyboarding.WindowsApps.WindowsAppsButton" Revision="1" Stencil="System.Storyboarding.WindowsApps" StencilVersion="0.1"/>
 </Control>
 </file>
 
 <file path=customXml/item4.xml><?xml version="1.0" encoding="utf-8"?>
 <Control xmlns="http://schemas.microsoft.com/VisualStudio/2011/storyboarding/control">
-  <Id Name="System.Storyboarding.WindowsDesktop.MenuBar" Revision="1" Stencil="System.Storyboarding.WindowsDesktop" StencilVersion="0.1"/>
+  <Id Name="System.Storyboarding.WindowsApps.WindowsAppsButton" Revision="1" Stencil="System.Storyboarding.WindowsApps" StencilVersion="0.1"/>
 </Control>
 </file>
 
 <file path=customXml/item40.xml><?xml version="1.0" encoding="utf-8"?>
 <Control xmlns="http://schemas.microsoft.com/VisualStudio/2011/storyboarding/control">
-  <Id Name="System.Storyboarding.WindowsApps.WindowsAppsTileMedium" Revision="1" Stencil="System.Storyboarding.WindowsApps" StencilVersion="0.1"/>
+  <Id Name="System.Storyboarding.Media.Image" Revision="1" Stencil="System.Storyboarding.Media" StencilVersion="0.1"/>
 </Control>
 </file>
 
 <file path=customXml/item41.xml><?xml version="1.0" encoding="utf-8"?>
 <Control xmlns="http://schemas.microsoft.com/VisualStudio/2011/storyboarding/control">
-  <Id Name="System.Storyboarding.WindowsApps.WindowsAppsTileMedium" Revision="1" Stencil="System.Storyboarding.WindowsApps" StencilVersion="0.1"/>
+  <Id Name="System.Storyboarding.WindowsApps.WindowsAppsTileWideSmall" Revision="1" Stencil="System.Storyboarding.WindowsApps" StencilVersion="0.1"/>
 </Control>
 </file>
 
 <file path=customXml/item42.xml><?xml version="1.0" encoding="utf-8"?>
 <Control xmlns="http://schemas.microsoft.com/VisualStudio/2011/storyboarding/control">
-  <Id Name="System.Storyboarding.WindowsApps.WindowsAppsTileMedium" Revision="1" Stencil="System.Storyboarding.WindowsApps" StencilVersion="0.1"/>
+  <Id Name="System.Storyboarding.Backgrounds.WebBrowser" Revision="1" Stencil="System.Storyboarding.Backgrounds" StencilVersion="0.1"/>
 </Control>
 </file>
 
 <file path=customXml/item43.xml><?xml version="1.0" encoding="utf-8"?>
 <Control xmlns="http://schemas.microsoft.com/VisualStudio/2011/storyboarding/control">
-  <Id Name="System.Storyboarding.WindowsApps.WindowsAppsTileWideSmall" Revision="1" Stencil="System.Storyboarding.WindowsApps" StencilVersion="0.1"/>
+  <Id Name="System.Storyboarding.WindowsDesktop.MenuBar" Revision="1" Stencil="System.Storyboarding.WindowsDesktop" StencilVersion="0.1"/>
 </Control>
 </file>
 
 <file path=customXml/item44.xml><?xml version="1.0" encoding="utf-8"?>
 <Control xmlns="http://schemas.microsoft.com/VisualStudio/2011/storyboarding/control">
-  <Id Name="System.Storyboarding.Backgrounds.WebBrowser" Revision="1" Stencil="System.Storyboarding.Backgrounds" StencilVersion="0.1"/>
+  <Id Name="System.Storyboarding.WindowsApps.WindowsAppsButton" Revision="1" Stencil="System.Storyboarding.WindowsApps" StencilVersion="0.1"/>
 </Control>
 </file>
 
 <file path=customXml/item45.xml><?xml version="1.0" encoding="utf-8"?>
 <Control xmlns="http://schemas.microsoft.com/VisualStudio/2011/storyboarding/control">
-  <Id Name="System.Storyboarding.WindowsApps.WindowsAppsTileMedium" Revision="1" Stencil="System.Storyboarding.WindowsApps" StencilVersion="0.1"/>
+  <Id Name="System.Storyboarding.WindowsAppIcons.BaseCircle" Revision="1" Stencil="System.Storyboarding.WindowsAppIcons" StencilVersion="0.1"/>
 </Control>
 </file>
 
 <file path=customXml/item46.xml><?xml version="1.0" encoding="utf-8"?>
 <Control xmlns="http://schemas.microsoft.com/VisualStudio/2011/storyboarding/control">
-  <Id Name="System.Storyboarding.WindowsApps.WindowsAppsTileMedium" Revision="1" Stencil="System.Storyboarding.WindowsApps" StencilVersion="0.1"/>
+  <Id Name="System.Storyboarding.WindowsDesktop.MenuBar" Revision="1" Stencil="System.Storyboarding.WindowsDesktop" StencilVersion="0.1"/>
 </Control>
 </file>
 
 <file path=customXml/item47.xml><?xml version="1.0" encoding="utf-8"?>
 <Control xmlns="http://schemas.microsoft.com/VisualStudio/2011/storyboarding/control">
-  <Id Name="System.Storyboarding.WindowsApps.WindowsAppsButton" Revision="1" Stencil="System.Storyboarding.WindowsApps" StencilVersion="0.1"/>
+  <Id Name="System.Storyboarding.Common.SearchBox" Revision="1" Stencil="System.Storyboarding.Common" StencilVersion="0.1"/>
 </Control>
 </file>
 
 <file path=customXml/item48.xml><?xml version="1.0" encoding="utf-8"?>
 <Control xmlns="http://schemas.microsoft.com/VisualStudio/2011/storyboarding/control">
-  <Id Name="System.Storyboarding.WindowsDesktop.MenuBar" Revision="1" Stencil="System.Storyboarding.WindowsDesktop" StencilVersion="0.1"/>
+  <Id Name="System.Storyboarding.Common.Text" Revision="1" Stencil="System.Storyboarding.Common" StencilVersion="0.1"/>
 </Control>
 </file>
 
 <file path=customXml/item49.xml><?xml version="1.0" encoding="utf-8"?>
 <Control xmlns="http://schemas.microsoft.com/VisualStudio/2011/storyboarding/control">
-  <Id Name="System.Storyboarding.Backgrounds.WebBrowser" Revision="1" Stencil="System.Storyboarding.Backgrounds" StencilVersion="0.1"/>
+  <Id Name="System.Storyboarding.WindowsApps.WindowsAppsTileMedium" Revision="1" Stencil="System.Storyboarding.WindowsApps" StencilVersion="0.1"/>
 </Control>
 </file>
 
 <file path=customXml/item5.xml><?xml version="1.0" encoding="utf-8"?>
 <Control xmlns="http://schemas.microsoft.com/VisualStudio/2011/storyboarding/control">
-  <Id Name="System.Storyboarding.WindowsApps.WindowsAppsTileMedium" Revision="1" Stencil="System.Storyboarding.WindowsApps" StencilVersion="0.1"/>
+  <Id Name="System.Storyboarding.Common.Text" Revision="1" Stencil="System.Storyboarding.Common" StencilVersion="0.1"/>
 </Control>
 </file>
 
 <file path=customXml/item50.xml><?xml version="1.0" encoding="utf-8"?>
 <Control xmlns="http://schemas.microsoft.com/VisualStudio/2011/storyboarding/control">
-  <Id Name="System.Storyboarding.WindowsApps.WindowsAppsTileMedium" Revision="1" Stencil="System.Storyboarding.WindowsApps" StencilVersion="0.1"/>
+  <Id Name="System.Storyboarding.WindowsApps.WindowsAppsButton" Revision="1" Stencil="System.Storyboarding.WindowsApps" StencilVersion="0.1"/>
 </Control>
 </file>
 
 <file path=customXml/item51.xml><?xml version="1.0" encoding="utf-8"?>
 <Control xmlns="http://schemas.microsoft.com/VisualStudio/2011/storyboarding/control">
-  <Id Name="System.Storyboarding.WindowsApps.WindowsAppsTileMedium" Revision="1" Stencil="System.Storyboarding.WindowsApps" StencilVersion="0.1"/>
+  <Id Name="System.Storyboarding.Backgrounds.WebBrowser" Revision="1" Stencil="System.Storyboarding.Backgrounds" StencilVersion="0.1"/>
 </Control>
 </file>
 
 <file path=customXml/item52.xml><?xml version="1.0" encoding="utf-8"?>
 <Control xmlns="http://schemas.microsoft.com/VisualStudio/2011/storyboarding/control">
-  <Id Name="System.Storyboarding.WindowsApps.WindowsAppsButton" Revision="1" Stencil="System.Storyboarding.WindowsApps" StencilVersion="0.1"/>
+  <Id Name="System.Storyboarding.Common.Text" Revision="1" Stencil="System.Storyboarding.Common" StencilVersion="0.1"/>
 </Control>
 </file>
 
 <file path=customXml/item53.xml><?xml version="1.0" encoding="utf-8"?>
 <Control xmlns="http://schemas.microsoft.com/VisualStudio/2011/storyboarding/control">
-  <Id Name="System.Storyboarding.WindowsDesktop.MenuBar" Revision="1" Stencil="System.Storyboarding.WindowsDesktop" StencilVersion="0.1"/>
+  <Id Name="System.Storyboarding.WindowsApps.WindowsAppsTileWideSmall" Revision="1" Stencil="System.Storyboarding.WindowsApps" StencilVersion="0.1"/>
 </Control>
 </file>
 
 <file path=customXml/item54.xml><?xml version="1.0" encoding="utf-8"?>
 <Control xmlns="http://schemas.microsoft.com/VisualStudio/2011/storyboarding/control">
-  <Id Name="System.Storyboarding.Backgrounds.WebBrowser" Revision="1" Stencil="System.Storyboarding.Backgrounds" StencilVersion="0.1"/>
+  <Id Name="System.Storyboarding.Common.Text" Revision="1" Stencil="System.Storyboarding.Common" StencilVersion="0.1"/>
 </Control>
 </file>
 
 <file path=customXml/item55.xml><?xml version="1.0" encoding="utf-8"?>
 <Control xmlns="http://schemas.microsoft.com/VisualStudio/2011/storyboarding/control">
-  <Id Name="System.Storyboarding.WindowsApps.WindowsAppsTileMedium" Revision="1" Stencil="System.Storyboarding.WindowsApps" StencilVersion="0.1"/>
+  <Id Name="System.Storyboarding.Common.Text" Revision="1" Stencil="System.Storyboarding.Common" StencilVersion="0.1"/>
 </Control>
 </file>
 
@@ -40839,55 +41036,55 @@
 
 <file path=customXml/item57.xml><?xml version="1.0" encoding="utf-8"?>
 <Control xmlns="http://schemas.microsoft.com/VisualStudio/2011/storyboarding/control">
-  <Id Name="System.Storyboarding.WindowsApps.WindowsAppsButton" Revision="1" Stencil="System.Storyboarding.WindowsApps" StencilVersion="0.1"/>
+  <Id Name="System.Storyboarding.WindowsApps.WindowsAppsTileMedium" Revision="1" Stencil="System.Storyboarding.WindowsApps" StencilVersion="0.1"/>
 </Control>
 </file>
 
 <file path=customXml/item58.xml><?xml version="1.0" encoding="utf-8"?>
 <Control xmlns="http://schemas.microsoft.com/VisualStudio/2011/storyboarding/control">
-  <Id Name="System.Storyboarding.Common.ScrollbarVertical" Revision="1" Stencil="System.Storyboarding.Common" StencilVersion="0.1"/>
+  <Id Name="System.Storyboarding.WindowsApps.WindowsAppsTileMedium" Revision="1" Stencil="System.Storyboarding.WindowsApps" StencilVersion="0.1"/>
 </Control>
 </file>
 
 <file path=customXml/item59.xml><?xml version="1.0" encoding="utf-8"?>
 <Control xmlns="http://schemas.microsoft.com/VisualStudio/2011/storyboarding/control">
-  <Id Name="System.Storyboarding.WindowsDesktop.MenuBar" Revision="1" Stencil="System.Storyboarding.WindowsDesktop" StencilVersion="0.1"/>
+  <Id Name="System.Storyboarding.WindowsApps.WindowsAppsTileMedium" Revision="1" Stencil="System.Storyboarding.WindowsApps" StencilVersion="0.1"/>
 </Control>
 </file>
 
 <file path=customXml/item6.xml><?xml version="1.0" encoding="utf-8"?>
 <Control xmlns="http://schemas.microsoft.com/VisualStudio/2011/storyboarding/control">
-  <Id Name="System.Storyboarding.WindowsApps.WindowsAppsTileMedium" Revision="1" Stencil="System.Storyboarding.WindowsApps" StencilVersion="0.1"/>
+  <Id Name="System.Storyboarding.WindowsApps.WindowsAppsTileWideSmall" Revision="1" Stencil="System.Storyboarding.WindowsApps" StencilVersion="0.1"/>
 </Control>
 </file>
 
 <file path=customXml/item60.xml><?xml version="1.0" encoding="utf-8"?>
 <Control xmlns="http://schemas.microsoft.com/VisualStudio/2011/storyboarding/control">
-  <Id Name="System.Storyboarding.WindowsDesktop.VerticalSplitter" Revision="1" Stencil="System.Storyboarding.WindowsDesktop" StencilVersion="0.1"/>
+  <Id Name="System.Storyboarding.Common.ScrollbarVertical" Revision="1" Stencil="System.Storyboarding.Common" StencilVersion="0.1"/>
 </Control>
 </file>
 
 <file path=customXml/item61.xml><?xml version="1.0" encoding="utf-8"?>
 <Control xmlns="http://schemas.microsoft.com/VisualStudio/2011/storyboarding/control">
-  <Id Name="System.Storyboarding.WindowsApps.WindowsAppsTileWideSmall" Revision="1" Stencil="System.Storyboarding.WindowsApps" StencilVersion="0.1"/>
+  <Id Name="System.Storyboarding.Common.ScrollbarVertical" Revision="1" Stencil="System.Storyboarding.Common" StencilVersion="0.1"/>
 </Control>
 </file>
 
 <file path=customXml/item62.xml><?xml version="1.0" encoding="utf-8"?>
 <Control xmlns="http://schemas.microsoft.com/VisualStudio/2011/storyboarding/control">
-  <Id Name="System.Storyboarding.Common.Text" Revision="1" Stencil="System.Storyboarding.Common" StencilVersion="0.1"/>
+  <Id Name="System.Storyboarding.WindowsApps.WindowsAppsButton" Revision="1" Stencil="System.Storyboarding.WindowsApps" StencilVersion="0.1"/>
 </Control>
 </file>
 
 <file path=customXml/item63.xml><?xml version="1.0" encoding="utf-8"?>
 <Control xmlns="http://schemas.microsoft.com/VisualStudio/2011/storyboarding/control">
-  <Id Name="System.Storyboarding.Common.Text" Revision="1" Stencil="System.Storyboarding.Common" StencilVersion="0.1"/>
+  <Id Name="System.Storyboarding.WindowsApps.WindowsAppsTileMedium" Revision="1" Stencil="System.Storyboarding.WindowsApps" StencilVersion="0.1"/>
 </Control>
 </file>
 
 <file path=customXml/item64.xml><?xml version="1.0" encoding="utf-8"?>
 <Control xmlns="http://schemas.microsoft.com/VisualStudio/2011/storyboarding/control">
-  <Id Name="System.Storyboarding.WindowsApps.WindowsAppsButton" Revision="1" Stencil="System.Storyboarding.WindowsApps" StencilVersion="0.1"/>
+  <Id Name="System.Storyboarding.Backgrounds.WebBrowser" Revision="1" Stencil="System.Storyboarding.Backgrounds" StencilVersion="0.1"/>
 </Control>
 </file>
 
@@ -40899,49 +41096,49 @@
 
 <file path=customXml/item66.xml><?xml version="1.0" encoding="utf-8"?>
 <Control xmlns="http://schemas.microsoft.com/VisualStudio/2011/storyboarding/control">
-  <Id Name="System.Storyboarding.WindowsApps.WindowsAppsButton" Revision="1" Stencil="System.Storyboarding.WindowsApps" StencilVersion="0.1"/>
+  <Id Name="System.Storyboarding.Common.Text" Revision="1" Stencil="System.Storyboarding.Common" StencilVersion="0.1"/>
 </Control>
 </file>
 
 <file path=customXml/item67.xml><?xml version="1.0" encoding="utf-8"?>
 <Control xmlns="http://schemas.microsoft.com/VisualStudio/2011/storyboarding/control">
-  <Id Name="System.Storyboarding.WindowsDesktop.VerticalSplitter" Revision="1" Stencil="System.Storyboarding.WindowsDesktop" StencilVersion="0.1"/>
+  <Id Name="System.Storyboarding.WindowsApps.WindowsAppsButton" Revision="1" Stencil="System.Storyboarding.WindowsApps" StencilVersion="0.1"/>
 </Control>
 </file>
 
 <file path=customXml/item68.xml><?xml version="1.0" encoding="utf-8"?>
 <Control xmlns="http://schemas.microsoft.com/VisualStudio/2011/storyboarding/control">
-  <Id Name="System.Storyboarding.WindowsApps.WindowsAppsTileWideSmall" Revision="1" Stencil="System.Storyboarding.WindowsApps" StencilVersion="0.1"/>
+  <Id Name="System.Storyboarding.WindowsApps.WindowsAppsTileMedium" Revision="1" Stencil="System.Storyboarding.WindowsApps" StencilVersion="0.1"/>
 </Control>
 </file>
 
 <file path=customXml/item69.xml><?xml version="1.0" encoding="utf-8"?>
 <Control xmlns="http://schemas.microsoft.com/VisualStudio/2011/storyboarding/control">
-  <Id Name="System.Storyboarding.Common.Text" Revision="1" Stencil="System.Storyboarding.Common" StencilVersion="0.1"/>
+  <Id Name="System.Storyboarding.WindowsApps.WindowsAppsTileMedium" Revision="1" Stencil="System.Storyboarding.WindowsApps" StencilVersion="0.1"/>
 </Control>
 </file>
 
 <file path=customXml/item7.xml><?xml version="1.0" encoding="utf-8"?>
 <Control xmlns="http://schemas.microsoft.com/VisualStudio/2011/storyboarding/control">
-  <Id Name="System.Storyboarding.WindowsApps.WindowsAppsTileMedium" Revision="1" Stencil="System.Storyboarding.WindowsApps" StencilVersion="0.1"/>
+  <Id Name="System.Storyboarding.Media.Image" Revision="1" Stencil="System.Storyboarding.Media" StencilVersion="0.1"/>
 </Control>
 </file>
 
 <file path=customXml/item70.xml><?xml version="1.0" encoding="utf-8"?>
 <Control xmlns="http://schemas.microsoft.com/VisualStudio/2011/storyboarding/control">
-  <Id Name="System.Storyboarding.Common.Text" Revision="1" Stencil="System.Storyboarding.Common" StencilVersion="0.1"/>
+  <Id Name="System.Storyboarding.WindowsApps.WindowsAppsButton" Revision="1" Stencil="System.Storyboarding.WindowsApps" StencilVersion="0.1"/>
 </Control>
 </file>
 
 <file path=customXml/item71.xml><?xml version="1.0" encoding="utf-8"?>
 <Control xmlns="http://schemas.microsoft.com/VisualStudio/2011/storyboarding/control">
-  <Id Name="System.Storyboarding.WindowsApps.WindowsAppsButton" Revision="1" Stencil="System.Storyboarding.WindowsApps" StencilVersion="0.1"/>
+  <Id Name="System.Storyboarding.WindowsApps.WindowsAppsTileMedium" Revision="1" Stencil="System.Storyboarding.WindowsApps" StencilVersion="0.1"/>
 </Control>
 </file>
 
 <file path=customXml/item72.xml><?xml version="1.0" encoding="utf-8"?>
 <Control xmlns="http://schemas.microsoft.com/VisualStudio/2011/storyboarding/control">
-  <Id Name="System.Storyboarding.WindowsApps.WindowsAppsButton" Revision="1" Stencil="System.Storyboarding.WindowsApps" StencilVersion="0.1"/>
+  <Id Name="System.Storyboarding.Backgrounds.WebBrowser" Revision="1" Stencil="System.Storyboarding.Backgrounds" StencilVersion="0.1"/>
 </Control>
 </file>
 
@@ -40959,43 +41156,43 @@
 
 <file path=customXml/item75.xml><?xml version="1.0" encoding="utf-8"?>
 <Control xmlns="http://schemas.microsoft.com/VisualStudio/2011/storyboarding/control">
-  <Id Name="System.Storyboarding.WindowsApps.WindowsAppsTileWideSmall" Revision="1" Stencil="System.Storyboarding.WindowsApps" StencilVersion="0.1"/>
+  <Id Name="System.Storyboarding.WindowsApps.WindowsAppsButton" Revision="1" Stencil="System.Storyboarding.WindowsApps" StencilVersion="0.1"/>
 </Control>
 </file>
 
 <file path=customXml/item76.xml><?xml version="1.0" encoding="utf-8"?>
 <Control xmlns="http://schemas.microsoft.com/VisualStudio/2011/storyboarding/control">
-  <Id Name="System.Storyboarding.Common.Text" Revision="1" Stencil="System.Storyboarding.Common" StencilVersion="0.1"/>
+  <Id Name="System.Storyboarding.WindowsApps.WindowsAppsButton" Revision="1" Stencil="System.Storyboarding.WindowsApps" StencilVersion="0.1"/>
 </Control>
 </file>
 
 <file path=customXml/item77.xml><?xml version="1.0" encoding="utf-8"?>
 <Control xmlns="http://schemas.microsoft.com/VisualStudio/2011/storyboarding/control">
-  <Id Name="System.Storyboarding.Common.Text" Revision="1" Stencil="System.Storyboarding.Common" StencilVersion="0.1"/>
+  <Id Name="System.Storyboarding.WindowsApps.WindowsAppsButton" Revision="1" Stencil="System.Storyboarding.WindowsApps" StencilVersion="0.1"/>
 </Control>
 </file>
 
 <file path=customXml/item78.xml><?xml version="1.0" encoding="utf-8"?>
 <Control xmlns="http://schemas.microsoft.com/VisualStudio/2011/storyboarding/control">
-  <Id Name="System.Storyboarding.WindowsApps.WindowsAppsButton" Revision="1" Stencil="System.Storyboarding.WindowsApps" StencilVersion="0.1"/>
+  <Id Name="System.Storyboarding.WindowsApps.WindowsAppsTileMedium" Revision="1" Stencil="System.Storyboarding.WindowsApps" StencilVersion="0.1"/>
 </Control>
 </file>
 
 <file path=customXml/item79.xml><?xml version="1.0" encoding="utf-8"?>
 <Control xmlns="http://schemas.microsoft.com/VisualStudio/2011/storyboarding/control">
-  <Id Name="System.Storyboarding.WindowsApps.WindowsAppsButton" Revision="1" Stencil="System.Storyboarding.WindowsApps" StencilVersion="0.1"/>
+  <Id Name="System.Storyboarding.Common.Text" Revision="1" Stencil="System.Storyboarding.Common" StencilVersion="0.1"/>
 </Control>
 </file>
 
 <file path=customXml/item8.xml><?xml version="1.0" encoding="utf-8"?>
 <Control xmlns="http://schemas.microsoft.com/VisualStudio/2011/storyboarding/control">
-  <Id Name="System.Storyboarding.Common.Text" Revision="1" Stencil="System.Storyboarding.Common" StencilVersion="0.1"/>
+  <Id Name="System.Storyboarding.WindowsApps.WindowsAppsButton" Revision="1" Stencil="System.Storyboarding.WindowsApps" StencilVersion="0.1"/>
 </Control>
 </file>
 
 <file path=customXml/item80.xml><?xml version="1.0" encoding="utf-8"?>
 <Control xmlns="http://schemas.microsoft.com/VisualStudio/2011/storyboarding/control">
-  <Id Name="System.Storyboarding.WindowsApps.WindowsAppsButton" Revision="1" Stencil="System.Storyboarding.WindowsApps" StencilVersion="0.1"/>
+  <Id Name="System.Storyboarding.Common.Text" Revision="1" Stencil="System.Storyboarding.Common" StencilVersion="0.1"/>
 </Control>
 </file>
 
@@ -41007,79 +41204,79 @@
 
 <file path=customXml/item82.xml><?xml version="1.0" encoding="utf-8"?>
 <Control xmlns="http://schemas.microsoft.com/VisualStudio/2011/storyboarding/control">
-  <Id Name="System.Storyboarding.WindowsApps.WindowsAppsTileMedium" Revision="1" Stencil="System.Storyboarding.WindowsApps" StencilVersion="0.1"/>
+  <Id Name="System.Storyboarding.Common.ScrollbarVertical" Revision="1" Stencil="System.Storyboarding.Common" StencilVersion="0.1"/>
 </Control>
 </file>
 
 <file path=customXml/item83.xml><?xml version="1.0" encoding="utf-8"?>
 <Control xmlns="http://schemas.microsoft.com/VisualStudio/2011/storyboarding/control">
-  <Id Name="System.Storyboarding.Media.WebCam" Revision="1" Stencil="System.Storyboarding.Media" StencilVersion="0.1"/>
+  <Id Name="System.Storyboarding.WindowsApps.WindowsAppsTileMedium" Revision="1" Stencil="System.Storyboarding.WindowsApps" StencilVersion="0.1"/>
 </Control>
 </file>
 
 <file path=customXml/item84.xml><?xml version="1.0" encoding="utf-8"?>
 <Control xmlns="http://schemas.microsoft.com/VisualStudio/2011/storyboarding/control">
-  <Id Name="System.Storyboarding.Media.Image" Revision="1" Stencil="System.Storyboarding.Media" StencilVersion="0.1"/>
+  <Id Name="System.Storyboarding.Common.ScrollbarVertical" Revision="1" Stencil="System.Storyboarding.Common" StencilVersion="0.1"/>
 </Control>
 </file>
 
 <file path=customXml/item85.xml><?xml version="1.0" encoding="utf-8"?>
 <Control xmlns="http://schemas.microsoft.com/VisualStudio/2011/storyboarding/control">
-  <Id Name="System.Storyboarding.Media.Image" Revision="1" Stencil="System.Storyboarding.Media" StencilVersion="0.1"/>
+  <Id Name="System.Storyboarding.WindowsApps.WindowsAppsTileMedium" Revision="1" Stencil="System.Storyboarding.WindowsApps" StencilVersion="0.1"/>
 </Control>
 </file>
 
 <file path=customXml/item86.xml><?xml version="1.0" encoding="utf-8"?>
 <Control xmlns="http://schemas.microsoft.com/VisualStudio/2011/storyboarding/control">
-  <Id Name="System.Storyboarding.Common.Text" Revision="1" Stencil="System.Storyboarding.Common" StencilVersion="0.1"/>
+  <Id Name="System.Storyboarding.WindowsApps.WindowsAppsTileMedium" Revision="1" Stencil="System.Storyboarding.WindowsApps" StencilVersion="0.1"/>
 </Control>
 </file>
 
 <file path=customXml/item87.xml><?xml version="1.0" encoding="utf-8"?>
 <Control xmlns="http://schemas.microsoft.com/VisualStudio/2011/storyboarding/control">
-  <Id Name="System.Storyboarding.Common.Text" Revision="1" Stencil="System.Storyboarding.Common" StencilVersion="0.1"/>
+  <Id Name="System.Storyboarding.WindowsApps.WindowsAppsTileMedium" Revision="1" Stencil="System.Storyboarding.WindowsApps" StencilVersion="0.1"/>
 </Control>
 </file>
 
 <file path=customXml/item88.xml><?xml version="1.0" encoding="utf-8"?>
 <Control xmlns="http://schemas.microsoft.com/VisualStudio/2011/storyboarding/control">
-  <Id Name="System.Storyboarding.Common.DataGrid" Revision="1" Stencil="System.Storyboarding.Common" StencilVersion="0.1"/>
+  <Id Name="System.Storyboarding.Common.Text" Revision="1" Stencil="System.Storyboarding.Common" StencilVersion="0.1"/>
 </Control>
 </file>
 
 <file path=customXml/item89.xml><?xml version="1.0" encoding="utf-8"?>
 <Control xmlns="http://schemas.microsoft.com/VisualStudio/2011/storyboarding/control">
-  <Id Name="System.Storyboarding.WindowsApps.WindowsAppsButton" Revision="1" Stencil="System.Storyboarding.WindowsApps" StencilVersion="0.1"/>
+  <Id Name="System.Storyboarding.WindowsDesktop.MenuBar" Revision="1" Stencil="System.Storyboarding.WindowsDesktop" StencilVersion="0.1"/>
 </Control>
 </file>
 
 <file path=customXml/item9.xml><?xml version="1.0" encoding="utf-8"?>
 <Control xmlns="http://schemas.microsoft.com/VisualStudio/2011/storyboarding/control">
-  <Id Name="System.Storyboarding.WindowsAppIcons.BaseCircle" Revision="1" Stencil="System.Storyboarding.WindowsAppIcons" StencilVersion="0.1"/>
+  <Id Name="System.Storyboarding.WindowsApps.WindowsAppsButton" Revision="1" Stencil="System.Storyboarding.WindowsApps" StencilVersion="0.1"/>
 </Control>
 </file>
 
 <file path=customXml/item90.xml><?xml version="1.0" encoding="utf-8"?>
 <Control xmlns="http://schemas.microsoft.com/VisualStudio/2011/storyboarding/control">
-  <Id Name="System.Storyboarding.Common.Text" Revision="1" Stencil="System.Storyboarding.Common" StencilVersion="0.1"/>
+  <Id Name="System.Storyboarding.WindowsAppIcons.BaseCircle" Revision="1" Stencil="System.Storyboarding.WindowsAppIcons" StencilVersion="0.1"/>
 </Control>
 </file>
 
 <file path=customXml/item91.xml><?xml version="1.0" encoding="utf-8"?>
 <Control xmlns="http://schemas.microsoft.com/VisualStudio/2011/storyboarding/control">
-  <Id Name="System.Storyboarding.Common.Text" Revision="1" Stencil="System.Storyboarding.Common" StencilVersion="0.1"/>
+  <Id Name="System.Storyboarding.Backgrounds.WebBrowser" Revision="1" Stencil="System.Storyboarding.Backgrounds" StencilVersion="0.1"/>
 </Control>
 </file>
 
 <file path=customXml/item92.xml><?xml version="1.0" encoding="utf-8"?>
 <Control xmlns="http://schemas.microsoft.com/VisualStudio/2011/storyboarding/control">
-  <Id Name="System.Storyboarding.Common.Text" Revision="1" Stencil="System.Storyboarding.Common" StencilVersion="0.1"/>
+  <Id Name="System.Storyboarding.WindowsApps.WindowsAppsTileMedium" Revision="1" Stencil="System.Storyboarding.WindowsApps" StencilVersion="0.1"/>
 </Control>
 </file>
 
 <file path=customXml/item93.xml><?xml version="1.0" encoding="utf-8"?>
 <Control xmlns="http://schemas.microsoft.com/VisualStudio/2011/storyboarding/control">
-  <Id Name="System.Storyboarding.Common.Text" Revision="1" Stencil="System.Storyboarding.Common" StencilVersion="0.1"/>
+  <Id Name="System.Storyboarding.Backgrounds.WebBrowser" Revision="1" Stencil="System.Storyboarding.Backgrounds" StencilVersion="0.1"/>
 </Control>
 </file>
 
@@ -41097,29 +41294,941 @@
 
 <file path=customXml/item96.xml><?xml version="1.0" encoding="utf-8"?>
 <Control xmlns="http://schemas.microsoft.com/VisualStudio/2011/storyboarding/control">
-  <Id Name="System.Storyboarding.Common.Text" Revision="1" Stencil="System.Storyboarding.Common" StencilVersion="0.1"/>
+  <Id Name="System.Storyboarding.WindowsApps.WindowsAppsTileMedium" Revision="1" Stencil="System.Storyboarding.WindowsApps" StencilVersion="0.1"/>
 </Control>
 </file>
 
 <file path=customXml/item97.xml><?xml version="1.0" encoding="utf-8"?>
 <Control xmlns="http://schemas.microsoft.com/VisualStudio/2011/storyboarding/control">
-  <Id Name="System.Storyboarding.Backgrounds.WebBrowser" Revision="1" Stencil="System.Storyboarding.Backgrounds" StencilVersion="0.1"/>
+  <Id Name="System.Storyboarding.WindowsApps.WindowsAppsTileMedium" Revision="1" Stencil="System.Storyboarding.WindowsApps" StencilVersion="0.1"/>
 </Control>
 </file>
 
 <file path=customXml/item98.xml><?xml version="1.0" encoding="utf-8"?>
 <Control xmlns="http://schemas.microsoft.com/VisualStudio/2011/storyboarding/control">
-  <Id Name="System.Storyboarding.WindowsApps.WindowsAppsTileMedium" Revision="1" Stencil="System.Storyboarding.WindowsApps" StencilVersion="0.1"/>
+  <Id Name="System.Storyboarding.Common.Text" Revision="1" Stencil="System.Storyboarding.Common" StencilVersion="0.1"/>
 </Control>
 </file>
 
 <file path=customXml/item99.xml><?xml version="1.0" encoding="utf-8"?>
 <Control xmlns="http://schemas.microsoft.com/VisualStudio/2011/storyboarding/control">
-  <Id Name="System.Storyboarding.WindowsApps.WindowsAppsTileMedium" Revision="1" Stencil="System.Storyboarding.WindowsApps" StencilVersion="0.1"/>
+  <Id Name="System.Storyboarding.Backgrounds.WebBrowser" Revision="1" Stencil="System.Storyboarding.Backgrounds" StencilVersion="0.1"/>
 </Control>
 </file>
 
 <file path=customXml/itemProps1.xml><?xml version="1.0" encoding="utf-8"?>
+<ds:datastoreItem xmlns:ds="http://schemas.openxmlformats.org/officeDocument/2006/customXml" ds:itemID="{21C36469-E543-4494-8EDE-68836603ECFE}">
+  <ds:schemaRefs>
+    <ds:schemaRef ds:uri="http://schemas.microsoft.com/VisualStudio/2011/storyboarding/control"/>
+  </ds:schemaRefs>
+</ds:datastoreItem>
+</file>
+
+<file path=customXml/itemProps10.xml><?xml version="1.0" encoding="utf-8"?>
+<ds:datastoreItem xmlns:ds="http://schemas.openxmlformats.org/officeDocument/2006/customXml" ds:itemID="{5B886F35-FF97-4259-8B63-14A9C8A8B29F}">
+  <ds:schemaRefs>
+    <ds:schemaRef ds:uri="http://schemas.microsoft.com/VisualStudio/2011/storyboarding/control"/>
+  </ds:schemaRefs>
+</ds:datastoreItem>
+</file>
+
+<file path=customXml/itemProps100.xml><?xml version="1.0" encoding="utf-8"?>
+<ds:datastoreItem xmlns:ds="http://schemas.openxmlformats.org/officeDocument/2006/customXml" ds:itemID="{CADBC63B-87AE-478F-B6F6-4AB36107CE5B}">
+  <ds:schemaRefs>
+    <ds:schemaRef ds:uri="http://schemas.microsoft.com/VisualStudio/2011/storyboarding/control"/>
+  </ds:schemaRefs>
+</ds:datastoreItem>
+</file>
+
+<file path=customXml/itemProps101.xml><?xml version="1.0" encoding="utf-8"?>
+<ds:datastoreItem xmlns:ds="http://schemas.openxmlformats.org/officeDocument/2006/customXml" ds:itemID="{EFF1A358-6949-4FC4-98B1-D561BD19A69E}">
+  <ds:schemaRefs>
+    <ds:schemaRef ds:uri="http://schemas.microsoft.com/VisualStudio/2011/storyboarding/control"/>
+  </ds:schemaRefs>
+</ds:datastoreItem>
+</file>
+
+<file path=customXml/itemProps102.xml><?xml version="1.0" encoding="utf-8"?>
+<ds:datastoreItem xmlns:ds="http://schemas.openxmlformats.org/officeDocument/2006/customXml" ds:itemID="{EF270EE9-E12F-42B9-A316-B4EE80D98BB3}">
+  <ds:schemaRefs>
+    <ds:schemaRef ds:uri="http://schemas.microsoft.com/VisualStudio/2011/storyboarding/control"/>
+  </ds:schemaRefs>
+</ds:datastoreItem>
+</file>
+
+<file path=customXml/itemProps103.xml><?xml version="1.0" encoding="utf-8"?>
+<ds:datastoreItem xmlns:ds="http://schemas.openxmlformats.org/officeDocument/2006/customXml" ds:itemID="{687EEC1D-8D3C-4EDB-B86E-308B532F62E1}">
+  <ds:schemaRefs>
+    <ds:schemaRef ds:uri="http://schemas.microsoft.com/VisualStudio/2011/storyboarding/control"/>
+  </ds:schemaRefs>
+</ds:datastoreItem>
+</file>
+
+<file path=customXml/itemProps104.xml><?xml version="1.0" encoding="utf-8"?>
+<ds:datastoreItem xmlns:ds="http://schemas.openxmlformats.org/officeDocument/2006/customXml" ds:itemID="{6C84617E-D9F6-45BA-949C-5D7696904EAE}">
+  <ds:schemaRefs>
+    <ds:schemaRef ds:uri="http://schemas.microsoft.com/VisualStudio/2011/storyboarding/control"/>
+  </ds:schemaRefs>
+</ds:datastoreItem>
+</file>
+
+<file path=customXml/itemProps105.xml><?xml version="1.0" encoding="utf-8"?>
+<ds:datastoreItem xmlns:ds="http://schemas.openxmlformats.org/officeDocument/2006/customXml" ds:itemID="{EB2DA233-900D-4933-9224-DF8B635A1A8F}">
+  <ds:schemaRefs>
+    <ds:schemaRef ds:uri="http://schemas.microsoft.com/VisualStudio/2011/storyboarding/control"/>
+  </ds:schemaRefs>
+</ds:datastoreItem>
+</file>
+
+<file path=customXml/itemProps106.xml><?xml version="1.0" encoding="utf-8"?>
+<ds:datastoreItem xmlns:ds="http://schemas.openxmlformats.org/officeDocument/2006/customXml" ds:itemID="{3ED9D7C5-C703-4142-BDBB-A959BF87C2EE}">
+  <ds:schemaRefs>
+    <ds:schemaRef ds:uri="http://schemas.microsoft.com/VisualStudio/2011/storyboarding/control"/>
+  </ds:schemaRefs>
+</ds:datastoreItem>
+</file>
+
+<file path=customXml/itemProps107.xml><?xml version="1.0" encoding="utf-8"?>
+<ds:datastoreItem xmlns:ds="http://schemas.openxmlformats.org/officeDocument/2006/customXml" ds:itemID="{34574155-71CB-47DA-AE35-1ED4E88DF299}">
+  <ds:schemaRefs>
+    <ds:schemaRef ds:uri="http://schemas.microsoft.com/VisualStudio/2011/storyboarding/control"/>
+  </ds:schemaRefs>
+</ds:datastoreItem>
+</file>
+
+<file path=customXml/itemProps108.xml><?xml version="1.0" encoding="utf-8"?>
+<ds:datastoreItem xmlns:ds="http://schemas.openxmlformats.org/officeDocument/2006/customXml" ds:itemID="{4225A968-C7CC-49C2-B0AF-1EC65969F65F}">
+  <ds:schemaRefs>
+    <ds:schemaRef ds:uri="http://schemas.microsoft.com/VisualStudio/2011/storyboarding/control"/>
+  </ds:schemaRefs>
+</ds:datastoreItem>
+</file>
+
+<file path=customXml/itemProps109.xml><?xml version="1.0" encoding="utf-8"?>
+<ds:datastoreItem xmlns:ds="http://schemas.openxmlformats.org/officeDocument/2006/customXml" ds:itemID="{06A9AC76-B8D4-493A-9AC7-3F4C1EC244E7}">
+  <ds:schemaRefs>
+    <ds:schemaRef ds:uri="http://schemas.microsoft.com/VisualStudio/2011/storyboarding/control"/>
+  </ds:schemaRefs>
+</ds:datastoreItem>
+</file>
+
+<file path=customXml/itemProps11.xml><?xml version="1.0" encoding="utf-8"?>
+<ds:datastoreItem xmlns:ds="http://schemas.openxmlformats.org/officeDocument/2006/customXml" ds:itemID="{011D291E-2732-43EA-B1CD-90DE1909F6A5}">
+  <ds:schemaRefs>
+    <ds:schemaRef ds:uri="http://schemas.microsoft.com/VisualStudio/2011/storyboarding/control"/>
+  </ds:schemaRefs>
+</ds:datastoreItem>
+</file>
+
+<file path=customXml/itemProps110.xml><?xml version="1.0" encoding="utf-8"?>
+<ds:datastoreItem xmlns:ds="http://schemas.openxmlformats.org/officeDocument/2006/customXml" ds:itemID="{AF973E1D-B8BA-40F5-A229-46F600C44F3C}">
+  <ds:schemaRefs>
+    <ds:schemaRef ds:uri="http://schemas.microsoft.com/VisualStudio/2011/storyboarding/control"/>
+  </ds:schemaRefs>
+</ds:datastoreItem>
+</file>
+
+<file path=customXml/itemProps111.xml><?xml version="1.0" encoding="utf-8"?>
+<ds:datastoreItem xmlns:ds="http://schemas.openxmlformats.org/officeDocument/2006/customXml" ds:itemID="{648E5D50-15BB-4D8E-91E4-DE2EA12E1DF5}">
+  <ds:schemaRefs>
+    <ds:schemaRef ds:uri="http://schemas.microsoft.com/VisualStudio/2011/storyboarding/control"/>
+  </ds:schemaRefs>
+</ds:datastoreItem>
+</file>
+
+<file path=customXml/itemProps112.xml><?xml version="1.0" encoding="utf-8"?>
+<ds:datastoreItem xmlns:ds="http://schemas.openxmlformats.org/officeDocument/2006/customXml" ds:itemID="{5C3529DB-4CCB-4A4F-8874-4D1137EBCEB1}">
+  <ds:schemaRefs>
+    <ds:schemaRef ds:uri="http://schemas.microsoft.com/VisualStudio/2011/storyboarding/control"/>
+  </ds:schemaRefs>
+</ds:datastoreItem>
+</file>
+
+<file path=customXml/itemProps113.xml><?xml version="1.0" encoding="utf-8"?>
+<ds:datastoreItem xmlns:ds="http://schemas.openxmlformats.org/officeDocument/2006/customXml" ds:itemID="{805B697C-D9B4-4D0F-B257-F1CD465BB1AF}">
+  <ds:schemaRefs>
+    <ds:schemaRef ds:uri="http://schemas.microsoft.com/VisualStudio/2011/storyboarding/control"/>
+  </ds:schemaRefs>
+</ds:datastoreItem>
+</file>
+
+<file path=customXml/itemProps114.xml><?xml version="1.0" encoding="utf-8"?>
+<ds:datastoreItem xmlns:ds="http://schemas.openxmlformats.org/officeDocument/2006/customXml" ds:itemID="{19C793EF-0754-4869-B775-5A65DF8D61BE}">
+  <ds:schemaRefs>
+    <ds:schemaRef ds:uri="http://schemas.microsoft.com/VisualStudio/2011/storyboarding/control"/>
+  </ds:schemaRefs>
+</ds:datastoreItem>
+</file>
+
+<file path=customXml/itemProps115.xml><?xml version="1.0" encoding="utf-8"?>
+<ds:datastoreItem xmlns:ds="http://schemas.openxmlformats.org/officeDocument/2006/customXml" ds:itemID="{0534919D-FF1D-45B9-8039-7F591660D238}">
+  <ds:schemaRefs>
+    <ds:schemaRef ds:uri="http://schemas.microsoft.com/VisualStudio/2011/storyboarding/control"/>
+  </ds:schemaRefs>
+</ds:datastoreItem>
+</file>
+
+<file path=customXml/itemProps116.xml><?xml version="1.0" encoding="utf-8"?>
+<ds:datastoreItem xmlns:ds="http://schemas.openxmlformats.org/officeDocument/2006/customXml" ds:itemID="{EC7FD869-742C-4D81-B80B-1A4B52BFCD02}">
+  <ds:schemaRefs>
+    <ds:schemaRef ds:uri="http://schemas.microsoft.com/VisualStudio/2011/storyboarding/control"/>
+  </ds:schemaRefs>
+</ds:datastoreItem>
+</file>
+
+<file path=customXml/itemProps117.xml><?xml version="1.0" encoding="utf-8"?>
+<ds:datastoreItem xmlns:ds="http://schemas.openxmlformats.org/officeDocument/2006/customXml" ds:itemID="{CCCE838B-EDA4-4E01-9A30-CF7953B8193C}">
+  <ds:schemaRefs>
+    <ds:schemaRef ds:uri="http://schemas.microsoft.com/VisualStudio/2011/storyboarding/control"/>
+  </ds:schemaRefs>
+</ds:datastoreItem>
+</file>
+
+<file path=customXml/itemProps118.xml><?xml version="1.0" encoding="utf-8"?>
+<ds:datastoreItem xmlns:ds="http://schemas.openxmlformats.org/officeDocument/2006/customXml" ds:itemID="{705670F7-BBAD-4097-A3FB-7CFF975000F8}">
+  <ds:schemaRefs>
+    <ds:schemaRef ds:uri="http://schemas.microsoft.com/VisualStudio/2011/storyboarding/control"/>
+  </ds:schemaRefs>
+</ds:datastoreItem>
+</file>
+
+<file path=customXml/itemProps119.xml><?xml version="1.0" encoding="utf-8"?>
+<ds:datastoreItem xmlns:ds="http://schemas.openxmlformats.org/officeDocument/2006/customXml" ds:itemID="{7D6083D9-E17C-4BA1-8C5B-F22B53DD92CB}">
+  <ds:schemaRefs>
+    <ds:schemaRef ds:uri="http://schemas.microsoft.com/VisualStudio/2011/storyboarding/control"/>
+  </ds:schemaRefs>
+</ds:datastoreItem>
+</file>
+
+<file path=customXml/itemProps12.xml><?xml version="1.0" encoding="utf-8"?>
+<ds:datastoreItem xmlns:ds="http://schemas.openxmlformats.org/officeDocument/2006/customXml" ds:itemID="{C084A5A1-1DFB-439E-A3BE-8FF0C8E1C3A2}">
+  <ds:schemaRefs>
+    <ds:schemaRef ds:uri="http://schemas.microsoft.com/VisualStudio/2011/storyboarding/control"/>
+  </ds:schemaRefs>
+</ds:datastoreItem>
+</file>
+
+<file path=customXml/itemProps120.xml><?xml version="1.0" encoding="utf-8"?>
+<ds:datastoreItem xmlns:ds="http://schemas.openxmlformats.org/officeDocument/2006/customXml" ds:itemID="{E661C687-302C-4817-9987-7134B736AD5B}">
+  <ds:schemaRefs>
+    <ds:schemaRef ds:uri="http://schemas.microsoft.com/VisualStudio/2011/storyboarding/control"/>
+  </ds:schemaRefs>
+</ds:datastoreItem>
+</file>
+
+<file path=customXml/itemProps121.xml><?xml version="1.0" encoding="utf-8"?>
+<ds:datastoreItem xmlns:ds="http://schemas.openxmlformats.org/officeDocument/2006/customXml" ds:itemID="{A999FA44-997B-4CBC-BE9B-94F01E281518}">
+  <ds:schemaRefs>
+    <ds:schemaRef ds:uri="http://schemas.microsoft.com/VisualStudio/2011/storyboarding/control"/>
+  </ds:schemaRefs>
+</ds:datastoreItem>
+</file>
+
+<file path=customXml/itemProps122.xml><?xml version="1.0" encoding="utf-8"?>
+<ds:datastoreItem xmlns:ds="http://schemas.openxmlformats.org/officeDocument/2006/customXml" ds:itemID="{9D6B0E53-600E-4C84-A524-CC3A253F2D61}">
+  <ds:schemaRefs>
+    <ds:schemaRef ds:uri="http://schemas.microsoft.com/VisualStudio/2011/storyboarding/control"/>
+  </ds:schemaRefs>
+</ds:datastoreItem>
+</file>
+
+<file path=customXml/itemProps123.xml><?xml version="1.0" encoding="utf-8"?>
+<ds:datastoreItem xmlns:ds="http://schemas.openxmlformats.org/officeDocument/2006/customXml" ds:itemID="{E5CCECB2-7AA1-425F-98BD-8A09FB93B9C8}">
+  <ds:schemaRefs>
+    <ds:schemaRef ds:uri="http://schemas.microsoft.com/VisualStudio/2011/storyboarding/control"/>
+  </ds:schemaRefs>
+</ds:datastoreItem>
+</file>
+
+<file path=customXml/itemProps124.xml><?xml version="1.0" encoding="utf-8"?>
+<ds:datastoreItem xmlns:ds="http://schemas.openxmlformats.org/officeDocument/2006/customXml" ds:itemID="{1BF4A308-AA36-4C84-B7E8-17938E24FC30}">
+  <ds:schemaRefs>
+    <ds:schemaRef ds:uri="http://schemas.microsoft.com/VisualStudio/2011/storyboarding/control"/>
+  </ds:schemaRefs>
+</ds:datastoreItem>
+</file>
+
+<file path=customXml/itemProps125.xml><?xml version="1.0" encoding="utf-8"?>
+<ds:datastoreItem xmlns:ds="http://schemas.openxmlformats.org/officeDocument/2006/customXml" ds:itemID="{45CFFB35-2D79-42AF-B01A-0741E03B4C11}">
+  <ds:schemaRefs>
+    <ds:schemaRef ds:uri="http://schemas.microsoft.com/VisualStudio/2011/storyboarding/control"/>
+  </ds:schemaRefs>
+</ds:datastoreItem>
+</file>
+
+<file path=customXml/itemProps126.xml><?xml version="1.0" encoding="utf-8"?>
+<ds:datastoreItem xmlns:ds="http://schemas.openxmlformats.org/officeDocument/2006/customXml" ds:itemID="{590B6056-85C6-4F53-8CB2-6489B461E3A0}">
+  <ds:schemaRefs>
+    <ds:schemaRef ds:uri="http://schemas.microsoft.com/VisualStudio/2011/storyboarding/control"/>
+  </ds:schemaRefs>
+</ds:datastoreItem>
+</file>
+
+<file path=customXml/itemProps127.xml><?xml version="1.0" encoding="utf-8"?>
+<ds:datastoreItem xmlns:ds="http://schemas.openxmlformats.org/officeDocument/2006/customXml" ds:itemID="{AB4221FB-048A-43DF-B789-83F5FE715D2E}">
+  <ds:schemaRefs>
+    <ds:schemaRef ds:uri="http://schemas.microsoft.com/VisualStudio/2011/storyboarding/control"/>
+  </ds:schemaRefs>
+</ds:datastoreItem>
+</file>
+
+<file path=customXml/itemProps128.xml><?xml version="1.0" encoding="utf-8"?>
+<ds:datastoreItem xmlns:ds="http://schemas.openxmlformats.org/officeDocument/2006/customXml" ds:itemID="{64AB39AE-7CE8-44BB-B261-C4E199047EA4}">
+  <ds:schemaRefs>
+    <ds:schemaRef ds:uri="http://schemas.microsoft.com/VisualStudio/2011/storyboarding/control"/>
+  </ds:schemaRefs>
+</ds:datastoreItem>
+</file>
+
+<file path=customXml/itemProps129.xml><?xml version="1.0" encoding="utf-8"?>
+<ds:datastoreItem xmlns:ds="http://schemas.openxmlformats.org/officeDocument/2006/customXml" ds:itemID="{5B23F545-3E52-4FA6-AEAE-FCC956FDF35D}">
+  <ds:schemaRefs>
+    <ds:schemaRef ds:uri="http://schemas.microsoft.com/VisualStudio/2011/storyboarding/control"/>
+  </ds:schemaRefs>
+</ds:datastoreItem>
+</file>
+
+<file path=customXml/itemProps13.xml><?xml version="1.0" encoding="utf-8"?>
+<ds:datastoreItem xmlns:ds="http://schemas.openxmlformats.org/officeDocument/2006/customXml" ds:itemID="{C632C06B-1865-4295-B48A-15821BB0B1DB}">
+  <ds:schemaRefs>
+    <ds:schemaRef ds:uri="http://schemas.microsoft.com/VisualStudio/2011/storyboarding/control"/>
+  </ds:schemaRefs>
+</ds:datastoreItem>
+</file>
+
+<file path=customXml/itemProps130.xml><?xml version="1.0" encoding="utf-8"?>
+<ds:datastoreItem xmlns:ds="http://schemas.openxmlformats.org/officeDocument/2006/customXml" ds:itemID="{6CBAAA4C-BEC9-4C1D-A100-701841659039}">
+  <ds:schemaRefs>
+    <ds:schemaRef ds:uri="http://schemas.microsoft.com/VisualStudio/2011/storyboarding/control"/>
+  </ds:schemaRefs>
+</ds:datastoreItem>
+</file>
+
+<file path=customXml/itemProps131.xml><?xml version="1.0" encoding="utf-8"?>
+<ds:datastoreItem xmlns:ds="http://schemas.openxmlformats.org/officeDocument/2006/customXml" ds:itemID="{B363A10D-EFD5-4C10-9057-A847BCC9E332}">
+  <ds:schemaRefs>
+    <ds:schemaRef ds:uri="http://schemas.microsoft.com/VisualStudio/2011/storyboarding/control"/>
+  </ds:schemaRefs>
+</ds:datastoreItem>
+</file>
+
+<file path=customXml/itemProps132.xml><?xml version="1.0" encoding="utf-8"?>
+<ds:datastoreItem xmlns:ds="http://schemas.openxmlformats.org/officeDocument/2006/customXml" ds:itemID="{5CE11C24-27AF-416F-8CE3-CEE4B635B6DC}">
+  <ds:schemaRefs>
+    <ds:schemaRef ds:uri="http://schemas.microsoft.com/VisualStudio/2011/storyboarding/control"/>
+  </ds:schemaRefs>
+</ds:datastoreItem>
+</file>
+
+<file path=customXml/itemProps133.xml><?xml version="1.0" encoding="utf-8"?>
+<ds:datastoreItem xmlns:ds="http://schemas.openxmlformats.org/officeDocument/2006/customXml" ds:itemID="{AA90E764-CD12-4394-927C-9D3E22E2A8DA}">
+  <ds:schemaRefs>
+    <ds:schemaRef ds:uri="http://schemas.microsoft.com/VisualStudio/2011/storyboarding/control"/>
+  </ds:schemaRefs>
+</ds:datastoreItem>
+</file>
+
+<file path=customXml/itemProps134.xml><?xml version="1.0" encoding="utf-8"?>
+<ds:datastoreItem xmlns:ds="http://schemas.openxmlformats.org/officeDocument/2006/customXml" ds:itemID="{3259D906-C9AE-4EE3-9F28-F96F77165A9A}">
+  <ds:schemaRefs>
+    <ds:schemaRef ds:uri="http://schemas.microsoft.com/VisualStudio/2011/storyboarding/control"/>
+  </ds:schemaRefs>
+</ds:datastoreItem>
+</file>
+
+<file path=customXml/itemProps135.xml><?xml version="1.0" encoding="utf-8"?>
+<ds:datastoreItem xmlns:ds="http://schemas.openxmlformats.org/officeDocument/2006/customXml" ds:itemID="{2D1AADC4-E1E2-49E9-AA6F-6B9D5F90EFE7}">
+  <ds:schemaRefs>
+    <ds:schemaRef ds:uri="http://schemas.microsoft.com/VisualStudio/2011/storyboarding/control"/>
+  </ds:schemaRefs>
+</ds:datastoreItem>
+</file>
+
+<file path=customXml/itemProps136.xml><?xml version="1.0" encoding="utf-8"?>
+<ds:datastoreItem xmlns:ds="http://schemas.openxmlformats.org/officeDocument/2006/customXml" ds:itemID="{D29B446E-9160-43FB-A19B-F92912640A58}">
+  <ds:schemaRefs>
+    <ds:schemaRef ds:uri="http://schemas.microsoft.com/VisualStudio/2011/storyboarding/control"/>
+  </ds:schemaRefs>
+</ds:datastoreItem>
+</file>
+
+<file path=customXml/itemProps137.xml><?xml version="1.0" encoding="utf-8"?>
+<ds:datastoreItem xmlns:ds="http://schemas.openxmlformats.org/officeDocument/2006/customXml" ds:itemID="{A5DB7CA0-7491-4538-9386-987346C649A4}">
+  <ds:schemaRefs>
+    <ds:schemaRef ds:uri="http://schemas.microsoft.com/VisualStudio/2011/storyboarding/control"/>
+  </ds:schemaRefs>
+</ds:datastoreItem>
+</file>
+
+<file path=customXml/itemProps138.xml><?xml version="1.0" encoding="utf-8"?>
+<ds:datastoreItem xmlns:ds="http://schemas.openxmlformats.org/officeDocument/2006/customXml" ds:itemID="{1049C07D-933C-4380-92AD-94464F9A845F}">
+  <ds:schemaRefs>
+    <ds:schemaRef ds:uri="http://schemas.microsoft.com/VisualStudio/2011/storyboarding/control"/>
+  </ds:schemaRefs>
+</ds:datastoreItem>
+</file>
+
+<file path=customXml/itemProps139.xml><?xml version="1.0" encoding="utf-8"?>
+<ds:datastoreItem xmlns:ds="http://schemas.openxmlformats.org/officeDocument/2006/customXml" ds:itemID="{0E0058ED-12A1-4B3E-AB4C-6B067E7FF171}">
+  <ds:schemaRefs>
+    <ds:schemaRef ds:uri="http://schemas.microsoft.com/VisualStudio/2011/storyboarding/control"/>
+  </ds:schemaRefs>
+</ds:datastoreItem>
+</file>
+
+<file path=customXml/itemProps14.xml><?xml version="1.0" encoding="utf-8"?>
+<ds:datastoreItem xmlns:ds="http://schemas.openxmlformats.org/officeDocument/2006/customXml" ds:itemID="{38E9D473-47F5-40DB-9C24-104FDCD57202}">
+  <ds:schemaRefs>
+    <ds:schemaRef ds:uri="http://schemas.microsoft.com/VisualStudio/2011/storyboarding/control"/>
+  </ds:schemaRefs>
+</ds:datastoreItem>
+</file>
+
+<file path=customXml/itemProps140.xml><?xml version="1.0" encoding="utf-8"?>
+<ds:datastoreItem xmlns:ds="http://schemas.openxmlformats.org/officeDocument/2006/customXml" ds:itemID="{290BA514-045C-4A41-AD3A-4A42B8B266B2}">
+  <ds:schemaRefs>
+    <ds:schemaRef ds:uri="http://schemas.microsoft.com/VisualStudio/2011/storyboarding/control"/>
+  </ds:schemaRefs>
+</ds:datastoreItem>
+</file>
+
+<file path=customXml/itemProps141.xml><?xml version="1.0" encoding="utf-8"?>
+<ds:datastoreItem xmlns:ds="http://schemas.openxmlformats.org/officeDocument/2006/customXml" ds:itemID="{02A3032E-631C-43DC-918F-25D80FE6684B}">
+  <ds:schemaRefs>
+    <ds:schemaRef ds:uri="http://schemas.microsoft.com/VisualStudio/2011/storyboarding/control"/>
+  </ds:schemaRefs>
+</ds:datastoreItem>
+</file>
+
+<file path=customXml/itemProps142.xml><?xml version="1.0" encoding="utf-8"?>
+<ds:datastoreItem xmlns:ds="http://schemas.openxmlformats.org/officeDocument/2006/customXml" ds:itemID="{E814D5E9-BDED-4774-A723-7F241FF507E4}">
+  <ds:schemaRefs>
+    <ds:schemaRef ds:uri="http://schemas.microsoft.com/VisualStudio/2011/storyboarding/control"/>
+  </ds:schemaRefs>
+</ds:datastoreItem>
+</file>
+
+<file path=customXml/itemProps143.xml><?xml version="1.0" encoding="utf-8"?>
+<ds:datastoreItem xmlns:ds="http://schemas.openxmlformats.org/officeDocument/2006/customXml" ds:itemID="{AE1F0795-B1FD-41FD-8F71-E0B0051AE385}">
+  <ds:schemaRefs>
+    <ds:schemaRef ds:uri="http://schemas.microsoft.com/VisualStudio/2011/storyboarding/control"/>
+  </ds:schemaRefs>
+</ds:datastoreItem>
+</file>
+
+<file path=customXml/itemProps144.xml><?xml version="1.0" encoding="utf-8"?>
+<ds:datastoreItem xmlns:ds="http://schemas.openxmlformats.org/officeDocument/2006/customXml" ds:itemID="{C3CD2A27-F8BC-4C33-A21C-177D08FCCD88}">
+  <ds:schemaRefs>
+    <ds:schemaRef ds:uri="http://schemas.microsoft.com/VisualStudio/2011/storyboarding/control"/>
+  </ds:schemaRefs>
+</ds:datastoreItem>
+</file>
+
+<file path=customXml/itemProps145.xml><?xml version="1.0" encoding="utf-8"?>
+<ds:datastoreItem xmlns:ds="http://schemas.openxmlformats.org/officeDocument/2006/customXml" ds:itemID="{E801C0F3-35C0-47F2-BF6B-94F052850461}">
+  <ds:schemaRefs>
+    <ds:schemaRef ds:uri="http://schemas.microsoft.com/VisualStudio/2011/storyboarding/control"/>
+  </ds:schemaRefs>
+</ds:datastoreItem>
+</file>
+
+<file path=customXml/itemProps146.xml><?xml version="1.0" encoding="utf-8"?>
+<ds:datastoreItem xmlns:ds="http://schemas.openxmlformats.org/officeDocument/2006/customXml" ds:itemID="{3D906249-6A33-4ACA-9E38-97A609614D3D}">
+  <ds:schemaRefs>
+    <ds:schemaRef ds:uri="http://schemas.microsoft.com/VisualStudio/2011/storyboarding/control"/>
+  </ds:schemaRefs>
+</ds:datastoreItem>
+</file>
+
+<file path=customXml/itemProps147.xml><?xml version="1.0" encoding="utf-8"?>
+<ds:datastoreItem xmlns:ds="http://schemas.openxmlformats.org/officeDocument/2006/customXml" ds:itemID="{0BC11586-4DD7-4E9A-B8D2-258AC121CA16}">
+  <ds:schemaRefs>
+    <ds:schemaRef ds:uri="http://schemas.microsoft.com/VisualStudio/2011/storyboarding/control"/>
+  </ds:schemaRefs>
+</ds:datastoreItem>
+</file>
+
+<file path=customXml/itemProps148.xml><?xml version="1.0" encoding="utf-8"?>
+<ds:datastoreItem xmlns:ds="http://schemas.openxmlformats.org/officeDocument/2006/customXml" ds:itemID="{085CD738-447D-4165-8300-996E111AA1D1}">
+  <ds:schemaRefs>
+    <ds:schemaRef ds:uri="http://schemas.microsoft.com/VisualStudio/2011/storyboarding/control"/>
+  </ds:schemaRefs>
+</ds:datastoreItem>
+</file>
+
+<file path=customXml/itemProps149.xml><?xml version="1.0" encoding="utf-8"?>
+<ds:datastoreItem xmlns:ds="http://schemas.openxmlformats.org/officeDocument/2006/customXml" ds:itemID="{347B8EDB-1148-44BB-8474-8C62B23C9F6C}">
+  <ds:schemaRefs>
+    <ds:schemaRef ds:uri="http://schemas.microsoft.com/VisualStudio/2011/storyboarding/control"/>
+  </ds:schemaRefs>
+</ds:datastoreItem>
+</file>
+
+<file path=customXml/itemProps15.xml><?xml version="1.0" encoding="utf-8"?>
+<ds:datastoreItem xmlns:ds="http://schemas.openxmlformats.org/officeDocument/2006/customXml" ds:itemID="{1C431A76-9395-4687-8075-E5F51E57510A}">
+  <ds:schemaRefs>
+    <ds:schemaRef ds:uri="http://schemas.microsoft.com/VisualStudio/2011/storyboarding/control"/>
+  </ds:schemaRefs>
+</ds:datastoreItem>
+</file>
+
+<file path=customXml/itemProps150.xml><?xml version="1.0" encoding="utf-8"?>
+<ds:datastoreItem xmlns:ds="http://schemas.openxmlformats.org/officeDocument/2006/customXml" ds:itemID="{A45807A2-4C9E-4545-937E-36710362F5D4}">
+  <ds:schemaRefs>
+    <ds:schemaRef ds:uri="http://schemas.microsoft.com/VisualStudio/2011/storyboarding/control"/>
+  </ds:schemaRefs>
+</ds:datastoreItem>
+</file>
+
+<file path=customXml/itemProps151.xml><?xml version="1.0" encoding="utf-8"?>
+<ds:datastoreItem xmlns:ds="http://schemas.openxmlformats.org/officeDocument/2006/customXml" ds:itemID="{1CF36B45-1186-4CD4-B840-70412B00449C}">
+  <ds:schemaRefs>
+    <ds:schemaRef ds:uri="http://schemas.microsoft.com/VisualStudio/2011/storyboarding/control"/>
+  </ds:schemaRefs>
+</ds:datastoreItem>
+</file>
+
+<file path=customXml/itemProps152.xml><?xml version="1.0" encoding="utf-8"?>
+<ds:datastoreItem xmlns:ds="http://schemas.openxmlformats.org/officeDocument/2006/customXml" ds:itemID="{DDEB90F5-FEB5-45EA-9CC0-1D9D2F2AE200}">
+  <ds:schemaRefs>
+    <ds:schemaRef ds:uri="http://schemas.microsoft.com/VisualStudio/2011/storyboarding/control"/>
+  </ds:schemaRefs>
+</ds:datastoreItem>
+</file>
+
+<file path=customXml/itemProps153.xml><?xml version="1.0" encoding="utf-8"?>
+<ds:datastoreItem xmlns:ds="http://schemas.openxmlformats.org/officeDocument/2006/customXml" ds:itemID="{9EFF5182-C8D2-46D4-8785-071839C56B12}">
+  <ds:schemaRefs>
+    <ds:schemaRef ds:uri="http://schemas.microsoft.com/VisualStudio/2011/storyboarding/control"/>
+  </ds:schemaRefs>
+</ds:datastoreItem>
+</file>
+
+<file path=customXml/itemProps154.xml><?xml version="1.0" encoding="utf-8"?>
+<ds:datastoreItem xmlns:ds="http://schemas.openxmlformats.org/officeDocument/2006/customXml" ds:itemID="{DE69F42F-CF2D-40AE-A717-69A76E03E526}">
+  <ds:schemaRefs>
+    <ds:schemaRef ds:uri="http://schemas.microsoft.com/VisualStudio/2011/storyboarding/control"/>
+  </ds:schemaRefs>
+</ds:datastoreItem>
+</file>
+
+<file path=customXml/itemProps155.xml><?xml version="1.0" encoding="utf-8"?>
+<ds:datastoreItem xmlns:ds="http://schemas.openxmlformats.org/officeDocument/2006/customXml" ds:itemID="{8E1AE9E1-CAD9-49D5-B336-34ADB1D4B4A8}">
+  <ds:schemaRefs>
+    <ds:schemaRef ds:uri="http://schemas.microsoft.com/VisualStudio/2011/storyboarding/control"/>
+  </ds:schemaRefs>
+</ds:datastoreItem>
+</file>
+
+<file path=customXml/itemProps156.xml><?xml version="1.0" encoding="utf-8"?>
+<ds:datastoreItem xmlns:ds="http://schemas.openxmlformats.org/officeDocument/2006/customXml" ds:itemID="{2507950E-3858-47E6-AC85-8A35B2319479}">
+  <ds:schemaRefs>
+    <ds:schemaRef ds:uri="http://schemas.microsoft.com/VisualStudio/2011/storyboarding/control"/>
+  </ds:schemaRefs>
+</ds:datastoreItem>
+</file>
+
+<file path=customXml/itemProps157.xml><?xml version="1.0" encoding="utf-8"?>
+<ds:datastoreItem xmlns:ds="http://schemas.openxmlformats.org/officeDocument/2006/customXml" ds:itemID="{F7EA3DBD-363C-4AE3-8F0F-C1EEB95B93AC}">
+  <ds:schemaRefs>
+    <ds:schemaRef ds:uri="http://schemas.microsoft.com/VisualStudio/2011/storyboarding/control"/>
+  </ds:schemaRefs>
+</ds:datastoreItem>
+</file>
+
+<file path=customXml/itemProps158.xml><?xml version="1.0" encoding="utf-8"?>
+<ds:datastoreItem xmlns:ds="http://schemas.openxmlformats.org/officeDocument/2006/customXml" ds:itemID="{8320EC66-DB4C-442D-A58D-1D51C8E5D5F3}">
+  <ds:schemaRefs>
+    <ds:schemaRef ds:uri="http://schemas.microsoft.com/VisualStudio/2011/storyboarding/control"/>
+  </ds:schemaRefs>
+</ds:datastoreItem>
+</file>
+
+<file path=customXml/itemProps159.xml><?xml version="1.0" encoding="utf-8"?>
+<ds:datastoreItem xmlns:ds="http://schemas.openxmlformats.org/officeDocument/2006/customXml" ds:itemID="{903885A8-C7CA-4F39-B6BE-08FB3517861E}">
+  <ds:schemaRefs>
+    <ds:schemaRef ds:uri="http://schemas.microsoft.com/VisualStudio/2011/storyboarding/control"/>
+  </ds:schemaRefs>
+</ds:datastoreItem>
+</file>
+
+<file path=customXml/itemProps16.xml><?xml version="1.0" encoding="utf-8"?>
+<ds:datastoreItem xmlns:ds="http://schemas.openxmlformats.org/officeDocument/2006/customXml" ds:itemID="{44AA9A90-40A0-4F00-A256-DBEC88C580A5}">
+  <ds:schemaRefs>
+    <ds:schemaRef ds:uri="http://schemas.microsoft.com/VisualStudio/2011/storyboarding/control"/>
+  </ds:schemaRefs>
+</ds:datastoreItem>
+</file>
+
+<file path=customXml/itemProps160.xml><?xml version="1.0" encoding="utf-8"?>
+<ds:datastoreItem xmlns:ds="http://schemas.openxmlformats.org/officeDocument/2006/customXml" ds:itemID="{4220FE1E-C722-415E-98A2-A509DCF483A0}">
+  <ds:schemaRefs>
+    <ds:schemaRef ds:uri="http://schemas.microsoft.com/VisualStudio/2011/storyboarding/control"/>
+  </ds:schemaRefs>
+</ds:datastoreItem>
+</file>
+
+<file path=customXml/itemProps17.xml><?xml version="1.0" encoding="utf-8"?>
+<ds:datastoreItem xmlns:ds="http://schemas.openxmlformats.org/officeDocument/2006/customXml" ds:itemID="{1CD3D4E2-040B-4DA9-88FD-5663582C3335}">
+  <ds:schemaRefs>
+    <ds:schemaRef ds:uri="http://schemas.microsoft.com/VisualStudio/2011/storyboarding/control"/>
+  </ds:schemaRefs>
+</ds:datastoreItem>
+</file>
+
+<file path=customXml/itemProps18.xml><?xml version="1.0" encoding="utf-8"?>
+<ds:datastoreItem xmlns:ds="http://schemas.openxmlformats.org/officeDocument/2006/customXml" ds:itemID="{CFC6406B-2070-4BAD-AB13-27DE99EB852A}">
+  <ds:schemaRefs>
+    <ds:schemaRef ds:uri="http://schemas.microsoft.com/VisualStudio/2011/storyboarding/control"/>
+  </ds:schemaRefs>
+</ds:datastoreItem>
+</file>
+
+<file path=customXml/itemProps19.xml><?xml version="1.0" encoding="utf-8"?>
+<ds:datastoreItem xmlns:ds="http://schemas.openxmlformats.org/officeDocument/2006/customXml" ds:itemID="{4D811D8E-BF7E-4593-B165-8324E8491A21}">
+  <ds:schemaRefs>
+    <ds:schemaRef ds:uri="http://schemas.microsoft.com/VisualStudio/2011/storyboarding/control"/>
+  </ds:schemaRefs>
+</ds:datastoreItem>
+</file>
+
+<file path=customXml/itemProps2.xml><?xml version="1.0" encoding="utf-8"?>
+<ds:datastoreItem xmlns:ds="http://schemas.openxmlformats.org/officeDocument/2006/customXml" ds:itemID="{ABED4C27-FA1C-47FE-BBAC-744A727AD5FC}">
+  <ds:schemaRefs>
+    <ds:schemaRef ds:uri="http://schemas.microsoft.com/VisualStudio/2011/storyboarding/control"/>
+  </ds:schemaRefs>
+</ds:datastoreItem>
+</file>
+
+<file path=customXml/itemProps20.xml><?xml version="1.0" encoding="utf-8"?>
+<ds:datastoreItem xmlns:ds="http://schemas.openxmlformats.org/officeDocument/2006/customXml" ds:itemID="{CA8DE385-CBC8-4C7E-88E1-7C89740FCCD8}">
+  <ds:schemaRefs>
+    <ds:schemaRef ds:uri="http://schemas.microsoft.com/VisualStudio/2011/storyboarding/control"/>
+  </ds:schemaRefs>
+</ds:datastoreItem>
+</file>
+
+<file path=customXml/itemProps21.xml><?xml version="1.0" encoding="utf-8"?>
+<ds:datastoreItem xmlns:ds="http://schemas.openxmlformats.org/officeDocument/2006/customXml" ds:itemID="{E6A08A13-1767-4E64-9888-11135DFA06F8}">
+  <ds:schemaRefs>
+    <ds:schemaRef ds:uri="http://schemas.microsoft.com/VisualStudio/2011/storyboarding/control"/>
+  </ds:schemaRefs>
+</ds:datastoreItem>
+</file>
+
+<file path=customXml/itemProps22.xml><?xml version="1.0" encoding="utf-8"?>
+<ds:datastoreItem xmlns:ds="http://schemas.openxmlformats.org/officeDocument/2006/customXml" ds:itemID="{512A76A4-ED3A-4D9B-960F-DACB1478AD9B}">
+  <ds:schemaRefs>
+    <ds:schemaRef ds:uri="http://schemas.microsoft.com/VisualStudio/2011/storyboarding/control"/>
+  </ds:schemaRefs>
+</ds:datastoreItem>
+</file>
+
+<file path=customXml/itemProps23.xml><?xml version="1.0" encoding="utf-8"?>
+<ds:datastoreItem xmlns:ds="http://schemas.openxmlformats.org/officeDocument/2006/customXml" ds:itemID="{0412A9CE-E875-416D-BD1E-455F1B0B5287}">
+  <ds:schemaRefs>
+    <ds:schemaRef ds:uri="http://schemas.microsoft.com/VisualStudio/2011/storyboarding/control"/>
+  </ds:schemaRefs>
+</ds:datastoreItem>
+</file>
+
+<file path=customXml/itemProps24.xml><?xml version="1.0" encoding="utf-8"?>
+<ds:datastoreItem xmlns:ds="http://schemas.openxmlformats.org/officeDocument/2006/customXml" ds:itemID="{D29B6DC1-5C9A-44CD-964E-68BDB0ACC9B8}">
+  <ds:schemaRefs>
+    <ds:schemaRef ds:uri="http://schemas.microsoft.com/VisualStudio/2011/storyboarding/control"/>
+  </ds:schemaRefs>
+</ds:datastoreItem>
+</file>
+
+<file path=customXml/itemProps25.xml><?xml version="1.0" encoding="utf-8"?>
+<ds:datastoreItem xmlns:ds="http://schemas.openxmlformats.org/officeDocument/2006/customXml" ds:itemID="{62E2BC58-41C5-463C-92EF-A027F1255508}">
+  <ds:schemaRefs>
+    <ds:schemaRef ds:uri="http://schemas.microsoft.com/VisualStudio/2011/storyboarding/control"/>
+  </ds:schemaRefs>
+</ds:datastoreItem>
+</file>
+
+<file path=customXml/itemProps26.xml><?xml version="1.0" encoding="utf-8"?>
+<ds:datastoreItem xmlns:ds="http://schemas.openxmlformats.org/officeDocument/2006/customXml" ds:itemID="{B206490F-E118-4B4E-9F64-BC7A1E2807B2}">
+  <ds:schemaRefs>
+    <ds:schemaRef ds:uri="http://schemas.microsoft.com/VisualStudio/2011/storyboarding/control"/>
+  </ds:schemaRefs>
+</ds:datastoreItem>
+</file>
+
+<file path=customXml/itemProps27.xml><?xml version="1.0" encoding="utf-8"?>
+<ds:datastoreItem xmlns:ds="http://schemas.openxmlformats.org/officeDocument/2006/customXml" ds:itemID="{140E596C-8EF6-45EE-8E59-2531023345B7}">
+  <ds:schemaRefs>
+    <ds:schemaRef ds:uri="http://schemas.microsoft.com/VisualStudio/2011/storyboarding/control"/>
+  </ds:schemaRefs>
+</ds:datastoreItem>
+</file>
+
+<file path=customXml/itemProps28.xml><?xml version="1.0" encoding="utf-8"?>
+<ds:datastoreItem xmlns:ds="http://schemas.openxmlformats.org/officeDocument/2006/customXml" ds:itemID="{4725B255-5D10-449E-83F4-6FBE739F8871}">
+  <ds:schemaRefs>
+    <ds:schemaRef ds:uri="http://schemas.microsoft.com/VisualStudio/2011/storyboarding/control"/>
+  </ds:schemaRefs>
+</ds:datastoreItem>
+</file>
+
+<file path=customXml/itemProps29.xml><?xml version="1.0" encoding="utf-8"?>
+<ds:datastoreItem xmlns:ds="http://schemas.openxmlformats.org/officeDocument/2006/customXml" ds:itemID="{72C333E0-0D69-4204-9DD8-5BC69D050924}">
+  <ds:schemaRefs>
+    <ds:schemaRef ds:uri="http://schemas.microsoft.com/VisualStudio/2011/storyboarding/control"/>
+  </ds:schemaRefs>
+</ds:datastoreItem>
+</file>
+
+<file path=customXml/itemProps3.xml><?xml version="1.0" encoding="utf-8"?>
+<ds:datastoreItem xmlns:ds="http://schemas.openxmlformats.org/officeDocument/2006/customXml" ds:itemID="{928D019A-FE29-436E-A0C9-036E6D10A612}">
+  <ds:schemaRefs>
+    <ds:schemaRef ds:uri="http://schemas.microsoft.com/VisualStudio/2011/storyboarding/control"/>
+  </ds:schemaRefs>
+</ds:datastoreItem>
+</file>
+
+<file path=customXml/itemProps30.xml><?xml version="1.0" encoding="utf-8"?>
+<ds:datastoreItem xmlns:ds="http://schemas.openxmlformats.org/officeDocument/2006/customXml" ds:itemID="{3EB723DB-C628-45A3-B34F-16D921FD4BBF}">
+  <ds:schemaRefs>
+    <ds:schemaRef ds:uri="http://schemas.microsoft.com/VisualStudio/2011/storyboarding/control"/>
+  </ds:schemaRefs>
+</ds:datastoreItem>
+</file>
+
+<file path=customXml/itemProps31.xml><?xml version="1.0" encoding="utf-8"?>
+<ds:datastoreItem xmlns:ds="http://schemas.openxmlformats.org/officeDocument/2006/customXml" ds:itemID="{BC9FB26E-33EF-49EA-BE37-7EA64F8A08B3}">
+  <ds:schemaRefs>
+    <ds:schemaRef ds:uri="http://schemas.microsoft.com/VisualStudio/2011/storyboarding/control"/>
+  </ds:schemaRefs>
+</ds:datastoreItem>
+</file>
+
+<file path=customXml/itemProps32.xml><?xml version="1.0" encoding="utf-8"?>
+<ds:datastoreItem xmlns:ds="http://schemas.openxmlformats.org/officeDocument/2006/customXml" ds:itemID="{C354D56A-F687-46D9-9EA2-A46E60064C63}">
+  <ds:schemaRefs>
+    <ds:schemaRef ds:uri="http://schemas.microsoft.com/VisualStudio/2011/storyboarding/control"/>
+  </ds:schemaRefs>
+</ds:datastoreItem>
+</file>
+
+<file path=customXml/itemProps33.xml><?xml version="1.0" encoding="utf-8"?>
+<ds:datastoreItem xmlns:ds="http://schemas.openxmlformats.org/officeDocument/2006/customXml" ds:itemID="{EEEB1485-D616-431E-A569-9D171B351144}">
+  <ds:schemaRefs>
+    <ds:schemaRef ds:uri="http://schemas.microsoft.com/VisualStudio/2011/storyboarding/control"/>
+  </ds:schemaRefs>
+</ds:datastoreItem>
+</file>
+
+<file path=customXml/itemProps34.xml><?xml version="1.0" encoding="utf-8"?>
+<ds:datastoreItem xmlns:ds="http://schemas.openxmlformats.org/officeDocument/2006/customXml" ds:itemID="{7F7348FC-6E5B-42CD-B19C-6C2588AB31CA}">
+  <ds:schemaRefs>
+    <ds:schemaRef ds:uri="http://schemas.microsoft.com/VisualStudio/2011/storyboarding/control"/>
+  </ds:schemaRefs>
+</ds:datastoreItem>
+</file>
+
+<file path=customXml/itemProps35.xml><?xml version="1.0" encoding="utf-8"?>
+<ds:datastoreItem xmlns:ds="http://schemas.openxmlformats.org/officeDocument/2006/customXml" ds:itemID="{678CDCEB-A2AD-4567-8A90-81D304A9AF7B}">
+  <ds:schemaRefs>
+    <ds:schemaRef ds:uri="http://schemas.microsoft.com/VisualStudio/2011/storyboarding/control"/>
+  </ds:schemaRefs>
+</ds:datastoreItem>
+</file>
+
+<file path=customXml/itemProps36.xml><?xml version="1.0" encoding="utf-8"?>
+<ds:datastoreItem xmlns:ds="http://schemas.openxmlformats.org/officeDocument/2006/customXml" ds:itemID="{C9123711-13B3-422E-B5DB-6EF87C4AD9C8}">
+  <ds:schemaRefs>
+    <ds:schemaRef ds:uri="http://schemas.microsoft.com/VisualStudio/2011/storyboarding/control"/>
+  </ds:schemaRefs>
+</ds:datastoreItem>
+</file>
+
+<file path=customXml/itemProps37.xml><?xml version="1.0" encoding="utf-8"?>
+<ds:datastoreItem xmlns:ds="http://schemas.openxmlformats.org/officeDocument/2006/customXml" ds:itemID="{3E875F03-6442-41E5-9236-C4E77884B1DD}">
+  <ds:schemaRefs>
+    <ds:schemaRef ds:uri="http://schemas.microsoft.com/VisualStudio/2011/storyboarding/control"/>
+  </ds:schemaRefs>
+</ds:datastoreItem>
+</file>
+
+<file path=customXml/itemProps38.xml><?xml version="1.0" encoding="utf-8"?>
+<ds:datastoreItem xmlns:ds="http://schemas.openxmlformats.org/officeDocument/2006/customXml" ds:itemID="{31F2BDFF-07D6-4A07-A0E2-2E97EA40D6B6}">
+  <ds:schemaRefs>
+    <ds:schemaRef ds:uri="http://schemas.microsoft.com/VisualStudio/2011/storyboarding/control"/>
+  </ds:schemaRefs>
+</ds:datastoreItem>
+</file>
+
+<file path=customXml/itemProps39.xml><?xml version="1.0" encoding="utf-8"?>
+<ds:datastoreItem xmlns:ds="http://schemas.openxmlformats.org/officeDocument/2006/customXml" ds:itemID="{766648F0-49FF-40F1-83E1-B23C64619456}">
+  <ds:schemaRefs>
+    <ds:schemaRef ds:uri="http://schemas.microsoft.com/VisualStudio/2011/storyboarding/control"/>
+  </ds:schemaRefs>
+</ds:datastoreItem>
+</file>
+
+<file path=customXml/itemProps4.xml><?xml version="1.0" encoding="utf-8"?>
+<ds:datastoreItem xmlns:ds="http://schemas.openxmlformats.org/officeDocument/2006/customXml" ds:itemID="{188FAC37-45E0-41F7-8724-642D105B6A65}">
+  <ds:schemaRefs>
+    <ds:schemaRef ds:uri="http://schemas.microsoft.com/VisualStudio/2011/storyboarding/control"/>
+  </ds:schemaRefs>
+</ds:datastoreItem>
+</file>
+
+<file path=customXml/itemProps40.xml><?xml version="1.0" encoding="utf-8"?>
+<ds:datastoreItem xmlns:ds="http://schemas.openxmlformats.org/officeDocument/2006/customXml" ds:itemID="{B0171A50-F4F3-4897-9CEA-5BF732AC2A10}">
+  <ds:schemaRefs>
+    <ds:schemaRef ds:uri="http://schemas.microsoft.com/VisualStudio/2011/storyboarding/control"/>
+  </ds:schemaRefs>
+</ds:datastoreItem>
+</file>
+
+<file path=customXml/itemProps41.xml><?xml version="1.0" encoding="utf-8"?>
+<ds:datastoreItem xmlns:ds="http://schemas.openxmlformats.org/officeDocument/2006/customXml" ds:itemID="{267EEED4-5A2F-43FE-BA1F-3D9158DAE06F}">
+  <ds:schemaRefs>
+    <ds:schemaRef ds:uri="http://schemas.microsoft.com/VisualStudio/2011/storyboarding/control"/>
+  </ds:schemaRefs>
+</ds:datastoreItem>
+</file>
+
+<file path=customXml/itemProps42.xml><?xml version="1.0" encoding="utf-8"?>
+<ds:datastoreItem xmlns:ds="http://schemas.openxmlformats.org/officeDocument/2006/customXml" ds:itemID="{2430F1A3-B075-4F6C-8C65-025B13C5D542}">
+  <ds:schemaRefs>
+    <ds:schemaRef ds:uri="http://schemas.microsoft.com/VisualStudio/2011/storyboarding/control"/>
+  </ds:schemaRefs>
+</ds:datastoreItem>
+</file>
+
+<file path=customXml/itemProps43.xml><?xml version="1.0" encoding="utf-8"?>
+<ds:datastoreItem xmlns:ds="http://schemas.openxmlformats.org/officeDocument/2006/customXml" ds:itemID="{6776DE18-F0A8-4FA4-AADE-3715D2D76FBE}">
+  <ds:schemaRefs>
+    <ds:schemaRef ds:uri="http://schemas.microsoft.com/VisualStudio/2011/storyboarding/control"/>
+  </ds:schemaRefs>
+</ds:datastoreItem>
+</file>
+
+<file path=customXml/itemProps44.xml><?xml version="1.0" encoding="utf-8"?>
+<ds:datastoreItem xmlns:ds="http://schemas.openxmlformats.org/officeDocument/2006/customXml" ds:itemID="{91BDD1C4-9DAF-41FC-868F-AC3987BB8113}">
+  <ds:schemaRefs>
+    <ds:schemaRef ds:uri="http://schemas.microsoft.com/VisualStudio/2011/storyboarding/control"/>
+  </ds:schemaRefs>
+</ds:datastoreItem>
+</file>
+
+<file path=customXml/itemProps45.xml><?xml version="1.0" encoding="utf-8"?>
+<ds:datastoreItem xmlns:ds="http://schemas.openxmlformats.org/officeDocument/2006/customXml" ds:itemID="{16E1D288-FFE8-4895-9BB8-CF7B26E38248}">
+  <ds:schemaRefs>
+    <ds:schemaRef ds:uri="http://schemas.microsoft.com/VisualStudio/2011/storyboarding/control"/>
+  </ds:schemaRefs>
+</ds:datastoreItem>
+</file>
+
+<file path=customXml/itemProps46.xml><?xml version="1.0" encoding="utf-8"?>
+<ds:datastoreItem xmlns:ds="http://schemas.openxmlformats.org/officeDocument/2006/customXml" ds:itemID="{2A98561B-E834-417F-AE2F-C726E6F1E422}">
+  <ds:schemaRefs>
+    <ds:schemaRef ds:uri="http://schemas.microsoft.com/VisualStudio/2011/storyboarding/control"/>
+  </ds:schemaRefs>
+</ds:datastoreItem>
+</file>
+
+<file path=customXml/itemProps47.xml><?xml version="1.0" encoding="utf-8"?>
+<ds:datastoreItem xmlns:ds="http://schemas.openxmlformats.org/officeDocument/2006/customXml" ds:itemID="{75FE23C0-5E46-4C7D-A66B-631DECD70198}">
+  <ds:schemaRefs>
+    <ds:schemaRef ds:uri="http://schemas.microsoft.com/VisualStudio/2011/storyboarding/control"/>
+  </ds:schemaRefs>
+</ds:datastoreItem>
+</file>
+
+<file path=customXml/itemProps48.xml><?xml version="1.0" encoding="utf-8"?>
+<ds:datastoreItem xmlns:ds="http://schemas.openxmlformats.org/officeDocument/2006/customXml" ds:itemID="{679F2CFF-5D05-4522-AB66-FCAB456A9C0C}">
+  <ds:schemaRefs>
+    <ds:schemaRef ds:uri="http://schemas.microsoft.com/VisualStudio/2011/storyboarding/control"/>
+  </ds:schemaRefs>
+</ds:datastoreItem>
+</file>
+
+<file path=customXml/itemProps49.xml><?xml version="1.0" encoding="utf-8"?>
+<ds:datastoreItem xmlns:ds="http://schemas.openxmlformats.org/officeDocument/2006/customXml" ds:itemID="{0C1313AA-7278-4269-A7D0-EBBEA61D66E4}">
+  <ds:schemaRefs>
+    <ds:schemaRef ds:uri="http://schemas.microsoft.com/VisualStudio/2011/storyboarding/control"/>
+  </ds:schemaRefs>
+</ds:datastoreItem>
+</file>
+
+<file path=customXml/itemProps5.xml><?xml version="1.0" encoding="utf-8"?>
+<ds:datastoreItem xmlns:ds="http://schemas.openxmlformats.org/officeDocument/2006/customXml" ds:itemID="{6BFCF6AA-A9E4-4032-AA2D-B0E00F096D71}">
+  <ds:schemaRefs>
+    <ds:schemaRef ds:uri="http://schemas.microsoft.com/VisualStudio/2011/storyboarding/control"/>
+  </ds:schemaRefs>
+</ds:datastoreItem>
+</file>
+
+<file path=customXml/itemProps50.xml><?xml version="1.0" encoding="utf-8"?>
+<ds:datastoreItem xmlns:ds="http://schemas.openxmlformats.org/officeDocument/2006/customXml" ds:itemID="{DA4AACCC-011F-4D9F-8E63-2B1630AC72DF}">
+  <ds:schemaRefs>
+    <ds:schemaRef ds:uri="http://schemas.microsoft.com/VisualStudio/2011/storyboarding/control"/>
+  </ds:schemaRefs>
+</ds:datastoreItem>
+</file>
+
+<file path=customXml/itemProps51.xml><?xml version="1.0" encoding="utf-8"?>
+<ds:datastoreItem xmlns:ds="http://schemas.openxmlformats.org/officeDocument/2006/customXml" ds:itemID="{C2145BDE-0C46-4AEF-9315-E5107AC461D1}">
+  <ds:schemaRefs>
+    <ds:schemaRef ds:uri="http://schemas.microsoft.com/VisualStudio/2011/storyboarding/control"/>
+  </ds:schemaRefs>
+</ds:datastoreItem>
+</file>
+
+<file path=customXml/itemProps52.xml><?xml version="1.0" encoding="utf-8"?>
+<ds:datastoreItem xmlns:ds="http://schemas.openxmlformats.org/officeDocument/2006/customXml" ds:itemID="{A6B07B18-7243-402D-98CD-E0B8D69D06DE}">
+  <ds:schemaRefs>
+    <ds:schemaRef ds:uri="http://schemas.microsoft.com/VisualStudio/2011/storyboarding/control"/>
+  </ds:schemaRefs>
+</ds:datastoreItem>
+</file>
+
+<file path=customXml/itemProps53.xml><?xml version="1.0" encoding="utf-8"?>
+<ds:datastoreItem xmlns:ds="http://schemas.openxmlformats.org/officeDocument/2006/customXml" ds:itemID="{1E5D70BF-4349-4CB2-B8EA-DD1D080438FC}">
+  <ds:schemaRefs>
+    <ds:schemaRef ds:uri="http://schemas.microsoft.com/VisualStudio/2011/storyboarding/control"/>
+  </ds:schemaRefs>
+</ds:datastoreItem>
+</file>
+
+<file path=customXml/itemProps54.xml><?xml version="1.0" encoding="utf-8"?>
+<ds:datastoreItem xmlns:ds="http://schemas.openxmlformats.org/officeDocument/2006/customXml" ds:itemID="{3B0B4141-EC77-4DDE-923E-F4F7BD570E9A}">
+  <ds:schemaRefs>
+    <ds:schemaRef ds:uri="http://schemas.microsoft.com/VisualStudio/2011/storyboarding/control"/>
+  </ds:schemaRefs>
+</ds:datastoreItem>
+</file>
+
+<file path=customXml/itemProps55.xml><?xml version="1.0" encoding="utf-8"?>
+<ds:datastoreItem xmlns:ds="http://schemas.openxmlformats.org/officeDocument/2006/customXml" ds:itemID="{39556573-40AB-4FA9-81F8-D5EDAF4278B7}">
+  <ds:schemaRefs>
+    <ds:schemaRef ds:uri="http://schemas.microsoft.com/VisualStudio/2011/storyboarding/control"/>
+  </ds:schemaRefs>
+</ds:datastoreItem>
+</file>
+
+<file path=customXml/itemProps56.xml><?xml version="1.0" encoding="utf-8"?>
+<ds:datastoreItem xmlns:ds="http://schemas.openxmlformats.org/officeDocument/2006/customXml" ds:itemID="{88EC2121-E389-4A0C-9F29-0B26AF679B76}">
+  <ds:schemaRefs>
+    <ds:schemaRef ds:uri="http://schemas.microsoft.com/VisualStudio/2011/storyboarding/control"/>
+  </ds:schemaRefs>
+</ds:datastoreItem>
+</file>
+
+<file path=customXml/itemProps57.xml><?xml version="1.0" encoding="utf-8"?>
+<ds:datastoreItem xmlns:ds="http://schemas.openxmlformats.org/officeDocument/2006/customXml" ds:itemID="{D547B316-5719-41CA-954B-30EE6E0DED14}">
+  <ds:schemaRefs>
+    <ds:schemaRef ds:uri="http://schemas.microsoft.com/VisualStudio/2011/storyboarding/control"/>
+  </ds:schemaRefs>
+</ds:datastoreItem>
+</file>
+
+<file path=customXml/itemProps58.xml><?xml version="1.0" encoding="utf-8"?>
 <ds:datastoreItem xmlns:ds="http://schemas.openxmlformats.org/officeDocument/2006/customXml" ds:itemID="{C8715C7B-C1D2-48DE-AAAB-4CD63062B237}">
   <ds:schemaRefs>
     <ds:schemaRef ds:uri="http://schemas.microsoft.com/VisualStudio/2011/storyboarding/control"/>
@@ -41127,7 +42236,111 @@
 </ds:datastoreItem>
 </file>
 
-<file path=customXml/itemProps10.xml><?xml version="1.0" encoding="utf-8"?>
+<file path=customXml/itemProps59.xml><?xml version="1.0" encoding="utf-8"?>
+<ds:datastoreItem xmlns:ds="http://schemas.openxmlformats.org/officeDocument/2006/customXml" ds:itemID="{81E532DF-3CBE-4BD6-9C65-91872CF6424A}">
+  <ds:schemaRefs>
+    <ds:schemaRef ds:uri="http://schemas.microsoft.com/VisualStudio/2011/storyboarding/control"/>
+  </ds:schemaRefs>
+</ds:datastoreItem>
+</file>
+
+<file path=customXml/itemProps6.xml><?xml version="1.0" encoding="utf-8"?>
+<ds:datastoreItem xmlns:ds="http://schemas.openxmlformats.org/officeDocument/2006/customXml" ds:itemID="{A43BA1AA-14FB-4F05-A415-7AA2C7F8EF1F}">
+  <ds:schemaRefs>
+    <ds:schemaRef ds:uri="http://schemas.microsoft.com/VisualStudio/2011/storyboarding/control"/>
+  </ds:schemaRefs>
+</ds:datastoreItem>
+</file>
+
+<file path=customXml/itemProps60.xml><?xml version="1.0" encoding="utf-8"?>
+<ds:datastoreItem xmlns:ds="http://schemas.openxmlformats.org/officeDocument/2006/customXml" ds:itemID="{50F7833B-8FB0-4E58-986B-30F126B5E271}">
+  <ds:schemaRefs>
+    <ds:schemaRef ds:uri="http://schemas.microsoft.com/VisualStudio/2011/storyboarding/control"/>
+  </ds:schemaRefs>
+</ds:datastoreItem>
+</file>
+
+<file path=customXml/itemProps61.xml><?xml version="1.0" encoding="utf-8"?>
+<ds:datastoreItem xmlns:ds="http://schemas.openxmlformats.org/officeDocument/2006/customXml" ds:itemID="{B9174C3D-E623-4272-B777-00E23CE4CC0A}">
+  <ds:schemaRefs>
+    <ds:schemaRef ds:uri="http://schemas.microsoft.com/VisualStudio/2011/storyboarding/control"/>
+  </ds:schemaRefs>
+</ds:datastoreItem>
+</file>
+
+<file path=customXml/itemProps62.xml><?xml version="1.0" encoding="utf-8"?>
+<ds:datastoreItem xmlns:ds="http://schemas.openxmlformats.org/officeDocument/2006/customXml" ds:itemID="{56F241C0-1A27-40C2-A494-FD387868C82B}">
+  <ds:schemaRefs>
+    <ds:schemaRef ds:uri="http://schemas.microsoft.com/VisualStudio/2011/storyboarding/control"/>
+  </ds:schemaRefs>
+</ds:datastoreItem>
+</file>
+
+<file path=customXml/itemProps63.xml><?xml version="1.0" encoding="utf-8"?>
+<ds:datastoreItem xmlns:ds="http://schemas.openxmlformats.org/officeDocument/2006/customXml" ds:itemID="{08A3A224-514C-44A1-9EDB-9448F287A518}">
+  <ds:schemaRefs>
+    <ds:schemaRef ds:uri="http://schemas.microsoft.com/VisualStudio/2011/storyboarding/control"/>
+  </ds:schemaRefs>
+</ds:datastoreItem>
+</file>
+
+<file path=customXml/itemProps64.xml><?xml version="1.0" encoding="utf-8"?>
+<ds:datastoreItem xmlns:ds="http://schemas.openxmlformats.org/officeDocument/2006/customXml" ds:itemID="{67D7C7F6-E38B-4D96-970A-FA4DC84BAE5C}">
+  <ds:schemaRefs>
+    <ds:schemaRef ds:uri="http://schemas.microsoft.com/VisualStudio/2011/storyboarding/control"/>
+  </ds:schemaRefs>
+</ds:datastoreItem>
+</file>
+
+<file path=customXml/itemProps65.xml><?xml version="1.0" encoding="utf-8"?>
+<ds:datastoreItem xmlns:ds="http://schemas.openxmlformats.org/officeDocument/2006/customXml" ds:itemID="{343286C4-86B5-408C-8984-D954687F8FBD}">
+  <ds:schemaRefs>
+    <ds:schemaRef ds:uri="http://schemas.microsoft.com/VisualStudio/2011/storyboarding/control"/>
+  </ds:schemaRefs>
+</ds:datastoreItem>
+</file>
+
+<file path=customXml/itemProps66.xml><?xml version="1.0" encoding="utf-8"?>
+<ds:datastoreItem xmlns:ds="http://schemas.openxmlformats.org/officeDocument/2006/customXml" ds:itemID="{FEE826CC-8A36-418C-9CDB-7964D74DDDDC}">
+  <ds:schemaRefs>
+    <ds:schemaRef ds:uri="http://schemas.microsoft.com/VisualStudio/2011/storyboarding/control"/>
+  </ds:schemaRefs>
+</ds:datastoreItem>
+</file>
+
+<file path=customXml/itemProps67.xml><?xml version="1.0" encoding="utf-8"?>
+<ds:datastoreItem xmlns:ds="http://schemas.openxmlformats.org/officeDocument/2006/customXml" ds:itemID="{8E301E1D-BA8A-4796-927D-27CF735EDE0D}">
+  <ds:schemaRefs>
+    <ds:schemaRef ds:uri="http://schemas.microsoft.com/VisualStudio/2011/storyboarding/control"/>
+  </ds:schemaRefs>
+</ds:datastoreItem>
+</file>
+
+<file path=customXml/itemProps68.xml><?xml version="1.0" encoding="utf-8"?>
+<ds:datastoreItem xmlns:ds="http://schemas.openxmlformats.org/officeDocument/2006/customXml" ds:itemID="{09A7E0F3-1CA3-4551-A203-9477E2D38666}">
+  <ds:schemaRefs>
+    <ds:schemaRef ds:uri="http://schemas.microsoft.com/VisualStudio/2011/storyboarding/control"/>
+  </ds:schemaRefs>
+</ds:datastoreItem>
+</file>
+
+<file path=customXml/itemProps69.xml><?xml version="1.0" encoding="utf-8"?>
+<ds:datastoreItem xmlns:ds="http://schemas.openxmlformats.org/officeDocument/2006/customXml" ds:itemID="{A038D063-FB63-46D1-B0CD-E8958E2DCAD5}">
+  <ds:schemaRefs>
+    <ds:schemaRef ds:uri="http://schemas.microsoft.com/VisualStudio/2011/storyboarding/control"/>
+  </ds:schemaRefs>
+</ds:datastoreItem>
+</file>
+
+<file path=customXml/itemProps7.xml><?xml version="1.0" encoding="utf-8"?>
+<ds:datastoreItem xmlns:ds="http://schemas.openxmlformats.org/officeDocument/2006/customXml" ds:itemID="{172C75D9-12B4-4A2F-9DCC-61597C4EF52E}">
+  <ds:schemaRefs>
+    <ds:schemaRef ds:uri="http://schemas.microsoft.com/VisualStudio/2011/storyboarding/control"/>
+  </ds:schemaRefs>
+</ds:datastoreItem>
+</file>
+
+<file path=customXml/itemProps70.xml><?xml version="1.0" encoding="utf-8"?>
 <ds:datastoreItem xmlns:ds="http://schemas.openxmlformats.org/officeDocument/2006/customXml" ds:itemID="{0FB5BF58-8DF2-4C46-8D32-9E517616E18E}">
   <ds:schemaRefs>
     <ds:schemaRef ds:uri="http://schemas.microsoft.com/VisualStudio/2011/storyboarding/control"/>
@@ -41135,15 +42348,103 @@
 </ds:datastoreItem>
 </file>
 
-<file path=customXml/itemProps100.xml><?xml version="1.0" encoding="utf-8"?>
-<ds:datastoreItem xmlns:ds="http://schemas.openxmlformats.org/officeDocument/2006/customXml" ds:itemID="{64AB39AE-7CE8-44BB-B261-C4E199047EA4}">
+<file path=customXml/itemProps71.xml><?xml version="1.0" encoding="utf-8"?>
+<ds:datastoreItem xmlns:ds="http://schemas.openxmlformats.org/officeDocument/2006/customXml" ds:itemID="{60885AAD-84A3-43B8-ABC2-6A7DFFD616C8}">
   <ds:schemaRefs>
     <ds:schemaRef ds:uri="http://schemas.microsoft.com/VisualStudio/2011/storyboarding/control"/>
   </ds:schemaRefs>
 </ds:datastoreItem>
 </file>
 
-<file path=customXml/itemProps101.xml><?xml version="1.0" encoding="utf-8"?>
+<file path=customXml/itemProps72.xml><?xml version="1.0" encoding="utf-8"?>
+<ds:datastoreItem xmlns:ds="http://schemas.openxmlformats.org/officeDocument/2006/customXml" ds:itemID="{197FD8CF-9F4E-42FF-9841-F6D0F828797D}">
+  <ds:schemaRefs>
+    <ds:schemaRef ds:uri="http://schemas.microsoft.com/VisualStudio/2011/storyboarding/control"/>
+  </ds:schemaRefs>
+</ds:datastoreItem>
+</file>
+
+<file path=customXml/itemProps73.xml><?xml version="1.0" encoding="utf-8"?>
+<ds:datastoreItem xmlns:ds="http://schemas.openxmlformats.org/officeDocument/2006/customXml" ds:itemID="{14869024-359F-4331-A65B-90C24F241563}">
+  <ds:schemaRefs>
+    <ds:schemaRef ds:uri="http://schemas.microsoft.com/VisualStudio/2011/storyboarding/control"/>
+  </ds:schemaRefs>
+</ds:datastoreItem>
+</file>
+
+<file path=customXml/itemProps74.xml><?xml version="1.0" encoding="utf-8"?>
+<ds:datastoreItem xmlns:ds="http://schemas.openxmlformats.org/officeDocument/2006/customXml" ds:itemID="{82C3092B-01FE-49E0-AF65-8F40C8D23072}">
+  <ds:schemaRefs>
+    <ds:schemaRef ds:uri="http://schemas.microsoft.com/VisualStudio/2011/storyboarding/control"/>
+  </ds:schemaRefs>
+</ds:datastoreItem>
+</file>
+
+<file path=customXml/itemProps75.xml><?xml version="1.0" encoding="utf-8"?>
+<ds:datastoreItem xmlns:ds="http://schemas.openxmlformats.org/officeDocument/2006/customXml" ds:itemID="{6F50C709-B68E-44B7-95E5-4D06DFC29466}">
+  <ds:schemaRefs>
+    <ds:schemaRef ds:uri="http://schemas.microsoft.com/VisualStudio/2011/storyboarding/control"/>
+  </ds:schemaRefs>
+</ds:datastoreItem>
+</file>
+
+<file path=customXml/itemProps76.xml><?xml version="1.0" encoding="utf-8"?>
+<ds:datastoreItem xmlns:ds="http://schemas.openxmlformats.org/officeDocument/2006/customXml" ds:itemID="{09357DA5-C1A4-4384-94CF-84A8E06C8084}">
+  <ds:schemaRefs>
+    <ds:schemaRef ds:uri="http://schemas.microsoft.com/VisualStudio/2011/storyboarding/control"/>
+  </ds:schemaRefs>
+</ds:datastoreItem>
+</file>
+
+<file path=customXml/itemProps77.xml><?xml version="1.0" encoding="utf-8"?>
+<ds:datastoreItem xmlns:ds="http://schemas.openxmlformats.org/officeDocument/2006/customXml" ds:itemID="{911C802F-4D75-4062-8A18-9FC64928F516}">
+  <ds:schemaRefs>
+    <ds:schemaRef ds:uri="http://schemas.microsoft.com/VisualStudio/2011/storyboarding/control"/>
+  </ds:schemaRefs>
+</ds:datastoreItem>
+</file>
+
+<file path=customXml/itemProps78.xml><?xml version="1.0" encoding="utf-8"?>
+<ds:datastoreItem xmlns:ds="http://schemas.openxmlformats.org/officeDocument/2006/customXml" ds:itemID="{CD9F330A-A20E-4F86-AA5D-86F6AC2E3C77}">
+  <ds:schemaRefs>
+    <ds:schemaRef ds:uri="http://schemas.microsoft.com/VisualStudio/2011/storyboarding/control"/>
+  </ds:schemaRefs>
+</ds:datastoreItem>
+</file>
+
+<file path=customXml/itemProps79.xml><?xml version="1.0" encoding="utf-8"?>
+<ds:datastoreItem xmlns:ds="http://schemas.openxmlformats.org/officeDocument/2006/customXml" ds:itemID="{9D3F2CB4-16F7-474A-8585-1F167D9C3EA7}">
+  <ds:schemaRefs>
+    <ds:schemaRef ds:uri="http://schemas.microsoft.com/VisualStudio/2011/storyboarding/control"/>
+  </ds:schemaRefs>
+</ds:datastoreItem>
+</file>
+
+<file path=customXml/itemProps8.xml><?xml version="1.0" encoding="utf-8"?>
+<ds:datastoreItem xmlns:ds="http://schemas.openxmlformats.org/officeDocument/2006/customXml" ds:itemID="{E0F68E31-D12C-4432-879C-936E205633D7}">
+  <ds:schemaRefs>
+    <ds:schemaRef ds:uri="http://schemas.microsoft.com/VisualStudio/2011/storyboarding/control"/>
+  </ds:schemaRefs>
+</ds:datastoreItem>
+</file>
+
+<file path=customXml/itemProps80.xml><?xml version="1.0" encoding="utf-8"?>
+<ds:datastoreItem xmlns:ds="http://schemas.openxmlformats.org/officeDocument/2006/customXml" ds:itemID="{A56D0FD2-5FDC-48F7-A2FB-D510F8C6E0BB}">
+  <ds:schemaRefs>
+    <ds:schemaRef ds:uri="http://schemas.microsoft.com/VisualStudio/2011/storyboarding/control"/>
+  </ds:schemaRefs>
+</ds:datastoreItem>
+</file>
+
+<file path=customXml/itemProps81.xml><?xml version="1.0" encoding="utf-8"?>
+<ds:datastoreItem xmlns:ds="http://schemas.openxmlformats.org/officeDocument/2006/customXml" ds:itemID="{AEE5701B-910B-4A2F-A1BF-E4FBA79D6811}">
+  <ds:schemaRefs>
+    <ds:schemaRef ds:uri="http://schemas.microsoft.com/VisualStudio/2011/storyboarding/control"/>
+  </ds:schemaRefs>
+</ds:datastoreItem>
+</file>
+
+<file path=customXml/itemProps82.xml><?xml version="1.0" encoding="utf-8"?>
 <ds:datastoreItem xmlns:ds="http://schemas.openxmlformats.org/officeDocument/2006/customXml" ds:itemID="{793DB01D-0203-4F51-AAF2-4A72DE25722B}">
   <ds:schemaRefs>
     <ds:schemaRef ds:uri="http://schemas.microsoft.com/VisualStudio/2011/storyboarding/control"/>
@@ -41151,63 +42452,103 @@
 </ds:datastoreItem>
 </file>
 
-<file path=customXml/itemProps102.xml><?xml version="1.0" encoding="utf-8"?>
-<ds:datastoreItem xmlns:ds="http://schemas.openxmlformats.org/officeDocument/2006/customXml" ds:itemID="{E6A08A13-1767-4E64-9888-11135DFA06F8}">
+<file path=customXml/itemProps83.xml><?xml version="1.0" encoding="utf-8"?>
+<ds:datastoreItem xmlns:ds="http://schemas.openxmlformats.org/officeDocument/2006/customXml" ds:itemID="{14BE7CE5-6863-4CC7-91C3-0A2960E47076}">
   <ds:schemaRefs>
     <ds:schemaRef ds:uri="http://schemas.microsoft.com/VisualStudio/2011/storyboarding/control"/>
   </ds:schemaRefs>
 </ds:datastoreItem>
 </file>
 
-<file path=customXml/itemProps103.xml><?xml version="1.0" encoding="utf-8"?>
-<ds:datastoreItem xmlns:ds="http://schemas.openxmlformats.org/officeDocument/2006/customXml" ds:itemID="{75FE23C0-5E46-4C7D-A66B-631DECD70198}">
+<file path=customXml/itemProps84.xml><?xml version="1.0" encoding="utf-8"?>
+<ds:datastoreItem xmlns:ds="http://schemas.openxmlformats.org/officeDocument/2006/customXml" ds:itemID="{51BB0973-91B3-4199-86DB-7254CCD4E1F2}">
   <ds:schemaRefs>
     <ds:schemaRef ds:uri="http://schemas.microsoft.com/VisualStudio/2011/storyboarding/control"/>
   </ds:schemaRefs>
 </ds:datastoreItem>
 </file>
 
-<file path=customXml/itemProps104.xml><?xml version="1.0" encoding="utf-8"?>
-<ds:datastoreItem xmlns:ds="http://schemas.openxmlformats.org/officeDocument/2006/customXml" ds:itemID="{CADBC63B-87AE-478F-B6F6-4AB36107CE5B}">
+<file path=customXml/itemProps85.xml><?xml version="1.0" encoding="utf-8"?>
+<ds:datastoreItem xmlns:ds="http://schemas.openxmlformats.org/officeDocument/2006/customXml" ds:itemID="{D8AD332A-0EB1-47E3-9C6B-8FA70A64F60D}">
   <ds:schemaRefs>
     <ds:schemaRef ds:uri="http://schemas.microsoft.com/VisualStudio/2011/storyboarding/control"/>
   </ds:schemaRefs>
 </ds:datastoreItem>
 </file>
 
-<file path=customXml/itemProps105.xml><?xml version="1.0" encoding="utf-8"?>
-<ds:datastoreItem xmlns:ds="http://schemas.openxmlformats.org/officeDocument/2006/customXml" ds:itemID="{5B23F545-3E52-4FA6-AEAE-FCC956FDF35D}">
+<file path=customXml/itemProps86.xml><?xml version="1.0" encoding="utf-8"?>
+<ds:datastoreItem xmlns:ds="http://schemas.openxmlformats.org/officeDocument/2006/customXml" ds:itemID="{50BB8CEB-7256-474F-BDF4-2709FB22CF60}">
   <ds:schemaRefs>
     <ds:schemaRef ds:uri="http://schemas.microsoft.com/VisualStudio/2011/storyboarding/control"/>
   </ds:schemaRefs>
 </ds:datastoreItem>
 </file>
 
-<file path=customXml/itemProps106.xml><?xml version="1.0" encoding="utf-8"?>
-<ds:datastoreItem xmlns:ds="http://schemas.openxmlformats.org/officeDocument/2006/customXml" ds:itemID="{FEE826CC-8A36-418C-9CDB-7964D74DDDDC}">
+<file path=customXml/itemProps87.xml><?xml version="1.0" encoding="utf-8"?>
+<ds:datastoreItem xmlns:ds="http://schemas.openxmlformats.org/officeDocument/2006/customXml" ds:itemID="{48B07E2E-CC8E-4332-8503-2CC90F6922EB}">
   <ds:schemaRefs>
     <ds:schemaRef ds:uri="http://schemas.microsoft.com/VisualStudio/2011/storyboarding/control"/>
   </ds:schemaRefs>
 </ds:datastoreItem>
 </file>
 
-<file path=customXml/itemProps107.xml><?xml version="1.0" encoding="utf-8"?>
-<ds:datastoreItem xmlns:ds="http://schemas.openxmlformats.org/officeDocument/2006/customXml" ds:itemID="{C632C06B-1865-4295-B48A-15821BB0B1DB}">
+<file path=customXml/itemProps88.xml><?xml version="1.0" encoding="utf-8"?>
+<ds:datastoreItem xmlns:ds="http://schemas.openxmlformats.org/officeDocument/2006/customXml" ds:itemID="{93830A8C-7D67-44AA-91CE-2FD1D6C03452}">
   <ds:schemaRefs>
     <ds:schemaRef ds:uri="http://schemas.microsoft.com/VisualStudio/2011/storyboarding/control"/>
   </ds:schemaRefs>
 </ds:datastoreItem>
 </file>
 
-<file path=customXml/itemProps108.xml><?xml version="1.0" encoding="utf-8"?>
-<ds:datastoreItem xmlns:ds="http://schemas.openxmlformats.org/officeDocument/2006/customXml" ds:itemID="{679F2CFF-5D05-4522-AB66-FCAB456A9C0C}">
+<file path=customXml/itemProps89.xml><?xml version="1.0" encoding="utf-8"?>
+<ds:datastoreItem xmlns:ds="http://schemas.openxmlformats.org/officeDocument/2006/customXml" ds:itemID="{D74528CC-7DA8-41D1-934F-B691605AC92F}">
   <ds:schemaRefs>
     <ds:schemaRef ds:uri="http://schemas.microsoft.com/VisualStudio/2011/storyboarding/control"/>
   </ds:schemaRefs>
 </ds:datastoreItem>
 </file>
 
-<file path=customXml/itemProps109.xml><?xml version="1.0" encoding="utf-8"?>
+<file path=customXml/itemProps9.xml><?xml version="1.0" encoding="utf-8"?>
+<ds:datastoreItem xmlns:ds="http://schemas.openxmlformats.org/officeDocument/2006/customXml" ds:itemID="{FB53F0B6-9982-4370-B40D-CAFC23EFA774}">
+  <ds:schemaRefs>
+    <ds:schemaRef ds:uri="http://schemas.microsoft.com/VisualStudio/2011/storyboarding/control"/>
+  </ds:schemaRefs>
+</ds:datastoreItem>
+</file>
+
+<file path=customXml/itemProps90.xml><?xml version="1.0" encoding="utf-8"?>
+<ds:datastoreItem xmlns:ds="http://schemas.openxmlformats.org/officeDocument/2006/customXml" ds:itemID="{BC5A347B-49FB-466B-86D2-DD4D65AFDA0A}">
+  <ds:schemaRefs>
+    <ds:schemaRef ds:uri="http://schemas.microsoft.com/VisualStudio/2011/storyboarding/control"/>
+  </ds:schemaRefs>
+</ds:datastoreItem>
+</file>
+
+<file path=customXml/itemProps91.xml><?xml version="1.0" encoding="utf-8"?>
+<ds:datastoreItem xmlns:ds="http://schemas.openxmlformats.org/officeDocument/2006/customXml" ds:itemID="{5F408A3A-30E8-4F86-B657-BC9F208AAABF}">
+  <ds:schemaRefs>
+    <ds:schemaRef ds:uri="http://schemas.microsoft.com/VisualStudio/2011/storyboarding/control"/>
+  </ds:schemaRefs>
+</ds:datastoreItem>
+</file>
+
+<file path=customXml/itemProps92.xml><?xml version="1.0" encoding="utf-8"?>
+<ds:datastoreItem xmlns:ds="http://schemas.openxmlformats.org/officeDocument/2006/customXml" ds:itemID="{A301B6AA-806D-4BD7-ABD0-2D255D543024}">
+  <ds:schemaRefs>
+    <ds:schemaRef ds:uri="http://schemas.microsoft.com/VisualStudio/2011/storyboarding/control"/>
+  </ds:schemaRefs>
+</ds:datastoreItem>
+</file>
+
+<file path=customXml/itemProps93.xml><?xml version="1.0" encoding="utf-8"?>
+<ds:datastoreItem xmlns:ds="http://schemas.openxmlformats.org/officeDocument/2006/customXml" ds:itemID="{B0DF54CB-02AC-4D93-B425-47663CEEF3A0}">
+  <ds:schemaRefs>
+    <ds:schemaRef ds:uri="http://schemas.microsoft.com/VisualStudio/2011/storyboarding/control"/>
+  </ds:schemaRefs>
+</ds:datastoreItem>
+</file>
+
+<file path=customXml/itemProps94.xml><?xml version="1.0" encoding="utf-8"?>
 <ds:datastoreItem xmlns:ds="http://schemas.openxmlformats.org/officeDocument/2006/customXml" ds:itemID="{BCF0A970-1641-4617-9FDB-24B955680F08}">
   <ds:schemaRefs>
     <ds:schemaRef ds:uri="http://schemas.microsoft.com/VisualStudio/2011/storyboarding/control"/>
@@ -41215,551 +42556,7 @@
 </ds:datastoreItem>
 </file>
 
-<file path=customXml/itemProps11.xml><?xml version="1.0" encoding="utf-8"?>
-<ds:datastoreItem xmlns:ds="http://schemas.openxmlformats.org/officeDocument/2006/customXml" ds:itemID="{38E9D473-47F5-40DB-9C24-104FDCD57202}">
-  <ds:schemaRefs>
-    <ds:schemaRef ds:uri="http://schemas.microsoft.com/VisualStudio/2011/storyboarding/control"/>
-  </ds:schemaRefs>
-</ds:datastoreItem>
-</file>
-
-<file path=customXml/itemProps110.xml><?xml version="1.0" encoding="utf-8"?>
-<ds:datastoreItem xmlns:ds="http://schemas.openxmlformats.org/officeDocument/2006/customXml" ds:itemID="{0534919D-FF1D-45B9-8039-7F591660D238}">
-  <ds:schemaRefs>
-    <ds:schemaRef ds:uri="http://schemas.microsoft.com/VisualStudio/2011/storyboarding/control"/>
-  </ds:schemaRefs>
-</ds:datastoreItem>
-</file>
-
-<file path=customXml/itemProps111.xml><?xml version="1.0" encoding="utf-8"?>
-<ds:datastoreItem xmlns:ds="http://schemas.openxmlformats.org/officeDocument/2006/customXml" ds:itemID="{A45807A2-4C9E-4545-937E-36710362F5D4}">
-  <ds:schemaRefs>
-    <ds:schemaRef ds:uri="http://schemas.microsoft.com/VisualStudio/2011/storyboarding/control"/>
-  </ds:schemaRefs>
-</ds:datastoreItem>
-</file>
-
-<file path=customXml/itemProps112.xml><?xml version="1.0" encoding="utf-8"?>
-<ds:datastoreItem xmlns:ds="http://schemas.openxmlformats.org/officeDocument/2006/customXml" ds:itemID="{FB53F0B6-9982-4370-B40D-CAFC23EFA774}">
-  <ds:schemaRefs>
-    <ds:schemaRef ds:uri="http://schemas.microsoft.com/VisualStudio/2011/storyboarding/control"/>
-  </ds:schemaRefs>
-</ds:datastoreItem>
-</file>
-
-<file path=customXml/itemProps113.xml><?xml version="1.0" encoding="utf-8"?>
-<ds:datastoreItem xmlns:ds="http://schemas.openxmlformats.org/officeDocument/2006/customXml" ds:itemID="{678CDCEB-A2AD-4567-8A90-81D304A9AF7B}">
-  <ds:schemaRefs>
-    <ds:schemaRef ds:uri="http://schemas.microsoft.com/VisualStudio/2011/storyboarding/control"/>
-  </ds:schemaRefs>
-</ds:datastoreItem>
-</file>
-
-<file path=customXml/itemProps114.xml><?xml version="1.0" encoding="utf-8"?>
-<ds:datastoreItem xmlns:ds="http://schemas.openxmlformats.org/officeDocument/2006/customXml" ds:itemID="{8E301E1D-BA8A-4796-927D-27CF735EDE0D}">
-  <ds:schemaRefs>
-    <ds:schemaRef ds:uri="http://schemas.microsoft.com/VisualStudio/2011/storyboarding/control"/>
-  </ds:schemaRefs>
-</ds:datastoreItem>
-</file>
-
-<file path=customXml/itemProps115.xml><?xml version="1.0" encoding="utf-8"?>
-<ds:datastoreItem xmlns:ds="http://schemas.openxmlformats.org/officeDocument/2006/customXml" ds:itemID="{EC7FD869-742C-4D81-B80B-1A4B52BFCD02}">
-  <ds:schemaRefs>
-    <ds:schemaRef ds:uri="http://schemas.microsoft.com/VisualStudio/2011/storyboarding/control"/>
-  </ds:schemaRefs>
-</ds:datastoreItem>
-</file>
-
-<file path=customXml/itemProps116.xml><?xml version="1.0" encoding="utf-8"?>
-<ds:datastoreItem xmlns:ds="http://schemas.openxmlformats.org/officeDocument/2006/customXml" ds:itemID="{AE1F0795-B1FD-41FD-8F71-E0B0051AE385}">
-  <ds:schemaRefs>
-    <ds:schemaRef ds:uri="http://schemas.microsoft.com/VisualStudio/2011/storyboarding/control"/>
-  </ds:schemaRefs>
-</ds:datastoreItem>
-</file>
-
-<file path=customXml/itemProps117.xml><?xml version="1.0" encoding="utf-8"?>
-<ds:datastoreItem xmlns:ds="http://schemas.openxmlformats.org/officeDocument/2006/customXml" ds:itemID="{21C36469-E543-4494-8EDE-68836603ECFE}">
-  <ds:schemaRefs>
-    <ds:schemaRef ds:uri="http://schemas.microsoft.com/VisualStudio/2011/storyboarding/control"/>
-  </ds:schemaRefs>
-</ds:datastoreItem>
-</file>
-
-<file path=customXml/itemProps118.xml><?xml version="1.0" encoding="utf-8"?>
-<ds:datastoreItem xmlns:ds="http://schemas.openxmlformats.org/officeDocument/2006/customXml" ds:itemID="{C9123711-13B3-422E-B5DB-6EF87C4AD9C8}">
-  <ds:schemaRefs>
-    <ds:schemaRef ds:uri="http://schemas.microsoft.com/VisualStudio/2011/storyboarding/control"/>
-  </ds:schemaRefs>
-</ds:datastoreItem>
-</file>
-
-<file path=customXml/itemProps119.xml><?xml version="1.0" encoding="utf-8"?>
-<ds:datastoreItem xmlns:ds="http://schemas.openxmlformats.org/officeDocument/2006/customXml" ds:itemID="{09A7E0F3-1CA3-4551-A203-9477E2D38666}">
-  <ds:schemaRefs>
-    <ds:schemaRef ds:uri="http://schemas.microsoft.com/VisualStudio/2011/storyboarding/control"/>
-  </ds:schemaRefs>
-</ds:datastoreItem>
-</file>
-
-<file path=customXml/itemProps12.xml><?xml version="1.0" encoding="utf-8"?>
-<ds:datastoreItem xmlns:ds="http://schemas.openxmlformats.org/officeDocument/2006/customXml" ds:itemID="{2430F1A3-B075-4F6C-8C65-025B13C5D542}">
-  <ds:schemaRefs>
-    <ds:schemaRef ds:uri="http://schemas.microsoft.com/VisualStudio/2011/storyboarding/control"/>
-  </ds:schemaRefs>
-</ds:datastoreItem>
-</file>
-
-<file path=customXml/itemProps120.xml><?xml version="1.0" encoding="utf-8"?>
-<ds:datastoreItem xmlns:ds="http://schemas.openxmlformats.org/officeDocument/2006/customXml" ds:itemID="{EFF1A358-6949-4FC4-98B1-D561BD19A69E}">
-  <ds:schemaRefs>
-    <ds:schemaRef ds:uri="http://schemas.microsoft.com/VisualStudio/2011/storyboarding/control"/>
-  </ds:schemaRefs>
-</ds:datastoreItem>
-</file>
-
-<file path=customXml/itemProps121.xml><?xml version="1.0" encoding="utf-8"?>
-<ds:datastoreItem xmlns:ds="http://schemas.openxmlformats.org/officeDocument/2006/customXml" ds:itemID="{A5DB7CA0-7491-4538-9386-987346C649A4}">
-  <ds:schemaRefs>
-    <ds:schemaRef ds:uri="http://schemas.microsoft.com/VisualStudio/2011/storyboarding/control"/>
-  </ds:schemaRefs>
-</ds:datastoreItem>
-</file>
-
-<file path=customXml/itemProps122.xml><?xml version="1.0" encoding="utf-8"?>
-<ds:datastoreItem xmlns:ds="http://schemas.openxmlformats.org/officeDocument/2006/customXml" ds:itemID="{14BE7CE5-6863-4CC7-91C3-0A2960E47076}">
-  <ds:schemaRefs>
-    <ds:schemaRef ds:uri="http://schemas.microsoft.com/VisualStudio/2011/storyboarding/control"/>
-  </ds:schemaRefs>
-</ds:datastoreItem>
-</file>
-
-<file path=customXml/itemProps123.xml><?xml version="1.0" encoding="utf-8"?>
-<ds:datastoreItem xmlns:ds="http://schemas.openxmlformats.org/officeDocument/2006/customXml" ds:itemID="{512A76A4-ED3A-4D9B-960F-DACB1478AD9B}">
-  <ds:schemaRefs>
-    <ds:schemaRef ds:uri="http://schemas.microsoft.com/VisualStudio/2011/storyboarding/control"/>
-  </ds:schemaRefs>
-</ds:datastoreItem>
-</file>
-
-<file path=customXml/itemProps124.xml><?xml version="1.0" encoding="utf-8"?>
-<ds:datastoreItem xmlns:ds="http://schemas.openxmlformats.org/officeDocument/2006/customXml" ds:itemID="{0C1313AA-7278-4269-A7D0-EBBEA61D66E4}">
-  <ds:schemaRefs>
-    <ds:schemaRef ds:uri="http://schemas.microsoft.com/VisualStudio/2011/storyboarding/control"/>
-  </ds:schemaRefs>
-</ds:datastoreItem>
-</file>
-
-<file path=customXml/itemProps125.xml><?xml version="1.0" encoding="utf-8"?>
-<ds:datastoreItem xmlns:ds="http://schemas.openxmlformats.org/officeDocument/2006/customXml" ds:itemID="{EF270EE9-E12F-42B9-A316-B4EE80D98BB3}">
-  <ds:schemaRefs>
-    <ds:schemaRef ds:uri="http://schemas.microsoft.com/VisualStudio/2011/storyboarding/control"/>
-  </ds:schemaRefs>
-</ds:datastoreItem>
-</file>
-
-<file path=customXml/itemProps126.xml><?xml version="1.0" encoding="utf-8"?>
-<ds:datastoreItem xmlns:ds="http://schemas.openxmlformats.org/officeDocument/2006/customXml" ds:itemID="{6CBAAA4C-BEC9-4C1D-A100-701841659039}">
-  <ds:schemaRefs>
-    <ds:schemaRef ds:uri="http://schemas.microsoft.com/VisualStudio/2011/storyboarding/control"/>
-  </ds:schemaRefs>
-</ds:datastoreItem>
-</file>
-
-<file path=customXml/itemProps127.xml><?xml version="1.0" encoding="utf-8"?>
-<ds:datastoreItem xmlns:ds="http://schemas.openxmlformats.org/officeDocument/2006/customXml" ds:itemID="{A038D063-FB63-46D1-B0CD-E8958E2DCAD5}">
-  <ds:schemaRefs>
-    <ds:schemaRef ds:uri="http://schemas.microsoft.com/VisualStudio/2011/storyboarding/control"/>
-  </ds:schemaRefs>
-</ds:datastoreItem>
-</file>
-
-<file path=customXml/itemProps128.xml><?xml version="1.0" encoding="utf-8"?>
-<ds:datastoreItem xmlns:ds="http://schemas.openxmlformats.org/officeDocument/2006/customXml" ds:itemID="{0412A9CE-E875-416D-BD1E-455F1B0B5287}">
-  <ds:schemaRefs>
-    <ds:schemaRef ds:uri="http://schemas.microsoft.com/VisualStudio/2011/storyboarding/control"/>
-  </ds:schemaRefs>
-</ds:datastoreItem>
-</file>
-
-<file path=customXml/itemProps129.xml><?xml version="1.0" encoding="utf-8"?>
-<ds:datastoreItem xmlns:ds="http://schemas.openxmlformats.org/officeDocument/2006/customXml" ds:itemID="{DA4AACCC-011F-4D9F-8E63-2B1630AC72DF}">
-  <ds:schemaRefs>
-    <ds:schemaRef ds:uri="http://schemas.microsoft.com/VisualStudio/2011/storyboarding/control"/>
-  </ds:schemaRefs>
-</ds:datastoreItem>
-</file>
-
-<file path=customXml/itemProps13.xml><?xml version="1.0" encoding="utf-8"?>
-<ds:datastoreItem xmlns:ds="http://schemas.openxmlformats.org/officeDocument/2006/customXml" ds:itemID="{5F408A3A-30E8-4F86-B657-BC9F208AAABF}">
-  <ds:schemaRefs>
-    <ds:schemaRef ds:uri="http://schemas.microsoft.com/VisualStudio/2011/storyboarding/control"/>
-  </ds:schemaRefs>
-</ds:datastoreItem>
-</file>
-
-<file path=customXml/itemProps130.xml><?xml version="1.0" encoding="utf-8"?>
-<ds:datastoreItem xmlns:ds="http://schemas.openxmlformats.org/officeDocument/2006/customXml" ds:itemID="{51BB0973-91B3-4199-86DB-7254CCD4E1F2}">
-  <ds:schemaRefs>
-    <ds:schemaRef ds:uri="http://schemas.microsoft.com/VisualStudio/2011/storyboarding/control"/>
-  </ds:schemaRefs>
-</ds:datastoreItem>
-</file>
-
-<file path=customXml/itemProps131.xml><?xml version="1.0" encoding="utf-8"?>
-<ds:datastoreItem xmlns:ds="http://schemas.openxmlformats.org/officeDocument/2006/customXml" ds:itemID="{CCCE838B-EDA4-4E01-9A30-CF7953B8193C}">
-  <ds:schemaRefs>
-    <ds:schemaRef ds:uri="http://schemas.microsoft.com/VisualStudio/2011/storyboarding/control"/>
-  </ds:schemaRefs>
-</ds:datastoreItem>
-</file>
-
-<file path=customXml/itemProps132.xml><?xml version="1.0" encoding="utf-8"?>
-<ds:datastoreItem xmlns:ds="http://schemas.openxmlformats.org/officeDocument/2006/customXml" ds:itemID="{1CF36B45-1186-4CD4-B840-70412B00449C}">
-  <ds:schemaRefs>
-    <ds:schemaRef ds:uri="http://schemas.microsoft.com/VisualStudio/2011/storyboarding/control"/>
-  </ds:schemaRefs>
-</ds:datastoreItem>
-</file>
-
-<file path=customXml/itemProps133.xml><?xml version="1.0" encoding="utf-8"?>
-<ds:datastoreItem xmlns:ds="http://schemas.openxmlformats.org/officeDocument/2006/customXml" ds:itemID="{5B886F35-FF97-4259-8B63-14A9C8A8B29F}">
-  <ds:schemaRefs>
-    <ds:schemaRef ds:uri="http://schemas.microsoft.com/VisualStudio/2011/storyboarding/control"/>
-  </ds:schemaRefs>
-</ds:datastoreItem>
-</file>
-
-<file path=customXml/itemProps134.xml><?xml version="1.0" encoding="utf-8"?>
-<ds:datastoreItem xmlns:ds="http://schemas.openxmlformats.org/officeDocument/2006/customXml" ds:itemID="{3E875F03-6442-41E5-9236-C4E77884B1DD}">
-  <ds:schemaRefs>
-    <ds:schemaRef ds:uri="http://schemas.microsoft.com/VisualStudio/2011/storyboarding/control"/>
-  </ds:schemaRefs>
-</ds:datastoreItem>
-</file>
-
-<file path=customXml/itemProps135.xml><?xml version="1.0" encoding="utf-8"?>
-<ds:datastoreItem xmlns:ds="http://schemas.openxmlformats.org/officeDocument/2006/customXml" ds:itemID="{D8AD332A-0EB1-47E3-9C6B-8FA70A64F60D}">
-  <ds:schemaRefs>
-    <ds:schemaRef ds:uri="http://schemas.microsoft.com/VisualStudio/2011/storyboarding/control"/>
-  </ds:schemaRefs>
-</ds:datastoreItem>
-</file>
-
-<file path=customXml/itemProps136.xml><?xml version="1.0" encoding="utf-8"?>
-<ds:datastoreItem xmlns:ds="http://schemas.openxmlformats.org/officeDocument/2006/customXml" ds:itemID="{705670F7-BBAD-4097-A3FB-7CFF975000F8}">
-  <ds:schemaRefs>
-    <ds:schemaRef ds:uri="http://schemas.microsoft.com/VisualStudio/2011/storyboarding/control"/>
-  </ds:schemaRefs>
-</ds:datastoreItem>
-</file>
-
-<file path=customXml/itemProps137.xml><?xml version="1.0" encoding="utf-8"?>
-<ds:datastoreItem xmlns:ds="http://schemas.openxmlformats.org/officeDocument/2006/customXml" ds:itemID="{C3CD2A27-F8BC-4C33-A21C-177D08FCCD88}">
-  <ds:schemaRefs>
-    <ds:schemaRef ds:uri="http://schemas.microsoft.com/VisualStudio/2011/storyboarding/control"/>
-  </ds:schemaRefs>
-</ds:datastoreItem>
-</file>
-
-<file path=customXml/itemProps138.xml><?xml version="1.0" encoding="utf-8"?>
-<ds:datastoreItem xmlns:ds="http://schemas.openxmlformats.org/officeDocument/2006/customXml" ds:itemID="{011D291E-2732-43EA-B1CD-90DE1909F6A5}">
-  <ds:schemaRefs>
-    <ds:schemaRef ds:uri="http://schemas.microsoft.com/VisualStudio/2011/storyboarding/control"/>
-  </ds:schemaRefs>
-</ds:datastoreItem>
-</file>
-
-<file path=customXml/itemProps139.xml><?xml version="1.0" encoding="utf-8"?>
-<ds:datastoreItem xmlns:ds="http://schemas.openxmlformats.org/officeDocument/2006/customXml" ds:itemID="{31F2BDFF-07D6-4A07-A0E2-2E97EA40D6B6}">
-  <ds:schemaRefs>
-    <ds:schemaRef ds:uri="http://schemas.microsoft.com/VisualStudio/2011/storyboarding/control"/>
-  </ds:schemaRefs>
-</ds:datastoreItem>
-</file>
-
-<file path=customXml/itemProps14.xml><?xml version="1.0" encoding="utf-8"?>
-<ds:datastoreItem xmlns:ds="http://schemas.openxmlformats.org/officeDocument/2006/customXml" ds:itemID="{E5CCECB2-7AA1-425F-98BD-8A09FB93B9C8}">
-  <ds:schemaRefs>
-    <ds:schemaRef ds:uri="http://schemas.microsoft.com/VisualStudio/2011/storyboarding/control"/>
-  </ds:schemaRefs>
-</ds:datastoreItem>
-</file>
-
-<file path=customXml/itemProps140.xml><?xml version="1.0" encoding="utf-8"?>
-<ds:datastoreItem xmlns:ds="http://schemas.openxmlformats.org/officeDocument/2006/customXml" ds:itemID="{88EC2121-E389-4A0C-9F29-0B26AF679B76}">
-  <ds:schemaRefs>
-    <ds:schemaRef ds:uri="http://schemas.microsoft.com/VisualStudio/2011/storyboarding/control"/>
-  </ds:schemaRefs>
-</ds:datastoreItem>
-</file>
-
-<file path=customXml/itemProps141.xml><?xml version="1.0" encoding="utf-8"?>
-<ds:datastoreItem xmlns:ds="http://schemas.openxmlformats.org/officeDocument/2006/customXml" ds:itemID="{687EEC1D-8D3C-4EDB-B86E-308B532F62E1}">
-  <ds:schemaRefs>
-    <ds:schemaRef ds:uri="http://schemas.microsoft.com/VisualStudio/2011/storyboarding/control"/>
-  </ds:schemaRefs>
-</ds:datastoreItem>
-</file>
-
-<file path=customXml/itemProps142.xml><?xml version="1.0" encoding="utf-8"?>
-<ds:datastoreItem xmlns:ds="http://schemas.openxmlformats.org/officeDocument/2006/customXml" ds:itemID="{1049C07D-933C-4380-92AD-94464F9A845F}">
-  <ds:schemaRefs>
-    <ds:schemaRef ds:uri="http://schemas.microsoft.com/VisualStudio/2011/storyboarding/control"/>
-  </ds:schemaRefs>
-</ds:datastoreItem>
-</file>
-
-<file path=customXml/itemProps143.xml><?xml version="1.0" encoding="utf-8"?>
-<ds:datastoreItem xmlns:ds="http://schemas.openxmlformats.org/officeDocument/2006/customXml" ds:itemID="{50BB8CEB-7256-474F-BDF4-2709FB22CF60}">
-  <ds:schemaRefs>
-    <ds:schemaRef ds:uri="http://schemas.microsoft.com/VisualStudio/2011/storyboarding/control"/>
-  </ds:schemaRefs>
-</ds:datastoreItem>
-</file>
-
-<file path=customXml/itemProps144.xml><?xml version="1.0" encoding="utf-8"?>
-<ds:datastoreItem xmlns:ds="http://schemas.openxmlformats.org/officeDocument/2006/customXml" ds:itemID="{D29B6DC1-5C9A-44CD-964E-68BDB0ACC9B8}">
-  <ds:schemaRefs>
-    <ds:schemaRef ds:uri="http://schemas.microsoft.com/VisualStudio/2011/storyboarding/control"/>
-  </ds:schemaRefs>
-</ds:datastoreItem>
-</file>
-
-<file path=customXml/itemProps145.xml><?xml version="1.0" encoding="utf-8"?>
-<ds:datastoreItem xmlns:ds="http://schemas.openxmlformats.org/officeDocument/2006/customXml" ds:itemID="{D547B316-5719-41CA-954B-30EE6E0DED14}">
-  <ds:schemaRefs>
-    <ds:schemaRef ds:uri="http://schemas.microsoft.com/VisualStudio/2011/storyboarding/control"/>
-  </ds:schemaRefs>
-</ds:datastoreItem>
-</file>
-
-<file path=customXml/itemProps146.xml><?xml version="1.0" encoding="utf-8"?>
-<ds:datastoreItem xmlns:ds="http://schemas.openxmlformats.org/officeDocument/2006/customXml" ds:itemID="{6C84617E-D9F6-45BA-949C-5D7696904EAE}">
-  <ds:schemaRefs>
-    <ds:schemaRef ds:uri="http://schemas.microsoft.com/VisualStudio/2011/storyboarding/control"/>
-  </ds:schemaRefs>
-</ds:datastoreItem>
-</file>
-
-<file path=customXml/itemProps147.xml><?xml version="1.0" encoding="utf-8"?>
-<ds:datastoreItem xmlns:ds="http://schemas.openxmlformats.org/officeDocument/2006/customXml" ds:itemID="{B363A10D-EFD5-4C10-9057-A847BCC9E332}">
-  <ds:schemaRefs>
-    <ds:schemaRef ds:uri="http://schemas.microsoft.com/VisualStudio/2011/storyboarding/control"/>
-  </ds:schemaRefs>
-</ds:datastoreItem>
-</file>
-
-<file path=customXml/itemProps148.xml><?xml version="1.0" encoding="utf-8"?>
-<ds:datastoreItem xmlns:ds="http://schemas.openxmlformats.org/officeDocument/2006/customXml" ds:itemID="{48B07E2E-CC8E-4332-8503-2CC90F6922EB}">
-  <ds:schemaRefs>
-    <ds:schemaRef ds:uri="http://schemas.microsoft.com/VisualStudio/2011/storyboarding/control"/>
-  </ds:schemaRefs>
-</ds:datastoreItem>
-</file>
-
-<file path=customXml/itemProps149.xml><?xml version="1.0" encoding="utf-8"?>
-<ds:datastoreItem xmlns:ds="http://schemas.openxmlformats.org/officeDocument/2006/customXml" ds:itemID="{62E2BC58-41C5-463C-92EF-A027F1255508}">
-  <ds:schemaRefs>
-    <ds:schemaRef ds:uri="http://schemas.microsoft.com/VisualStudio/2011/storyboarding/control"/>
-  </ds:schemaRefs>
-</ds:datastoreItem>
-</file>
-
-<file path=customXml/itemProps15.xml><?xml version="1.0" encoding="utf-8"?>
-<ds:datastoreItem xmlns:ds="http://schemas.openxmlformats.org/officeDocument/2006/customXml" ds:itemID="{50F7833B-8FB0-4E58-986B-30F126B5E271}">
-  <ds:schemaRefs>
-    <ds:schemaRef ds:uri="http://schemas.microsoft.com/VisualStudio/2011/storyboarding/control"/>
-  </ds:schemaRefs>
-</ds:datastoreItem>
-</file>
-
-<file path=customXml/itemProps150.xml><?xml version="1.0" encoding="utf-8"?>
-<ds:datastoreItem xmlns:ds="http://schemas.openxmlformats.org/officeDocument/2006/customXml" ds:itemID="{267EEED4-5A2F-43FE-BA1F-3D9158DAE06F}">
-  <ds:schemaRefs>
-    <ds:schemaRef ds:uri="http://schemas.microsoft.com/VisualStudio/2011/storyboarding/control"/>
-  </ds:schemaRefs>
-</ds:datastoreItem>
-</file>
-
-<file path=customXml/itemProps151.xml><?xml version="1.0" encoding="utf-8"?>
-<ds:datastoreItem xmlns:ds="http://schemas.openxmlformats.org/officeDocument/2006/customXml" ds:itemID="{93830A8C-7D67-44AA-91CE-2FD1D6C03452}">
-  <ds:schemaRefs>
-    <ds:schemaRef ds:uri="http://schemas.microsoft.com/VisualStudio/2011/storyboarding/control"/>
-  </ds:schemaRefs>
-</ds:datastoreItem>
-</file>
-
-<file path=customXml/itemProps152.xml><?xml version="1.0" encoding="utf-8"?>
-<ds:datastoreItem xmlns:ds="http://schemas.openxmlformats.org/officeDocument/2006/customXml" ds:itemID="{A999FA44-997B-4CBC-BE9B-94F01E281518}">
-  <ds:schemaRefs>
-    <ds:schemaRef ds:uri="http://schemas.microsoft.com/VisualStudio/2011/storyboarding/control"/>
-  </ds:schemaRefs>
-</ds:datastoreItem>
-</file>
-
-<file path=customXml/itemProps16.xml><?xml version="1.0" encoding="utf-8"?>
-<ds:datastoreItem xmlns:ds="http://schemas.openxmlformats.org/officeDocument/2006/customXml" ds:itemID="{C084A5A1-1DFB-439E-A3BE-8FF0C8E1C3A2}">
-  <ds:schemaRefs>
-    <ds:schemaRef ds:uri="http://schemas.microsoft.com/VisualStudio/2011/storyboarding/control"/>
-  </ds:schemaRefs>
-</ds:datastoreItem>
-</file>
-
-<file path=customXml/itemProps17.xml><?xml version="1.0" encoding="utf-8"?>
-<ds:datastoreItem xmlns:ds="http://schemas.openxmlformats.org/officeDocument/2006/customXml" ds:itemID="{6776DE18-F0A8-4FA4-AADE-3715D2D76FBE}">
-  <ds:schemaRefs>
-    <ds:schemaRef ds:uri="http://schemas.microsoft.com/VisualStudio/2011/storyboarding/control"/>
-  </ds:schemaRefs>
-</ds:datastoreItem>
-</file>
-
-<file path=customXml/itemProps18.xml><?xml version="1.0" encoding="utf-8"?>
-<ds:datastoreItem xmlns:ds="http://schemas.openxmlformats.org/officeDocument/2006/customXml" ds:itemID="{A301B6AA-806D-4BD7-ABD0-2D255D543024}">
-  <ds:schemaRefs>
-    <ds:schemaRef ds:uri="http://schemas.microsoft.com/VisualStudio/2011/storyboarding/control"/>
-  </ds:schemaRefs>
-</ds:datastoreItem>
-</file>
-
-<file path=customXml/itemProps19.xml><?xml version="1.0" encoding="utf-8"?>
-<ds:datastoreItem xmlns:ds="http://schemas.openxmlformats.org/officeDocument/2006/customXml" ds:itemID="{9D6B0E53-600E-4C84-A524-CC3A253F2D61}">
-  <ds:schemaRefs>
-    <ds:schemaRef ds:uri="http://schemas.microsoft.com/VisualStudio/2011/storyboarding/control"/>
-  </ds:schemaRefs>
-</ds:datastoreItem>
-</file>
-
-<file path=customXml/itemProps2.xml><?xml version="1.0" encoding="utf-8"?>
-<ds:datastoreItem xmlns:ds="http://schemas.openxmlformats.org/officeDocument/2006/customXml" ds:itemID="{4225A968-C7CC-49C2-B0AF-1EC65969F65F}">
-  <ds:schemaRefs>
-    <ds:schemaRef ds:uri="http://schemas.microsoft.com/VisualStudio/2011/storyboarding/control"/>
-  </ds:schemaRefs>
-</ds:datastoreItem>
-</file>
-
-<file path=customXml/itemProps20.xml><?xml version="1.0" encoding="utf-8"?>
-<ds:datastoreItem xmlns:ds="http://schemas.openxmlformats.org/officeDocument/2006/customXml" ds:itemID="{E801C0F3-35C0-47F2-BF6B-94F052850461}">
-  <ds:schemaRefs>
-    <ds:schemaRef ds:uri="http://schemas.microsoft.com/VisualStudio/2011/storyboarding/control"/>
-  </ds:schemaRefs>
-</ds:datastoreItem>
-</file>
-
-<file path=customXml/itemProps21.xml><?xml version="1.0" encoding="utf-8"?>
-<ds:datastoreItem xmlns:ds="http://schemas.openxmlformats.org/officeDocument/2006/customXml" ds:itemID="{ABED4C27-FA1C-47FE-BBAC-744A727AD5FC}">
-  <ds:schemaRefs>
-    <ds:schemaRef ds:uri="http://schemas.microsoft.com/VisualStudio/2011/storyboarding/control"/>
-  </ds:schemaRefs>
-</ds:datastoreItem>
-</file>
-
-<file path=customXml/itemProps22.xml><?xml version="1.0" encoding="utf-8"?>
-<ds:datastoreItem xmlns:ds="http://schemas.openxmlformats.org/officeDocument/2006/customXml" ds:itemID="{72C333E0-0D69-4204-9DD8-5BC69D050924}">
-  <ds:schemaRefs>
-    <ds:schemaRef ds:uri="http://schemas.microsoft.com/VisualStudio/2011/storyboarding/control"/>
-  </ds:schemaRefs>
-</ds:datastoreItem>
-</file>
-
-<file path=customXml/itemProps23.xml><?xml version="1.0" encoding="utf-8"?>
-<ds:datastoreItem xmlns:ds="http://schemas.openxmlformats.org/officeDocument/2006/customXml" ds:itemID="{B9174C3D-E623-4272-B777-00E23CE4CC0A}">
-  <ds:schemaRefs>
-    <ds:schemaRef ds:uri="http://schemas.microsoft.com/VisualStudio/2011/storyboarding/control"/>
-  </ds:schemaRefs>
-</ds:datastoreItem>
-</file>
-
-<file path=customXml/itemProps24.xml><?xml version="1.0" encoding="utf-8"?>
-<ds:datastoreItem xmlns:ds="http://schemas.openxmlformats.org/officeDocument/2006/customXml" ds:itemID="{AF973E1D-B8BA-40F5-A229-46F600C44F3C}">
-  <ds:schemaRefs>
-    <ds:schemaRef ds:uri="http://schemas.microsoft.com/VisualStudio/2011/storyboarding/control"/>
-  </ds:schemaRefs>
-</ds:datastoreItem>
-</file>
-
-<file path=customXml/itemProps25.xml><?xml version="1.0" encoding="utf-8"?>
-<ds:datastoreItem xmlns:ds="http://schemas.openxmlformats.org/officeDocument/2006/customXml" ds:itemID="{290BA514-045C-4A41-AD3A-4A42B8B266B2}">
-  <ds:schemaRefs>
-    <ds:schemaRef ds:uri="http://schemas.microsoft.com/VisualStudio/2011/storyboarding/control"/>
-  </ds:schemaRefs>
-</ds:datastoreItem>
-</file>
-
-<file path=customXml/itemProps26.xml><?xml version="1.0" encoding="utf-8"?>
-<ds:datastoreItem xmlns:ds="http://schemas.openxmlformats.org/officeDocument/2006/customXml" ds:itemID="{DDEB90F5-FEB5-45EA-9CC0-1D9D2F2AE200}">
-  <ds:schemaRefs>
-    <ds:schemaRef ds:uri="http://schemas.microsoft.com/VisualStudio/2011/storyboarding/control"/>
-  </ds:schemaRefs>
-</ds:datastoreItem>
-</file>
-
-<file path=customXml/itemProps27.xml><?xml version="1.0" encoding="utf-8"?>
-<ds:datastoreItem xmlns:ds="http://schemas.openxmlformats.org/officeDocument/2006/customXml" ds:itemID="{3EB723DB-C628-45A3-B34F-16D921FD4BBF}">
-  <ds:schemaRefs>
-    <ds:schemaRef ds:uri="http://schemas.microsoft.com/VisualStudio/2011/storyboarding/control"/>
-  </ds:schemaRefs>
-</ds:datastoreItem>
-</file>
-
-<file path=customXml/itemProps28.xml><?xml version="1.0" encoding="utf-8"?>
-<ds:datastoreItem xmlns:ds="http://schemas.openxmlformats.org/officeDocument/2006/customXml" ds:itemID="{56F241C0-1A27-40C2-A494-FD387868C82B}">
-  <ds:schemaRefs>
-    <ds:schemaRef ds:uri="http://schemas.microsoft.com/VisualStudio/2011/storyboarding/control"/>
-  </ds:schemaRefs>
-</ds:datastoreItem>
-</file>
-
-<file path=customXml/itemProps29.xml><?xml version="1.0" encoding="utf-8"?>
-<ds:datastoreItem xmlns:ds="http://schemas.openxmlformats.org/officeDocument/2006/customXml" ds:itemID="{06A9AC76-B8D4-493A-9AC7-3F4C1EC244E7}">
-  <ds:schemaRefs>
-    <ds:schemaRef ds:uri="http://schemas.microsoft.com/VisualStudio/2011/storyboarding/control"/>
-  </ds:schemaRefs>
-</ds:datastoreItem>
-</file>
-
-<file path=customXml/itemProps3.xml><?xml version="1.0" encoding="utf-8"?>
-<ds:datastoreItem xmlns:ds="http://schemas.openxmlformats.org/officeDocument/2006/customXml" ds:itemID="{0E0058ED-12A1-4B3E-AB4C-6B067E7FF171}">
-  <ds:schemaRefs>
-    <ds:schemaRef ds:uri="http://schemas.microsoft.com/VisualStudio/2011/storyboarding/control"/>
-  </ds:schemaRefs>
-</ds:datastoreItem>
-</file>
-
-<file path=customXml/itemProps30.xml><?xml version="1.0" encoding="utf-8"?>
-<ds:datastoreItem xmlns:ds="http://schemas.openxmlformats.org/officeDocument/2006/customXml" ds:itemID="{1BF4A308-AA36-4C84-B7E8-17938E24FC30}">
-  <ds:schemaRefs>
-    <ds:schemaRef ds:uri="http://schemas.microsoft.com/VisualStudio/2011/storyboarding/control"/>
-  </ds:schemaRefs>
-</ds:datastoreItem>
-</file>
-
-<file path=customXml/itemProps31.xml><?xml version="1.0" encoding="utf-8"?>
-<ds:datastoreItem xmlns:ds="http://schemas.openxmlformats.org/officeDocument/2006/customXml" ds:itemID="{60885AAD-84A3-43B8-ABC2-6A7DFFD616C8}">
-  <ds:schemaRefs>
-    <ds:schemaRef ds:uri="http://schemas.microsoft.com/VisualStudio/2011/storyboarding/control"/>
-  </ds:schemaRefs>
-</ds:datastoreItem>
-</file>
-
-<file path=customXml/itemProps32.xml><?xml version="1.0" encoding="utf-8"?>
-<ds:datastoreItem xmlns:ds="http://schemas.openxmlformats.org/officeDocument/2006/customXml" ds:itemID="{1C431A76-9395-4687-8075-E5F51E57510A}">
-  <ds:schemaRefs>
-    <ds:schemaRef ds:uri="http://schemas.microsoft.com/VisualStudio/2011/storyboarding/control"/>
-  </ds:schemaRefs>
-</ds:datastoreItem>
-</file>
-
-<file path=customXml/itemProps33.xml><?xml version="1.0" encoding="utf-8"?>
-<ds:datastoreItem xmlns:ds="http://schemas.openxmlformats.org/officeDocument/2006/customXml" ds:itemID="{91BDD1C4-9DAF-41FC-868F-AC3987BB8113}">
-  <ds:schemaRefs>
-    <ds:schemaRef ds:uri="http://schemas.microsoft.com/VisualStudio/2011/storyboarding/control"/>
-  </ds:schemaRefs>
-</ds:datastoreItem>
-</file>
-
-<file path=customXml/itemProps34.xml><?xml version="1.0" encoding="utf-8"?>
+<file path=customXml/itemProps95.xml><?xml version="1.0" encoding="utf-8"?>
 <ds:datastoreItem xmlns:ds="http://schemas.openxmlformats.org/officeDocument/2006/customXml" ds:itemID="{08F2D45E-060D-48CC-8045-6CAD29C0AC47}">
   <ds:schemaRefs>
     <ds:schemaRef ds:uri="http://schemas.microsoft.com/VisualStudio/2011/storyboarding/control"/>
@@ -41767,143 +42564,7 @@
 </ds:datastoreItem>
 </file>
 
-<file path=customXml/itemProps35.xml><?xml version="1.0" encoding="utf-8"?>
-<ds:datastoreItem xmlns:ds="http://schemas.openxmlformats.org/officeDocument/2006/customXml" ds:itemID="{45CFFB35-2D79-42AF-B01A-0741E03B4C11}">
-  <ds:schemaRefs>
-    <ds:schemaRef ds:uri="http://schemas.microsoft.com/VisualStudio/2011/storyboarding/control"/>
-  </ds:schemaRefs>
-</ds:datastoreItem>
-</file>
-
-<file path=customXml/itemProps36.xml><?xml version="1.0" encoding="utf-8"?>
-<ds:datastoreItem xmlns:ds="http://schemas.openxmlformats.org/officeDocument/2006/customXml" ds:itemID="{08A3A224-514C-44A1-9EDB-9448F287A518}">
-  <ds:schemaRefs>
-    <ds:schemaRef ds:uri="http://schemas.microsoft.com/VisualStudio/2011/storyboarding/control"/>
-  </ds:schemaRefs>
-</ds:datastoreItem>
-</file>
-
-<file path=customXml/itemProps37.xml><?xml version="1.0" encoding="utf-8"?>
-<ds:datastoreItem xmlns:ds="http://schemas.openxmlformats.org/officeDocument/2006/customXml" ds:itemID="{44AA9A90-40A0-4F00-A256-DBEC88C580A5}">
-  <ds:schemaRefs>
-    <ds:schemaRef ds:uri="http://schemas.microsoft.com/VisualStudio/2011/storyboarding/control"/>
-  </ds:schemaRefs>
-</ds:datastoreItem>
-</file>
-
-<file path=customXml/itemProps38.xml><?xml version="1.0" encoding="utf-8"?>
-<ds:datastoreItem xmlns:ds="http://schemas.openxmlformats.org/officeDocument/2006/customXml" ds:itemID="{16E1D288-FFE8-4895-9BB8-CF7B26E38248}">
-  <ds:schemaRefs>
-    <ds:schemaRef ds:uri="http://schemas.microsoft.com/VisualStudio/2011/storyboarding/control"/>
-  </ds:schemaRefs>
-</ds:datastoreItem>
-</file>
-
-<file path=customXml/itemProps39.xml><?xml version="1.0" encoding="utf-8"?>
-<ds:datastoreItem xmlns:ds="http://schemas.openxmlformats.org/officeDocument/2006/customXml" ds:itemID="{B0DF54CB-02AC-4D93-B425-47663CEEF3A0}">
-  <ds:schemaRefs>
-    <ds:schemaRef ds:uri="http://schemas.microsoft.com/VisualStudio/2011/storyboarding/control"/>
-  </ds:schemaRefs>
-</ds:datastoreItem>
-</file>
-
-<file path=customXml/itemProps4.xml><?xml version="1.0" encoding="utf-8"?>
-<ds:datastoreItem xmlns:ds="http://schemas.openxmlformats.org/officeDocument/2006/customXml" ds:itemID="{D74528CC-7DA8-41D1-934F-B691605AC92F}">
-  <ds:schemaRefs>
-    <ds:schemaRef ds:uri="http://schemas.microsoft.com/VisualStudio/2011/storyboarding/control"/>
-  </ds:schemaRefs>
-</ds:datastoreItem>
-</file>
-
-<file path=customXml/itemProps40.xml><?xml version="1.0" encoding="utf-8"?>
-<ds:datastoreItem xmlns:ds="http://schemas.openxmlformats.org/officeDocument/2006/customXml" ds:itemID="{648E5D50-15BB-4D8E-91E4-DE2EA12E1DF5}">
-  <ds:schemaRefs>
-    <ds:schemaRef ds:uri="http://schemas.microsoft.com/VisualStudio/2011/storyboarding/control"/>
-  </ds:schemaRefs>
-</ds:datastoreItem>
-</file>
-
-<file path=customXml/itemProps41.xml><?xml version="1.0" encoding="utf-8"?>
-<ds:datastoreItem xmlns:ds="http://schemas.openxmlformats.org/officeDocument/2006/customXml" ds:itemID="{3D906249-6A33-4ACA-9E38-97A609614D3D}">
-  <ds:schemaRefs>
-    <ds:schemaRef ds:uri="http://schemas.microsoft.com/VisualStudio/2011/storyboarding/control"/>
-  </ds:schemaRefs>
-</ds:datastoreItem>
-</file>
-
-<file path=customXml/itemProps42.xml><?xml version="1.0" encoding="utf-8"?>
-<ds:datastoreItem xmlns:ds="http://schemas.openxmlformats.org/officeDocument/2006/customXml" ds:itemID="{928D019A-FE29-436E-A0C9-036E6D10A612}">
-  <ds:schemaRefs>
-    <ds:schemaRef ds:uri="http://schemas.microsoft.com/VisualStudio/2011/storyboarding/control"/>
-  </ds:schemaRefs>
-</ds:datastoreItem>
-</file>
-
-<file path=customXml/itemProps43.xml><?xml version="1.0" encoding="utf-8"?>
-<ds:datastoreItem xmlns:ds="http://schemas.openxmlformats.org/officeDocument/2006/customXml" ds:itemID="{BC9FB26E-33EF-49EA-BE37-7EA64F8A08B3}">
-  <ds:schemaRefs>
-    <ds:schemaRef ds:uri="http://schemas.microsoft.com/VisualStudio/2011/storyboarding/control"/>
-  </ds:schemaRefs>
-</ds:datastoreItem>
-</file>
-
-<file path=customXml/itemProps44.xml><?xml version="1.0" encoding="utf-8"?>
-<ds:datastoreItem xmlns:ds="http://schemas.openxmlformats.org/officeDocument/2006/customXml" ds:itemID="{197FD8CF-9F4E-42FF-9841-F6D0F828797D}">
-  <ds:schemaRefs>
-    <ds:schemaRef ds:uri="http://schemas.microsoft.com/VisualStudio/2011/storyboarding/control"/>
-  </ds:schemaRefs>
-</ds:datastoreItem>
-</file>
-
-<file path=customXml/itemProps45.xml><?xml version="1.0" encoding="utf-8"?>
-<ds:datastoreItem xmlns:ds="http://schemas.openxmlformats.org/officeDocument/2006/customXml" ds:itemID="{5C3529DB-4CCB-4A4F-8874-4D1137EBCEB1}">
-  <ds:schemaRefs>
-    <ds:schemaRef ds:uri="http://schemas.microsoft.com/VisualStudio/2011/storyboarding/control"/>
-  </ds:schemaRefs>
-</ds:datastoreItem>
-</file>
-
-<file path=customXml/itemProps46.xml><?xml version="1.0" encoding="utf-8"?>
-<ds:datastoreItem xmlns:ds="http://schemas.openxmlformats.org/officeDocument/2006/customXml" ds:itemID="{02A3032E-631C-43DC-918F-25D80FE6684B}">
-  <ds:schemaRefs>
-    <ds:schemaRef ds:uri="http://schemas.microsoft.com/VisualStudio/2011/storyboarding/control"/>
-  </ds:schemaRefs>
-</ds:datastoreItem>
-</file>
-
-<file path=customXml/itemProps47.xml><?xml version="1.0" encoding="utf-8"?>
-<ds:datastoreItem xmlns:ds="http://schemas.openxmlformats.org/officeDocument/2006/customXml" ds:itemID="{188FAC37-45E0-41F7-8724-642D105B6A65}">
-  <ds:schemaRefs>
-    <ds:schemaRef ds:uri="http://schemas.microsoft.com/VisualStudio/2011/storyboarding/control"/>
-  </ds:schemaRefs>
-</ds:datastoreItem>
-</file>
-
-<file path=customXml/itemProps48.xml><?xml version="1.0" encoding="utf-8"?>
-<ds:datastoreItem xmlns:ds="http://schemas.openxmlformats.org/officeDocument/2006/customXml" ds:itemID="{C354D56A-F687-46D9-9EA2-A46E60064C63}">
-  <ds:schemaRefs>
-    <ds:schemaRef ds:uri="http://schemas.microsoft.com/VisualStudio/2011/storyboarding/control"/>
-  </ds:schemaRefs>
-</ds:datastoreItem>
-</file>
-
-<file path=customXml/itemProps49.xml><?xml version="1.0" encoding="utf-8"?>
-<ds:datastoreItem xmlns:ds="http://schemas.openxmlformats.org/officeDocument/2006/customXml" ds:itemID="{67D7C7F6-E38B-4D96-970A-FA4DC84BAE5C}">
-  <ds:schemaRefs>
-    <ds:schemaRef ds:uri="http://schemas.microsoft.com/VisualStudio/2011/storyboarding/control"/>
-  </ds:schemaRefs>
-</ds:datastoreItem>
-</file>
-
-<file path=customXml/itemProps5.xml><?xml version="1.0" encoding="utf-8"?>
-<ds:datastoreItem xmlns:ds="http://schemas.openxmlformats.org/officeDocument/2006/customXml" ds:itemID="{B206490F-E118-4B4E-9F64-BC7A1E2807B2}">
-  <ds:schemaRefs>
-    <ds:schemaRef ds:uri="http://schemas.microsoft.com/VisualStudio/2011/storyboarding/control"/>
-  </ds:schemaRefs>
-</ds:datastoreItem>
-</file>
-
-<file path=customXml/itemProps50.xml><?xml version="1.0" encoding="utf-8"?>
+<file path=customXml/itemProps96.xml><?xml version="1.0" encoding="utf-8"?>
 <ds:datastoreItem xmlns:ds="http://schemas.openxmlformats.org/officeDocument/2006/customXml" ds:itemID="{3E8B677F-0B42-40BB-9AF4-2C41D4C5A968}">
   <ds:schemaRefs>
     <ds:schemaRef ds:uri="http://schemas.microsoft.com/VisualStudio/2011/storyboarding/control"/>
@@ -41911,39 +42572,7 @@
 </ds:datastoreItem>
 </file>
 
-<file path=customXml/itemProps51.xml><?xml version="1.0" encoding="utf-8"?>
-<ds:datastoreItem xmlns:ds="http://schemas.openxmlformats.org/officeDocument/2006/customXml" ds:itemID="{AA90E764-CD12-4394-927C-9D3E22E2A8DA}">
-  <ds:schemaRefs>
-    <ds:schemaRef ds:uri="http://schemas.microsoft.com/VisualStudio/2011/storyboarding/control"/>
-  </ds:schemaRefs>
-</ds:datastoreItem>
-</file>
-
-<file path=customXml/itemProps52.xml><?xml version="1.0" encoding="utf-8"?>
-<ds:datastoreItem xmlns:ds="http://schemas.openxmlformats.org/officeDocument/2006/customXml" ds:itemID="{14869024-359F-4331-A65B-90C24F241563}">
-  <ds:schemaRefs>
-    <ds:schemaRef ds:uri="http://schemas.microsoft.com/VisualStudio/2011/storyboarding/control"/>
-  </ds:schemaRefs>
-</ds:datastoreItem>
-</file>
-
-<file path=customXml/itemProps53.xml><?xml version="1.0" encoding="utf-8"?>
-<ds:datastoreItem xmlns:ds="http://schemas.openxmlformats.org/officeDocument/2006/customXml" ds:itemID="{1CD3D4E2-040B-4DA9-88FD-5663582C3335}">
-  <ds:schemaRefs>
-    <ds:schemaRef ds:uri="http://schemas.microsoft.com/VisualStudio/2011/storyboarding/control"/>
-  </ds:schemaRefs>
-</ds:datastoreItem>
-</file>
-
-<file path=customXml/itemProps54.xml><?xml version="1.0" encoding="utf-8"?>
-<ds:datastoreItem xmlns:ds="http://schemas.openxmlformats.org/officeDocument/2006/customXml" ds:itemID="{C2145BDE-0C46-4AEF-9315-E5107AC461D1}">
-  <ds:schemaRefs>
-    <ds:schemaRef ds:uri="http://schemas.microsoft.com/VisualStudio/2011/storyboarding/control"/>
-  </ds:schemaRefs>
-</ds:datastoreItem>
-</file>
-
-<file path=customXml/itemProps55.xml><?xml version="1.0" encoding="utf-8"?>
+<file path=customXml/itemProps97.xml><?xml version="1.0" encoding="utf-8"?>
 <ds:datastoreItem xmlns:ds="http://schemas.openxmlformats.org/officeDocument/2006/customXml" ds:itemID="{2B37F12F-9D40-4B87-A297-BE8E8C298D68}">
   <ds:schemaRefs>
     <ds:schemaRef ds:uri="http://schemas.microsoft.com/VisualStudio/2011/storyboarding/control"/>
@@ -41951,183 +42580,7 @@
 </ds:datastoreItem>
 </file>
 
-<file path=customXml/itemProps56.xml><?xml version="1.0" encoding="utf-8"?>
-<ds:datastoreItem xmlns:ds="http://schemas.openxmlformats.org/officeDocument/2006/customXml" ds:itemID="{590B6056-85C6-4F53-8CB2-6489B461E3A0}">
-  <ds:schemaRefs>
-    <ds:schemaRef ds:uri="http://schemas.microsoft.com/VisualStudio/2011/storyboarding/control"/>
-  </ds:schemaRefs>
-</ds:datastoreItem>
-</file>
-
-<file path=customXml/itemProps57.xml><?xml version="1.0" encoding="utf-8"?>
-<ds:datastoreItem xmlns:ds="http://schemas.openxmlformats.org/officeDocument/2006/customXml" ds:itemID="{343286C4-86B5-408C-8984-D954687F8FBD}">
-  <ds:schemaRefs>
-    <ds:schemaRef ds:uri="http://schemas.microsoft.com/VisualStudio/2011/storyboarding/control"/>
-  </ds:schemaRefs>
-</ds:datastoreItem>
-</file>
-
-<file path=customXml/itemProps58.xml><?xml version="1.0" encoding="utf-8"?>
-<ds:datastoreItem xmlns:ds="http://schemas.openxmlformats.org/officeDocument/2006/customXml" ds:itemID="{CFC6406B-2070-4BAD-AB13-27DE99EB852A}">
-  <ds:schemaRefs>
-    <ds:schemaRef ds:uri="http://schemas.microsoft.com/VisualStudio/2011/storyboarding/control"/>
-  </ds:schemaRefs>
-</ds:datastoreItem>
-</file>
-
-<file path=customXml/itemProps59.xml><?xml version="1.0" encoding="utf-8"?>
-<ds:datastoreItem xmlns:ds="http://schemas.openxmlformats.org/officeDocument/2006/customXml" ds:itemID="{2A98561B-E834-417F-AE2F-C726E6F1E422}">
-  <ds:schemaRefs>
-    <ds:schemaRef ds:uri="http://schemas.microsoft.com/VisualStudio/2011/storyboarding/control"/>
-  </ds:schemaRefs>
-</ds:datastoreItem>
-</file>
-
-<file path=customXml/itemProps6.xml><?xml version="1.0" encoding="utf-8"?>
-<ds:datastoreItem xmlns:ds="http://schemas.openxmlformats.org/officeDocument/2006/customXml" ds:itemID="{81E532DF-3CBE-4BD6-9C65-91872CF6424A}">
-  <ds:schemaRefs>
-    <ds:schemaRef ds:uri="http://schemas.microsoft.com/VisualStudio/2011/storyboarding/control"/>
-  </ds:schemaRefs>
-</ds:datastoreItem>
-</file>
-
-<file path=customXml/itemProps60.xml><?xml version="1.0" encoding="utf-8"?>
-<ds:datastoreItem xmlns:ds="http://schemas.openxmlformats.org/officeDocument/2006/customXml" ds:itemID="{82C3092B-01FE-49E0-AF65-8F40C8D23072}">
-  <ds:schemaRefs>
-    <ds:schemaRef ds:uri="http://schemas.microsoft.com/VisualStudio/2011/storyboarding/control"/>
-  </ds:schemaRefs>
-</ds:datastoreItem>
-</file>
-
-<file path=customXml/itemProps61.xml><?xml version="1.0" encoding="utf-8"?>
-<ds:datastoreItem xmlns:ds="http://schemas.openxmlformats.org/officeDocument/2006/customXml" ds:itemID="{7D6083D9-E17C-4BA1-8C5B-F22B53DD92CB}">
-  <ds:schemaRefs>
-    <ds:schemaRef ds:uri="http://schemas.microsoft.com/VisualStudio/2011/storyboarding/control"/>
-  </ds:schemaRefs>
-</ds:datastoreItem>
-</file>
-
-<file path=customXml/itemProps62.xml><?xml version="1.0" encoding="utf-8"?>
-<ds:datastoreItem xmlns:ds="http://schemas.openxmlformats.org/officeDocument/2006/customXml" ds:itemID="{0BC11586-4DD7-4E9A-B8D2-258AC121CA16}">
-  <ds:schemaRefs>
-    <ds:schemaRef ds:uri="http://schemas.microsoft.com/VisualStudio/2011/storyboarding/control"/>
-  </ds:schemaRefs>
-</ds:datastoreItem>
-</file>
-
-<file path=customXml/itemProps63.xml><?xml version="1.0" encoding="utf-8"?>
-<ds:datastoreItem xmlns:ds="http://schemas.openxmlformats.org/officeDocument/2006/customXml" ds:itemID="{6BFCF6AA-A9E4-4032-AA2D-B0E00F096D71}">
-  <ds:schemaRefs>
-    <ds:schemaRef ds:uri="http://schemas.microsoft.com/VisualStudio/2011/storyboarding/control"/>
-  </ds:schemaRefs>
-</ds:datastoreItem>
-</file>
-
-<file path=customXml/itemProps64.xml><?xml version="1.0" encoding="utf-8"?>
-<ds:datastoreItem xmlns:ds="http://schemas.openxmlformats.org/officeDocument/2006/customXml" ds:itemID="{EEEB1485-D616-431E-A569-9D171B351144}">
-  <ds:schemaRefs>
-    <ds:schemaRef ds:uri="http://schemas.microsoft.com/VisualStudio/2011/storyboarding/control"/>
-  </ds:schemaRefs>
-</ds:datastoreItem>
-</file>
-
-<file path=customXml/itemProps65.xml><?xml version="1.0" encoding="utf-8"?>
-<ds:datastoreItem xmlns:ds="http://schemas.openxmlformats.org/officeDocument/2006/customXml" ds:itemID="{6F50C709-B68E-44B7-95E5-4D06DFC29466}">
-  <ds:schemaRefs>
-    <ds:schemaRef ds:uri="http://schemas.microsoft.com/VisualStudio/2011/storyboarding/control"/>
-  </ds:schemaRefs>
-</ds:datastoreItem>
-</file>
-
-<file path=customXml/itemProps66.xml><?xml version="1.0" encoding="utf-8"?>
-<ds:datastoreItem xmlns:ds="http://schemas.openxmlformats.org/officeDocument/2006/customXml" ds:itemID="{805B697C-D9B4-4D0F-B257-F1CD465BB1AF}">
-  <ds:schemaRefs>
-    <ds:schemaRef ds:uri="http://schemas.microsoft.com/VisualStudio/2011/storyboarding/control"/>
-  </ds:schemaRefs>
-</ds:datastoreItem>
-</file>
-
-<file path=customXml/itemProps67.xml><?xml version="1.0" encoding="utf-8"?>
-<ds:datastoreItem xmlns:ds="http://schemas.openxmlformats.org/officeDocument/2006/customXml" ds:itemID="{E814D5E9-BDED-4774-A723-7F241FF507E4}">
-  <ds:schemaRefs>
-    <ds:schemaRef ds:uri="http://schemas.microsoft.com/VisualStudio/2011/storyboarding/control"/>
-  </ds:schemaRefs>
-</ds:datastoreItem>
-</file>
-
-<file path=customXml/itemProps68.xml><?xml version="1.0" encoding="utf-8"?>
-<ds:datastoreItem xmlns:ds="http://schemas.openxmlformats.org/officeDocument/2006/customXml" ds:itemID="{A43BA1AA-14FB-4F05-A415-7AA2C7F8EF1F}">
-  <ds:schemaRefs>
-    <ds:schemaRef ds:uri="http://schemas.microsoft.com/VisualStudio/2011/storyboarding/control"/>
-  </ds:schemaRefs>
-</ds:datastoreItem>
-</file>
-
-<file path=customXml/itemProps69.xml><?xml version="1.0" encoding="utf-8"?>
-<ds:datastoreItem xmlns:ds="http://schemas.openxmlformats.org/officeDocument/2006/customXml" ds:itemID="{7F7348FC-6E5B-42CD-B19C-6C2588AB31CA}">
-  <ds:schemaRefs>
-    <ds:schemaRef ds:uri="http://schemas.microsoft.com/VisualStudio/2011/storyboarding/control"/>
-  </ds:schemaRefs>
-</ds:datastoreItem>
-</file>
-
-<file path=customXml/itemProps7.xml><?xml version="1.0" encoding="utf-8"?>
-<ds:datastoreItem xmlns:ds="http://schemas.openxmlformats.org/officeDocument/2006/customXml" ds:itemID="{EB2DA233-900D-4933-9224-DF8B635A1A8F}">
-  <ds:schemaRefs>
-    <ds:schemaRef ds:uri="http://schemas.microsoft.com/VisualStudio/2011/storyboarding/control"/>
-  </ds:schemaRefs>
-</ds:datastoreItem>
-</file>
-
-<file path=customXml/itemProps70.xml><?xml version="1.0" encoding="utf-8"?>
-<ds:datastoreItem xmlns:ds="http://schemas.openxmlformats.org/officeDocument/2006/customXml" ds:itemID="{A6B07B18-7243-402D-98CD-E0B8D69D06DE}">
-  <ds:schemaRefs>
-    <ds:schemaRef ds:uri="http://schemas.microsoft.com/VisualStudio/2011/storyboarding/control"/>
-  </ds:schemaRefs>
-</ds:datastoreItem>
-</file>
-
-<file path=customXml/itemProps71.xml><?xml version="1.0" encoding="utf-8"?>
-<ds:datastoreItem xmlns:ds="http://schemas.openxmlformats.org/officeDocument/2006/customXml" ds:itemID="{3ED9D7C5-C703-4142-BDBB-A959BF87C2EE}">
-  <ds:schemaRefs>
-    <ds:schemaRef ds:uri="http://schemas.microsoft.com/VisualStudio/2011/storyboarding/control"/>
-  </ds:schemaRefs>
-</ds:datastoreItem>
-</file>
-
-<file path=customXml/itemProps72.xml><?xml version="1.0" encoding="utf-8"?>
-<ds:datastoreItem xmlns:ds="http://schemas.openxmlformats.org/officeDocument/2006/customXml" ds:itemID="{3259D906-C9AE-4EE3-9F28-F96F77165A9A}">
-  <ds:schemaRefs>
-    <ds:schemaRef ds:uri="http://schemas.microsoft.com/VisualStudio/2011/storyboarding/control"/>
-  </ds:schemaRefs>
-</ds:datastoreItem>
-</file>
-
-<file path=customXml/itemProps73.xml><?xml version="1.0" encoding="utf-8"?>
-<ds:datastoreItem xmlns:ds="http://schemas.openxmlformats.org/officeDocument/2006/customXml" ds:itemID="{09357DA5-C1A4-4384-94CF-84A8E06C8084}">
-  <ds:schemaRefs>
-    <ds:schemaRef ds:uri="http://schemas.microsoft.com/VisualStudio/2011/storyboarding/control"/>
-  </ds:schemaRefs>
-</ds:datastoreItem>
-</file>
-
-<file path=customXml/itemProps74.xml><?xml version="1.0" encoding="utf-8"?>
-<ds:datastoreItem xmlns:ds="http://schemas.openxmlformats.org/officeDocument/2006/customXml" ds:itemID="{4D811D8E-BF7E-4593-B165-8324E8491A21}">
-  <ds:schemaRefs>
-    <ds:schemaRef ds:uri="http://schemas.microsoft.com/VisualStudio/2011/storyboarding/control"/>
-  </ds:schemaRefs>
-</ds:datastoreItem>
-</file>
-
-<file path=customXml/itemProps75.xml><?xml version="1.0" encoding="utf-8"?>
-<ds:datastoreItem xmlns:ds="http://schemas.openxmlformats.org/officeDocument/2006/customXml" ds:itemID="{1E5D70BF-4349-4CB2-B8EA-DD1D080438FC}">
-  <ds:schemaRefs>
-    <ds:schemaRef ds:uri="http://schemas.microsoft.com/VisualStudio/2011/storyboarding/control"/>
-  </ds:schemaRefs>
-</ds:datastoreItem>
-</file>
-
-<file path=customXml/itemProps76.xml><?xml version="1.0" encoding="utf-8"?>
+<file path=customXml/itemProps98.xml><?xml version="1.0" encoding="utf-8"?>
 <ds:datastoreItem xmlns:ds="http://schemas.openxmlformats.org/officeDocument/2006/customXml" ds:itemID="{5B2A7A39-1F66-465D-9498-448739788FCB}">
   <ds:schemaRefs>
     <ds:schemaRef ds:uri="http://schemas.microsoft.com/VisualStudio/2011/storyboarding/control"/>
@@ -42135,202 +42588,10 @@
 </ds:datastoreItem>
 </file>
 
-<file path=customXml/itemProps77.xml><?xml version="1.0" encoding="utf-8"?>
-<ds:datastoreItem xmlns:ds="http://schemas.openxmlformats.org/officeDocument/2006/customXml" ds:itemID="{AB4221FB-048A-43DF-B789-83F5FE715D2E}">
-  <ds:schemaRefs>
-    <ds:schemaRef ds:uri="http://schemas.microsoft.com/VisualStudio/2011/storyboarding/control"/>
-  </ds:schemaRefs>
-</ds:datastoreItem>
-</file>
-
-<file path=customXml/itemProps78.xml><?xml version="1.0" encoding="utf-8"?>
-<ds:datastoreItem xmlns:ds="http://schemas.openxmlformats.org/officeDocument/2006/customXml" ds:itemID="{911C802F-4D75-4062-8A18-9FC64928F516}">
-  <ds:schemaRefs>
-    <ds:schemaRef ds:uri="http://schemas.microsoft.com/VisualStudio/2011/storyboarding/control"/>
-  </ds:schemaRefs>
-</ds:datastoreItem>
-</file>
-
-<file path=customXml/itemProps79.xml><?xml version="1.0" encoding="utf-8"?>
-<ds:datastoreItem xmlns:ds="http://schemas.openxmlformats.org/officeDocument/2006/customXml" ds:itemID="{CA8DE385-CBC8-4C7E-88E1-7C89740FCCD8}">
-  <ds:schemaRefs>
-    <ds:schemaRef ds:uri="http://schemas.microsoft.com/VisualStudio/2011/storyboarding/control"/>
-  </ds:schemaRefs>
-</ds:datastoreItem>
-</file>
-
-<file path=customXml/itemProps8.xml><?xml version="1.0" encoding="utf-8"?>
-<ds:datastoreItem xmlns:ds="http://schemas.openxmlformats.org/officeDocument/2006/customXml" ds:itemID="{5CE11C24-27AF-416F-8CE3-CEE4B635B6DC}">
-  <ds:schemaRefs>
-    <ds:schemaRef ds:uri="http://schemas.microsoft.com/VisualStudio/2011/storyboarding/control"/>
-  </ds:schemaRefs>
-</ds:datastoreItem>
-</file>
-
-<file path=customXml/itemProps80.xml><?xml version="1.0" encoding="utf-8"?>
-<ds:datastoreItem xmlns:ds="http://schemas.openxmlformats.org/officeDocument/2006/customXml" ds:itemID="{766648F0-49FF-40F1-83E1-B23C64619456}">
-  <ds:schemaRefs>
-    <ds:schemaRef ds:uri="http://schemas.microsoft.com/VisualStudio/2011/storyboarding/control"/>
-  </ds:schemaRefs>
-</ds:datastoreItem>
-</file>
-
-<file path=customXml/itemProps81.xml><?xml version="1.0" encoding="utf-8"?>
-<ds:datastoreItem xmlns:ds="http://schemas.openxmlformats.org/officeDocument/2006/customXml" ds:itemID="{CD9F330A-A20E-4F86-AA5D-86F6AC2E3C77}">
-  <ds:schemaRefs>
-    <ds:schemaRef ds:uri="http://schemas.microsoft.com/VisualStudio/2011/storyboarding/control"/>
-  </ds:schemaRefs>
-</ds:datastoreItem>
-</file>
-
-<file path=customXml/itemProps82.xml><?xml version="1.0" encoding="utf-8"?>
-<ds:datastoreItem xmlns:ds="http://schemas.openxmlformats.org/officeDocument/2006/customXml" ds:itemID="{E661C687-302C-4817-9987-7134B736AD5B}">
-  <ds:schemaRefs>
-    <ds:schemaRef ds:uri="http://schemas.microsoft.com/VisualStudio/2011/storyboarding/control"/>
-  </ds:schemaRefs>
-</ds:datastoreItem>
-</file>
-
-<file path=customXml/itemProps83.xml><?xml version="1.0" encoding="utf-8"?>
-<ds:datastoreItem xmlns:ds="http://schemas.openxmlformats.org/officeDocument/2006/customXml" ds:itemID="{085CD738-447D-4165-8300-996E111AA1D1}">
-  <ds:schemaRefs>
-    <ds:schemaRef ds:uri="http://schemas.microsoft.com/VisualStudio/2011/storyboarding/control"/>
-  </ds:schemaRefs>
-</ds:datastoreItem>
-</file>
-
-<file path=customXml/itemProps84.xml><?xml version="1.0" encoding="utf-8"?>
-<ds:datastoreItem xmlns:ds="http://schemas.openxmlformats.org/officeDocument/2006/customXml" ds:itemID="{172C75D9-12B4-4A2F-9DCC-61597C4EF52E}">
-  <ds:schemaRefs>
-    <ds:schemaRef ds:uri="http://schemas.microsoft.com/VisualStudio/2011/storyboarding/control"/>
-  </ds:schemaRefs>
-</ds:datastoreItem>
-</file>
-
-<file path=customXml/itemProps85.xml><?xml version="1.0" encoding="utf-8"?>
-<ds:datastoreItem xmlns:ds="http://schemas.openxmlformats.org/officeDocument/2006/customXml" ds:itemID="{B0171A50-F4F3-4897-9CEA-5BF732AC2A10}">
-  <ds:schemaRefs>
-    <ds:schemaRef ds:uri="http://schemas.microsoft.com/VisualStudio/2011/storyboarding/control"/>
-  </ds:schemaRefs>
-</ds:datastoreItem>
-</file>
-
-<file path=customXml/itemProps86.xml><?xml version="1.0" encoding="utf-8"?>
-<ds:datastoreItem xmlns:ds="http://schemas.openxmlformats.org/officeDocument/2006/customXml" ds:itemID="{9D3F2CB4-16F7-474A-8585-1F167D9C3EA7}">
-  <ds:schemaRefs>
-    <ds:schemaRef ds:uri="http://schemas.microsoft.com/VisualStudio/2011/storyboarding/control"/>
-  </ds:schemaRefs>
-</ds:datastoreItem>
-</file>
-
-<file path=customXml/itemProps87.xml><?xml version="1.0" encoding="utf-8"?>
-<ds:datastoreItem xmlns:ds="http://schemas.openxmlformats.org/officeDocument/2006/customXml" ds:itemID="{19C793EF-0754-4869-B775-5A65DF8D61BE}">
-  <ds:schemaRefs>
-    <ds:schemaRef ds:uri="http://schemas.microsoft.com/VisualStudio/2011/storyboarding/control"/>
-  </ds:schemaRefs>
-</ds:datastoreItem>
-</file>
-
-<file path=customXml/itemProps88.xml><?xml version="1.0" encoding="utf-8"?>
-<ds:datastoreItem xmlns:ds="http://schemas.openxmlformats.org/officeDocument/2006/customXml" ds:itemID="{347B8EDB-1148-44BB-8474-8C62B23C9F6C}">
-  <ds:schemaRefs>
-    <ds:schemaRef ds:uri="http://schemas.microsoft.com/VisualStudio/2011/storyboarding/control"/>
-  </ds:schemaRefs>
-</ds:datastoreItem>
-</file>
-
-<file path=customXml/itemProps89.xml><?xml version="1.0" encoding="utf-8"?>
-<ds:datastoreItem xmlns:ds="http://schemas.openxmlformats.org/officeDocument/2006/customXml" ds:itemID="{E0F68E31-D12C-4432-879C-936E205633D7}">
-  <ds:schemaRefs>
-    <ds:schemaRef ds:uri="http://schemas.microsoft.com/VisualStudio/2011/storyboarding/control"/>
-  </ds:schemaRefs>
-</ds:datastoreItem>
-</file>
-
-<file path=customXml/itemProps9.xml><?xml version="1.0" encoding="utf-8"?>
-<ds:datastoreItem xmlns:ds="http://schemas.openxmlformats.org/officeDocument/2006/customXml" ds:itemID="{BC5A347B-49FB-466B-86D2-DD4D65AFDA0A}">
-  <ds:schemaRefs>
-    <ds:schemaRef ds:uri="http://schemas.microsoft.com/VisualStudio/2011/storyboarding/control"/>
-  </ds:schemaRefs>
-</ds:datastoreItem>
-</file>
-
-<file path=customXml/itemProps90.xml><?xml version="1.0" encoding="utf-8"?>
-<ds:datastoreItem xmlns:ds="http://schemas.openxmlformats.org/officeDocument/2006/customXml" ds:itemID="{140E596C-8EF6-45EE-8E59-2531023345B7}">
-  <ds:schemaRefs>
-    <ds:schemaRef ds:uri="http://schemas.microsoft.com/VisualStudio/2011/storyboarding/control"/>
-  </ds:schemaRefs>
-</ds:datastoreItem>
-</file>
-
-<file path=customXml/itemProps91.xml><?xml version="1.0" encoding="utf-8"?>
-<ds:datastoreItem xmlns:ds="http://schemas.openxmlformats.org/officeDocument/2006/customXml" ds:itemID="{3B0B4141-EC77-4DDE-923E-F4F7BD570E9A}">
-  <ds:schemaRefs>
-    <ds:schemaRef ds:uri="http://schemas.microsoft.com/VisualStudio/2011/storyboarding/control"/>
-  </ds:schemaRefs>
-</ds:datastoreItem>
-</file>
-
-<file path=customXml/itemProps92.xml><?xml version="1.0" encoding="utf-8"?>
-<ds:datastoreItem xmlns:ds="http://schemas.openxmlformats.org/officeDocument/2006/customXml" ds:itemID="{34574155-71CB-47DA-AE35-1ED4E88DF299}">
-  <ds:schemaRefs>
-    <ds:schemaRef ds:uri="http://schemas.microsoft.com/VisualStudio/2011/storyboarding/control"/>
-  </ds:schemaRefs>
-</ds:datastoreItem>
-</file>
-
-<file path=customXml/itemProps93.xml><?xml version="1.0" encoding="utf-8"?>
-<ds:datastoreItem xmlns:ds="http://schemas.openxmlformats.org/officeDocument/2006/customXml" ds:itemID="{2D1AADC4-E1E2-49E9-AA6F-6B9D5F90EFE7}">
-  <ds:schemaRefs>
-    <ds:schemaRef ds:uri="http://schemas.microsoft.com/VisualStudio/2011/storyboarding/control"/>
-  </ds:schemaRefs>
-</ds:datastoreItem>
-</file>
-
-<file path=customXml/itemProps94.xml><?xml version="1.0" encoding="utf-8"?>
-<ds:datastoreItem xmlns:ds="http://schemas.openxmlformats.org/officeDocument/2006/customXml" ds:itemID="{A56D0FD2-5FDC-48F7-A2FB-D510F8C6E0BB}">
-  <ds:schemaRefs>
-    <ds:schemaRef ds:uri="http://schemas.microsoft.com/VisualStudio/2011/storyboarding/control"/>
-  </ds:schemaRefs>
-</ds:datastoreItem>
-</file>
-
-<file path=customXml/itemProps95.xml><?xml version="1.0" encoding="utf-8"?>
-<ds:datastoreItem xmlns:ds="http://schemas.openxmlformats.org/officeDocument/2006/customXml" ds:itemID="{4725B255-5D10-449E-83F4-6FBE739F8871}">
-  <ds:schemaRefs>
-    <ds:schemaRef ds:uri="http://schemas.microsoft.com/VisualStudio/2011/storyboarding/control"/>
-  </ds:schemaRefs>
-</ds:datastoreItem>
-</file>
-
-<file path=customXml/itemProps96.xml><?xml version="1.0" encoding="utf-8"?>
-<ds:datastoreItem xmlns:ds="http://schemas.openxmlformats.org/officeDocument/2006/customXml" ds:itemID="{39556573-40AB-4FA9-81F8-D5EDAF4278B7}">
-  <ds:schemaRefs>
-    <ds:schemaRef ds:uri="http://schemas.microsoft.com/VisualStudio/2011/storyboarding/control"/>
-  </ds:schemaRefs>
-</ds:datastoreItem>
-</file>
-
-<file path=customXml/itemProps97.xml><?xml version="1.0" encoding="utf-8"?>
+<file path=customXml/itemProps99.xml><?xml version="1.0" encoding="utf-8"?>
 <ds:datastoreItem xmlns:ds="http://schemas.openxmlformats.org/officeDocument/2006/customXml" ds:itemID="{EEC1D2FD-C40B-46AC-9057-71D6C97F02E9}">
   <ds:schemaRefs>
     <ds:schemaRef ds:uri="http://schemas.microsoft.com/VisualStudio/2011/storyboarding/control"/>
   </ds:schemaRefs>
 </ds:datastoreItem>
-</file>
-
-<file path=customXml/itemProps98.xml><?xml version="1.0" encoding="utf-8"?>
-<ds:datastoreItem xmlns:ds="http://schemas.openxmlformats.org/officeDocument/2006/customXml" ds:itemID="{D29B446E-9160-43FB-A19B-F92912640A58}">
-  <ds:schemaRefs>
-    <ds:schemaRef ds:uri="http://schemas.microsoft.com/VisualStudio/2011/storyboarding/control"/>
-  </ds:schemaRefs>
-</ds:datastoreItem>
-</file>
-
-<file path=customXml/itemProps99.xml><?xml version="1.0" encoding="utf-8"?>
-<ds:datastoreItem xmlns:ds="http://schemas.openxmlformats.org/officeDocument/2006/customXml" ds:itemID="{AEE5701B-910B-4A2F-A1BF-E4FBA79D6811}">
-  <ds:schemaRefs>
-    <ds:schemaRef ds:uri="http://schemas.microsoft.com/VisualStudio/2011/storyboarding/control"/>
-  </ds:schemaRefs>
-</ds:datastoreItem>
 </file>